--- a/_am/_ppt/amostly-grig.pptx
+++ b/_am/_ppt/amostly-grig.pptx
@@ -5,24 +5,25 @@
     <p:sldMasterId id="2147483648" r:id="rId1"/>
   </p:sldMasterIdLst>
   <p:notesMasterIdLst>
-    <p:notesMasterId r:id="rId17"/>
+    <p:notesMasterId r:id="rId18"/>
   </p:notesMasterIdLst>
   <p:sldIdLst>
     <p:sldId id="256" r:id="rId2"/>
     <p:sldId id="257" r:id="rId3"/>
     <p:sldId id="258" r:id="rId4"/>
-    <p:sldId id="259" r:id="rId5"/>
-    <p:sldId id="264" r:id="rId6"/>
-    <p:sldId id="260" r:id="rId7"/>
+    <p:sldId id="260" r:id="rId5"/>
+    <p:sldId id="262" r:id="rId6"/>
+    <p:sldId id="272" r:id="rId7"/>
     <p:sldId id="261" r:id="rId8"/>
-    <p:sldId id="262" r:id="rId9"/>
+    <p:sldId id="271" r:id="rId9"/>
     <p:sldId id="265" r:id="rId10"/>
-    <p:sldId id="263" r:id="rId11"/>
-    <p:sldId id="266" r:id="rId12"/>
-    <p:sldId id="267" r:id="rId13"/>
-    <p:sldId id="268" r:id="rId14"/>
-    <p:sldId id="269" r:id="rId15"/>
-    <p:sldId id="270" r:id="rId16"/>
+    <p:sldId id="266" r:id="rId11"/>
+    <p:sldId id="267" r:id="rId12"/>
+    <p:sldId id="268" r:id="rId13"/>
+    <p:sldId id="269" r:id="rId14"/>
+    <p:sldId id="270" r:id="rId15"/>
+    <p:sldId id="263" r:id="rId16"/>
+    <p:sldId id="273" r:id="rId17"/>
   </p:sldIdLst>
   <p:sldSz cx="13004800" cy="9753600"/>
   <p:notesSz cx="6858000" cy="9144000"/>
@@ -1717,11 +1718,11 @@
         </c:dLbls>
         <c:marker val="1"/>
         <c:smooth val="0"/>
-        <c:axId val="72301184"/>
-        <c:axId val="73945472"/>
+        <c:axId val="69445888"/>
+        <c:axId val="80666624"/>
       </c:lineChart>
       <c:catAx>
-        <c:axId val="72301184"/>
+        <c:axId val="69445888"/>
         <c:scaling>
           <c:orientation val="minMax"/>
         </c:scaling>
@@ -1730,7 +1731,7 @@
         <c:majorTickMark val="out"/>
         <c:minorTickMark val="none"/>
         <c:tickLblPos val="nextTo"/>
-        <c:crossAx val="73945472"/>
+        <c:crossAx val="80666624"/>
         <c:crosses val="autoZero"/>
         <c:auto val="1"/>
         <c:lblAlgn val="ctr"/>
@@ -1738,7 +1739,7 @@
         <c:noMultiLvlLbl val="0"/>
       </c:catAx>
       <c:valAx>
-        <c:axId val="73945472"/>
+        <c:axId val="80666624"/>
         <c:scaling>
           <c:orientation val="minMax"/>
         </c:scaling>
@@ -1749,7 +1750,7 @@
         <c:majorTickMark val="out"/>
         <c:minorTickMark val="none"/>
         <c:tickLblPos val="nextTo"/>
-        <c:crossAx val="72301184"/>
+        <c:crossAx val="69445888"/>
         <c:crosses val="autoZero"/>
         <c:crossBetween val="between"/>
       </c:valAx>
@@ -3233,11 +3234,11 @@
         </c:dLbls>
         <c:marker val="1"/>
         <c:smooth val="0"/>
-        <c:axId val="80967936"/>
-        <c:axId val="83300352"/>
+        <c:axId val="82199296"/>
+        <c:axId val="82200832"/>
       </c:lineChart>
       <c:catAx>
-        <c:axId val="80967936"/>
+        <c:axId val="82199296"/>
         <c:scaling>
           <c:orientation val="minMax"/>
         </c:scaling>
@@ -3246,7 +3247,7 @@
         <c:majorTickMark val="out"/>
         <c:minorTickMark val="none"/>
         <c:tickLblPos val="nextTo"/>
-        <c:crossAx val="83300352"/>
+        <c:crossAx val="82200832"/>
         <c:crosses val="autoZero"/>
         <c:auto val="1"/>
         <c:lblAlgn val="ctr"/>
@@ -3254,7 +3255,7 @@
         <c:noMultiLvlLbl val="0"/>
       </c:catAx>
       <c:valAx>
-        <c:axId val="83300352"/>
+        <c:axId val="82200832"/>
         <c:scaling>
           <c:orientation val="minMax"/>
         </c:scaling>
@@ -3265,7 +3266,7 @@
         <c:majorTickMark val="out"/>
         <c:minorTickMark val="none"/>
         <c:tickLblPos val="nextTo"/>
-        <c:crossAx val="80967936"/>
+        <c:crossAx val="82199296"/>
         <c:crosses val="autoZero"/>
         <c:crossBetween val="between"/>
       </c:valAx>
@@ -3386,11 +3387,11 @@
           <c:showBubbleSize val="0"/>
         </c:dLbls>
         <c:gapWidth val="150"/>
-        <c:axId val="45197184"/>
-        <c:axId val="45198720"/>
+        <c:axId val="82772352"/>
+        <c:axId val="82773888"/>
       </c:barChart>
       <c:catAx>
-        <c:axId val="45197184"/>
+        <c:axId val="82772352"/>
         <c:scaling>
           <c:orientation val="minMax"/>
         </c:scaling>
@@ -3399,7 +3400,7 @@
         <c:majorTickMark val="none"/>
         <c:minorTickMark val="none"/>
         <c:tickLblPos val="nextTo"/>
-        <c:crossAx val="45198720"/>
+        <c:crossAx val="82773888"/>
         <c:crosses val="autoZero"/>
         <c:auto val="1"/>
         <c:lblAlgn val="ctr"/>
@@ -3407,7 +3408,7 @@
         <c:noMultiLvlLbl val="0"/>
       </c:catAx>
       <c:valAx>
-        <c:axId val="45198720"/>
+        <c:axId val="82773888"/>
         <c:scaling>
           <c:orientation val="minMax"/>
         </c:scaling>
@@ -3418,7 +3419,7 @@
         <c:majorTickMark val="none"/>
         <c:minorTickMark val="none"/>
         <c:tickLblPos val="nextTo"/>
-        <c:crossAx val="45197184"/>
+        <c:crossAx val="82772352"/>
         <c:crosses val="autoZero"/>
         <c:crossBetween val="between"/>
       </c:valAx>
@@ -3580,11 +3581,11 @@
           <c:showBubbleSize val="0"/>
         </c:dLbls>
         <c:gapWidth val="150"/>
-        <c:axId val="46406272"/>
-        <c:axId val="46409600"/>
+        <c:axId val="82786560"/>
+        <c:axId val="82804736"/>
       </c:barChart>
       <c:catAx>
-        <c:axId val="46406272"/>
+        <c:axId val="82786560"/>
         <c:scaling>
           <c:orientation val="minMax"/>
         </c:scaling>
@@ -3593,7 +3594,7 @@
         <c:majorTickMark val="out"/>
         <c:minorTickMark val="none"/>
         <c:tickLblPos val="nextTo"/>
-        <c:crossAx val="46409600"/>
+        <c:crossAx val="82804736"/>
         <c:crosses val="autoZero"/>
         <c:auto val="1"/>
         <c:lblAlgn val="ctr"/>
@@ -3601,7 +3602,7 @@
         <c:noMultiLvlLbl val="0"/>
       </c:catAx>
       <c:valAx>
-        <c:axId val="46409600"/>
+        <c:axId val="82804736"/>
         <c:scaling>
           <c:orientation val="minMax"/>
         </c:scaling>
@@ -3612,7 +3613,7 @@
         <c:majorTickMark val="out"/>
         <c:minorTickMark val="none"/>
         <c:tickLblPos val="nextTo"/>
-        <c:crossAx val="46406272"/>
+        <c:crossAx val="82786560"/>
         <c:crosses val="autoZero"/>
         <c:crossBetween val="between"/>
       </c:valAx>
@@ -3835,6 +3836,67 @@
 </file>
 
 <file path=ppt/notesSlides/notesSlide1.xml><?xml version="1.0" encoding="utf-8"?>
+<p:notes xmlns:a="http://schemas.openxmlformats.org/drawingml/2006/main" xmlns:r="http://schemas.openxmlformats.org/officeDocument/2006/relationships" xmlns:p="http://schemas.openxmlformats.org/presentationml/2006/main">
+  <p:cSld>
+    <p:spTree>
+      <p:nvGrpSpPr>
+        <p:cNvPr id="1" name=""/>
+        <p:cNvGrpSpPr/>
+        <p:nvPr/>
+      </p:nvGrpSpPr>
+      <p:grpSpPr>
+        <a:xfrm>
+          <a:off x="0" y="0"/>
+          <a:ext cx="0" cy="0"/>
+          <a:chOff x="0" y="0"/>
+          <a:chExt cx="0" cy="0"/>
+        </a:xfrm>
+      </p:grpSpPr>
+      <p:sp>
+        <p:nvSpPr>
+          <p:cNvPr id="2" name="Slide Image Placeholder 1"/>
+          <p:cNvSpPr>
+            <a:spLocks noGrp="1" noRot="1" noChangeAspect="1"/>
+          </p:cNvSpPr>
+          <p:nvPr>
+            <p:ph type="sldImg"/>
+          </p:nvPr>
+        </p:nvSpPr>
+        <p:spPr/>
+      </p:sp>
+      <p:sp>
+        <p:nvSpPr>
+          <p:cNvPr id="3" name="Notes Placeholder 2"/>
+          <p:cNvSpPr>
+            <a:spLocks noGrp="1"/>
+          </p:cNvSpPr>
+          <p:nvPr>
+            <p:ph type="body" idx="1"/>
+          </p:nvPr>
+        </p:nvSpPr>
+        <p:spPr/>
+        <p:txBody>
+          <a:bodyPr/>
+          <a:lstStyle/>
+          <a:p>
+            <a:endParaRPr lang="en-GB" dirty="0"/>
+          </a:p>
+        </p:txBody>
+      </p:sp>
+    </p:spTree>
+    <p:extLst>
+      <p:ext uri="{BB962C8B-B14F-4D97-AF65-F5344CB8AC3E}">
+        <p14:creationId xmlns:p14="http://schemas.microsoft.com/office/powerpoint/2010/main" val="3923999667"/>
+      </p:ext>
+    </p:extLst>
+  </p:cSld>
+  <p:clrMapOvr>
+    <a:masterClrMapping/>
+  </p:clrMapOvr>
+</p:notes>
+</file>
+
+<file path=ppt/notesSlides/notesSlide2.xml><?xml version="1.0" encoding="utf-8"?>
 <p:notes xmlns:a="http://schemas.openxmlformats.org/drawingml/2006/main" xmlns:r="http://schemas.openxmlformats.org/officeDocument/2006/relationships" xmlns:p="http://schemas.openxmlformats.org/presentationml/2006/main">
   <p:cSld>
     <p:spTree>
@@ -5668,6 +5730,59 @@
           <a:chExt cx="0" cy="0"/>
         </a:xfrm>
       </p:grpSpPr>
+      <p:pic>
+        <p:nvPicPr>
+          <p:cNvPr id="4" name="Picture 2" descr="C:\Users\prow\Documents\viconOSC\_am\img\nexus.png"/>
+          <p:cNvPicPr>
+            <a:picLocks noChangeAspect="1" noChangeArrowheads="1"/>
+          </p:cNvPicPr>
+          <p:nvPr/>
+        </p:nvPicPr>
+        <p:blipFill>
+          <a:blip r:embed="rId2">
+            <a:extLst>
+              <a:ext uri="{BEBA8EAE-BF5A-486C-A8C5-ECC9F3942E4B}">
+                <a14:imgProps xmlns:a14="http://schemas.microsoft.com/office/drawing/2010/main">
+                  <a14:imgLayer r:embed="rId3">
+                    <a14:imgEffect>
+                      <a14:sharpenSoften amount="-71000"/>
+                    </a14:imgEffect>
+                    <a14:imgEffect>
+                      <a14:brightnessContrast bright="-89000" contrast="-50000"/>
+                    </a14:imgEffect>
+                  </a14:imgLayer>
+                </a14:imgProps>
+              </a:ext>
+              <a:ext uri="{28A0092B-C50C-407E-A947-70E740481C1C}">
+                <a14:useLocalDpi xmlns:a14="http://schemas.microsoft.com/office/drawing/2010/main" val="0"/>
+              </a:ext>
+            </a:extLst>
+          </a:blip>
+          <a:srcRect/>
+          <a:stretch>
+            <a:fillRect/>
+          </a:stretch>
+        </p:blipFill>
+        <p:spPr bwMode="auto">
+          <a:xfrm>
+            <a:off x="-2847603" y="-12357"/>
+            <a:ext cx="17960603" cy="10196384"/>
+          </a:xfrm>
+          <a:prstGeom prst="rect">
+            <a:avLst/>
+          </a:prstGeom>
+          <a:noFill/>
+          <a:extLst>
+            <a:ext uri="{909E8E84-426E-40DD-AFC4-6F175D3DCCD1}">
+              <a14:hiddenFill xmlns:a14="http://schemas.microsoft.com/office/drawing/2010/main">
+                <a:solidFill>
+                  <a:srgbClr val="FFFFFF"/>
+                </a:solidFill>
+              </a14:hiddenFill>
+            </a:ext>
+          </a:extLst>
+        </p:spPr>
+      </p:pic>
       <p:sp>
         <p:nvSpPr>
           <p:cNvPr id="2" name="Title 1"/>
@@ -5681,76 +5796,96 @@
         <p:spPr>
           <a:xfrm>
             <a:off x="1270000" y="-76200"/>
-            <a:ext cx="10464800" cy="6248400"/>
+            <a:ext cx="10464800" cy="7772400"/>
           </a:xfrm>
         </p:spPr>
         <p:txBody>
-          <a:bodyPr/>
+          <a:bodyPr>
+            <a:normAutofit/>
+          </a:bodyPr>
           <a:lstStyle/>
           <a:p>
             <a:r>
-              <a:rPr lang="en-GB" dirty="0" err="1" smtClean="0"/>
-              <a:t>Sonificarea</a:t>
-            </a:r>
-            <a:r>
-              <a:rPr lang="en-GB" dirty="0" smtClean="0"/>
+              <a:rPr lang="en-US" sz="7200" dirty="0"/>
+              <a:t>Structured interaction in the </a:t>
+            </a:r>
+            <a:r>
+              <a:rPr lang="en-US" sz="7200" i="1" dirty="0" err="1"/>
+              <a:t>SoundThimble</a:t>
+            </a:r>
+            <a:r>
+              <a:rPr lang="en-US" sz="7200" dirty="0"/>
+              <a:t/>
+            </a:r>
+            <a:br>
+              <a:rPr lang="en-US" sz="7200" dirty="0"/>
+            </a:br>
+            <a:r>
+              <a:rPr lang="en-GB" sz="7200" dirty="0"/>
+              <a:t>real-time gesture sonification framework</a:t>
+            </a:r>
+            <a:r>
+              <a:rPr lang="en-GB" sz="7200" dirty="0" smtClean="0"/>
+              <a:t/>
+            </a:r>
+            <a:br>
+              <a:rPr lang="en-GB" sz="7200" dirty="0" smtClean="0"/>
+            </a:br>
+            <a:r>
+              <a:rPr lang="en-GB" sz="7200" dirty="0" smtClean="0"/>
+              <a:t/>
+            </a:r>
+            <a:br>
+              <a:rPr lang="en-GB" sz="7200" dirty="0" smtClean="0"/>
+            </a:br>
+            <a:r>
+              <a:rPr lang="en-GB" sz="2800" dirty="0" err="1" smtClean="0"/>
+              <a:t>Grigore</a:t>
+            </a:r>
+            <a:r>
+              <a:rPr lang="en-GB" sz="2800" dirty="0" smtClean="0"/>
               <a:t> </a:t>
             </a:r>
             <a:r>
-              <a:rPr lang="en-GB" dirty="0" err="1" smtClean="0"/>
-              <a:t>gesturilor</a:t>
-            </a:r>
-            <a:r>
-              <a:rPr lang="en-GB" dirty="0" smtClean="0"/>
-              <a:t> cu </a:t>
-            </a:r>
-            <a:r>
-              <a:rPr lang="en-GB" i="1" dirty="0" err="1" smtClean="0"/>
-              <a:t>SoundThimble</a:t>
-            </a:r>
-            <a:r>
-              <a:rPr lang="en-GB" dirty="0" smtClean="0"/>
+              <a:rPr lang="en-GB" sz="2800" dirty="0" err="1" smtClean="0"/>
+              <a:t>Burloiu</a:t>
+            </a:r>
+            <a:r>
+              <a:rPr lang="en-GB" sz="2800" dirty="0" smtClean="0"/>
+              <a:t>, </a:t>
+            </a:r>
+            <a:r>
+              <a:rPr lang="ro-RO" sz="2800" dirty="0" smtClean="0"/>
+              <a:t>Ș</a:t>
+            </a:r>
+            <a:r>
+              <a:rPr lang="en-GB" sz="2800" dirty="0" err="1" smtClean="0"/>
+              <a:t>tefan</a:t>
+            </a:r>
+            <a:r>
+              <a:rPr lang="en-GB" sz="2800" dirty="0" smtClean="0"/>
+              <a:t> Damian, </a:t>
+            </a:r>
+            <a:r>
+              <a:rPr lang="en-GB" sz="2800" dirty="0" smtClean="0"/>
               <a:t/>
             </a:r>
             <a:br>
-              <a:rPr lang="en-GB" dirty="0" smtClean="0"/>
+              <a:rPr lang="en-GB" sz="2800" dirty="0" smtClean="0"/>
             </a:br>
             <a:r>
-              <a:rPr lang="en-GB" dirty="0" smtClean="0"/>
-              <a:t/>
-            </a:r>
-            <a:br>
-              <a:rPr lang="en-GB" dirty="0" smtClean="0"/>
-            </a:br>
-            <a:r>
-              <a:rPr lang="en-GB" sz="5400" dirty="0" err="1" smtClean="0"/>
-              <a:t>Grigore</a:t>
-            </a:r>
-            <a:r>
-              <a:rPr lang="en-GB" sz="5400" dirty="0" smtClean="0"/>
-              <a:t> </a:t>
-            </a:r>
-            <a:r>
-              <a:rPr lang="en-GB" sz="5400" dirty="0" err="1" smtClean="0"/>
-              <a:t>Burloiu</a:t>
-            </a:r>
-            <a:r>
-              <a:rPr lang="en-GB" sz="5400" dirty="0" smtClean="0"/>
-              <a:t>, </a:t>
-            </a:r>
-            <a:r>
-              <a:rPr lang="ro-RO" sz="5400" dirty="0" smtClean="0"/>
-              <a:t>Ș</a:t>
-            </a:r>
-            <a:r>
-              <a:rPr lang="en-GB" sz="5400" dirty="0" err="1" smtClean="0"/>
-              <a:t>tefan</a:t>
-            </a:r>
-            <a:r>
-              <a:rPr lang="en-GB" sz="5400" dirty="0" smtClean="0"/>
-              <a:t> Damian</a:t>
-            </a:r>
-            <a:endParaRPr lang="en-GB" sz="6000" dirty="0"/>
+              <a:rPr lang="en-GB" sz="2800" dirty="0" smtClean="0"/>
+              <a:t>Valentin </a:t>
+            </a:r>
+            <a:r>
+              <a:rPr lang="en-GB" sz="2800" dirty="0" smtClean="0"/>
+              <a:t>Mihai, Bogdan </a:t>
+            </a:r>
+            <a:r>
+              <a:rPr lang="en-GB" sz="2800" dirty="0" err="1" smtClean="0"/>
+              <a:t>Golumbeanu</a:t>
+            </a:r>
+            <a:endParaRPr lang="en-GB" sz="2800" dirty="0"/>
           </a:p>
         </p:txBody>
       </p:sp>
@@ -5766,31 +5901,41 @@
         </p:nvSpPr>
         <p:spPr>
           <a:xfrm>
-            <a:off x="1270000" y="8013700"/>
+            <a:off x="1270000" y="8470900"/>
             <a:ext cx="10464800" cy="673100"/>
           </a:xfrm>
         </p:spPr>
         <p:txBody>
-          <a:bodyPr/>
+          <a:bodyPr>
+            <a:normAutofit/>
+          </a:bodyPr>
           <a:lstStyle/>
           <a:p>
             <a:r>
-              <a:rPr lang="ro-RO" dirty="0" smtClean="0"/>
-              <a:t>29</a:t>
-            </a:r>
-            <a:r>
-              <a:rPr lang="en-GB" dirty="0" smtClean="0"/>
-              <a:t> </a:t>
-            </a:r>
-            <a:r>
-              <a:rPr lang="ro-RO" dirty="0" smtClean="0"/>
-              <a:t>iunie</a:t>
-            </a:r>
-            <a:r>
-              <a:rPr lang="en-GB" dirty="0" smtClean="0"/>
-              <a:t> 2017</a:t>
-            </a:r>
-            <a:endParaRPr lang="en-GB" dirty="0"/>
+              <a:rPr lang="en-US" sz="2400" dirty="0" err="1" smtClean="0"/>
+              <a:t>AudioMostly</a:t>
+            </a:r>
+            <a:r>
+              <a:rPr lang="en-US" sz="2400" dirty="0" smtClean="0"/>
+              <a:t> ’17, August </a:t>
+            </a:r>
+            <a:r>
+              <a:rPr lang="en-US" sz="2400" dirty="0" smtClean="0"/>
+              <a:t>23, </a:t>
+            </a:r>
+            <a:r>
+              <a:rPr lang="en-US" sz="2400" dirty="0" smtClean="0"/>
+              <a:t>2017, </a:t>
+            </a:r>
+            <a:r>
+              <a:rPr lang="en-US" sz="2400" dirty="0"/>
+              <a:t>London, </a:t>
+            </a:r>
+            <a:r>
+              <a:rPr lang="en-US" sz="2400" dirty="0" smtClean="0"/>
+              <a:t>UK</a:t>
+            </a:r>
+            <a:endParaRPr lang="en-GB" sz="2400" dirty="0"/>
           </a:p>
         </p:txBody>
       </p:sp>
@@ -5850,7 +5995,7 @@
         </p:spPr>
         <p:txBody>
           <a:bodyPr>
-            <a:normAutofit fontScale="90000"/>
+            <a:normAutofit/>
           </a:bodyPr>
           <a:lstStyle/>
           <a:p>
@@ -5860,8 +6005,8 @@
               </a:spcBef>
             </a:pPr>
             <a:r>
-              <a:rPr lang="ro-RO" dirty="0" smtClean="0"/>
-              <a:t>Concluzii și perspective</a:t>
+              <a:rPr lang="en-US" dirty="0" smtClean="0"/>
+              <a:t>4. Evaluation</a:t>
             </a:r>
             <a:endParaRPr lang="ro-RO" dirty="0"/>
           </a:p>
@@ -5885,7 +6030,7 @@
         </p:spPr>
         <p:txBody>
           <a:bodyPr anchor="ctr">
-            <a:normAutofit lnSpcReduction="10000"/>
+            <a:normAutofit/>
           </a:bodyPr>
           <a:lstStyle/>
           <a:p>
@@ -5899,17 +6044,8 @@
             </a:pPr>
             <a:r>
               <a:rPr lang="en-US" sz="3800" dirty="0" smtClean="0"/>
-              <a:t>platform</a:t>
-            </a:r>
-            <a:r>
-              <a:rPr lang="ro-RO" sz="3800" dirty="0" smtClean="0"/>
-              <a:t>ă multi-nivel, </a:t>
-            </a:r>
-            <a:r>
-              <a:rPr lang="ro-RO" sz="3800" i="1" dirty="0" smtClean="0"/>
-              <a:t>open source</a:t>
-            </a:r>
-            <a:endParaRPr lang="ro-RO" sz="3800" dirty="0" smtClean="0"/>
+              <a:t>14 participants</a:t>
+            </a:r>
           </a:p>
           <a:p>
             <a:pPr marL="742950" indent="-742950" algn="l">
@@ -5921,9 +6057,10 @@
               <a:buChar char="•"/>
             </a:pPr>
             <a:r>
-              <a:rPr lang="ro-RO" sz="3800" dirty="0" smtClean="0"/>
-              <a:t>portabilitate, extensibilitate</a:t>
-            </a:r>
+              <a:rPr lang="en-US" sz="3800" dirty="0" smtClean="0"/>
+              <a:t>initial results</a:t>
+            </a:r>
+            <a:endParaRPr lang="en-US" sz="3800" dirty="0" smtClean="0"/>
           </a:p>
           <a:p>
             <a:pPr marL="742950" indent="-742950" algn="l">
@@ -5935,84 +6072,51 @@
               <a:buChar char="•"/>
             </a:pPr>
             <a:r>
-              <a:rPr lang="ro-RO" sz="3800" dirty="0" smtClean="0"/>
-              <a:t>metode de evaluare?</a:t>
+              <a:rPr lang="en-US" sz="3800" dirty="0" smtClean="0"/>
+              <a:t>3 tests:</a:t>
             </a:r>
           </a:p>
           <a:p>
-            <a:pPr marL="742950" indent="-742950" algn="l">
-              <a:spcBef>
-                <a:spcPts val="4200"/>
-              </a:spcBef>
-              <a:buSzPct val="75000"/>
-              <a:buFont typeface="Arial" panose="020B0604020202020204" pitchFamily="34" charset="0"/>
-              <a:buChar char="•"/>
+            <a:pPr marL="742950" lvl="4" indent="-742950" algn="l">
+              <a:buFont typeface="Wingdings" panose="05000000000000000000" pitchFamily="2" charset="2"/>
+              <a:buChar char="Ø"/>
             </a:pPr>
             <a:r>
-              <a:rPr lang="ro-RO" sz="3800" dirty="0" smtClean="0"/>
-              <a:t>colaborări cu artiști</a:t>
-            </a:r>
-            <a:r>
-              <a:rPr lang="en-US" sz="3800" dirty="0" smtClean="0"/>
-              <a:t>: </a:t>
-            </a:r>
-            <a:r>
-              <a:rPr lang="en-US" sz="3800" dirty="0" err="1" smtClean="0"/>
-              <a:t>coregrafi</a:t>
-            </a:r>
-            <a:r>
-              <a:rPr lang="en-US" sz="3800" dirty="0" smtClean="0"/>
-              <a:t>, </a:t>
-            </a:r>
-            <a:r>
-              <a:rPr lang="en-US" sz="3800" dirty="0" err="1" smtClean="0"/>
-              <a:t>muzicieni</a:t>
-            </a:r>
-            <a:r>
-              <a:rPr lang="en-US" sz="3800" dirty="0" smtClean="0"/>
-              <a:t>, …?</a:t>
+              <a:rPr lang="en-US" dirty="0" smtClean="0"/>
+              <a:t>gesture recognition (how quick? how reliable?)</a:t>
             </a:r>
           </a:p>
           <a:p>
-            <a:pPr marL="742950" indent="-742950" algn="l">
-              <a:spcBef>
-                <a:spcPts val="4200"/>
-              </a:spcBef>
-              <a:buSzPct val="75000"/>
-              <a:buFont typeface="Arial" panose="020B0604020202020204" pitchFamily="34" charset="0"/>
-              <a:buChar char="•"/>
+            <a:pPr marL="742950" lvl="4" indent="-742950" algn="l">
+              <a:buFont typeface="Wingdings" panose="05000000000000000000" pitchFamily="2" charset="2"/>
+              <a:buChar char="Ø"/>
             </a:pPr>
             <a:r>
-              <a:rPr lang="en-US" sz="3800" dirty="0" err="1" smtClean="0"/>
-              <a:t>dezvoltare</a:t>
-            </a:r>
-            <a:r>
-              <a:rPr lang="en-US" sz="3800" dirty="0" smtClean="0"/>
-              <a:t> software?</a:t>
-            </a:r>
-            <a:endParaRPr lang="ro-RO" sz="3800" dirty="0" smtClean="0"/>
+              <a:rPr lang="en-US" i="1" dirty="0" smtClean="0"/>
+              <a:t>thimble </a:t>
+            </a:r>
+            <a:r>
+              <a:rPr lang="en-US" dirty="0" smtClean="0"/>
+              <a:t>search (how fast do people find it?)</a:t>
+            </a:r>
           </a:p>
           <a:p>
-            <a:pPr marL="742950" indent="-742950" algn="l">
-              <a:spcBef>
-                <a:spcPts val="4200"/>
-              </a:spcBef>
-              <a:buSzPct val="75000"/>
-              <a:buFont typeface="Arial" panose="020B0604020202020204" pitchFamily="34" charset="0"/>
-              <a:buChar char="•"/>
+            <a:pPr marL="742950" lvl="4" indent="-742950" algn="l">
+              <a:buFont typeface="Wingdings" panose="05000000000000000000" pitchFamily="2" charset="2"/>
+              <a:buChar char="Ø"/>
             </a:pPr>
             <a:r>
-              <a:rPr lang="ro-RO" sz="3800" dirty="0" smtClean="0"/>
-              <a:t>sunet spațial?</a:t>
-            </a:r>
-            <a:endParaRPr lang="en-GB" sz="3800" dirty="0"/>
+              <a:rPr lang="en-US" dirty="0" smtClean="0"/>
+              <a:t>sound manipulation (6 questions)</a:t>
+            </a:r>
+            <a:endParaRPr lang="en-GB" dirty="0"/>
           </a:p>
         </p:txBody>
       </p:sp>
     </p:spTree>
     <p:extLst>
       <p:ext uri="{BB962C8B-B14F-4D97-AF65-F5344CB8AC3E}">
-        <p14:creationId xmlns:p14="http://schemas.microsoft.com/office/powerpoint/2010/main" val="1663731687"/>
+        <p14:creationId xmlns:p14="http://schemas.microsoft.com/office/powerpoint/2010/main" val="3701047390"/>
       </p:ext>
     </p:extLst>
   </p:cSld>
@@ -6075,183 +6179,14 @@
               </a:spcBef>
             </a:pPr>
             <a:r>
-              <a:rPr lang="en-US" dirty="0" smtClean="0"/>
-              <a:t>Evaluation</a:t>
-            </a:r>
-            <a:endParaRPr lang="ro-RO" dirty="0"/>
-          </a:p>
-        </p:txBody>
-      </p:sp>
-      <p:sp>
-        <p:nvSpPr>
-          <p:cNvPr id="3" name="Text Placeholder 2"/>
-          <p:cNvSpPr>
-            <a:spLocks noGrp="1"/>
-          </p:cNvSpPr>
-          <p:nvPr>
-            <p:ph type="body" idx="1"/>
-          </p:nvPr>
-        </p:nvSpPr>
-        <p:spPr>
-          <a:xfrm>
-            <a:off x="1320800" y="2514600"/>
-            <a:ext cx="10464800" cy="6019800"/>
-          </a:xfrm>
-        </p:spPr>
-        <p:txBody>
-          <a:bodyPr anchor="ctr">
-            <a:normAutofit/>
-          </a:bodyPr>
-          <a:lstStyle/>
-          <a:p>
-            <a:pPr marL="742950" indent="-742950" algn="l">
-              <a:spcBef>
-                <a:spcPts val="4200"/>
-              </a:spcBef>
-              <a:buSzPct val="75000"/>
-              <a:buFont typeface="Arial" panose="020B0604020202020204" pitchFamily="34" charset="0"/>
-              <a:buChar char="•"/>
-            </a:pPr>
-            <a:r>
-              <a:rPr lang="en-US" sz="3800" dirty="0" smtClean="0"/>
-              <a:t>14 participants</a:t>
-            </a:r>
-          </a:p>
-          <a:p>
-            <a:pPr marL="742950" indent="-742950" algn="l">
-              <a:spcBef>
-                <a:spcPts val="4200"/>
-              </a:spcBef>
-              <a:buSzPct val="75000"/>
-              <a:buFont typeface="Arial" panose="020B0604020202020204" pitchFamily="34" charset="0"/>
-              <a:buChar char="•"/>
-            </a:pPr>
-            <a:r>
-              <a:rPr lang="en-US" sz="3800" dirty="0" smtClean="0"/>
-              <a:t>preliminary results</a:t>
-            </a:r>
-          </a:p>
-          <a:p>
-            <a:pPr marL="742950" indent="-742950" algn="l">
-              <a:spcBef>
-                <a:spcPts val="4200"/>
-              </a:spcBef>
-              <a:buSzPct val="75000"/>
-              <a:buFont typeface="Arial" panose="020B0604020202020204" pitchFamily="34" charset="0"/>
-              <a:buChar char="•"/>
-            </a:pPr>
-            <a:r>
-              <a:rPr lang="en-US" sz="3800" dirty="0" smtClean="0"/>
-              <a:t>3 tests:</a:t>
-            </a:r>
-          </a:p>
-          <a:p>
-            <a:pPr marL="742950" lvl="4" indent="-742950" algn="l">
-              <a:buFont typeface="Wingdings" panose="05000000000000000000" pitchFamily="2" charset="2"/>
-              <a:buChar char="Ø"/>
-            </a:pPr>
-            <a:r>
-              <a:rPr lang="en-US" dirty="0" smtClean="0"/>
-              <a:t>gesture recognition (how quick? how reliable?)</a:t>
-            </a:r>
-          </a:p>
-          <a:p>
-            <a:pPr marL="742950" lvl="4" indent="-742950" algn="l">
-              <a:buFont typeface="Wingdings" panose="05000000000000000000" pitchFamily="2" charset="2"/>
-              <a:buChar char="Ø"/>
-            </a:pPr>
-            <a:r>
-              <a:rPr lang="en-US" i="1" dirty="0" smtClean="0"/>
-              <a:t>thimble </a:t>
-            </a:r>
-            <a:r>
-              <a:rPr lang="en-US" dirty="0" smtClean="0"/>
-              <a:t>search (how fast do people find it?)</a:t>
-            </a:r>
-          </a:p>
-          <a:p>
-            <a:pPr marL="742950" lvl="4" indent="-742950" algn="l">
-              <a:buFont typeface="Wingdings" panose="05000000000000000000" pitchFamily="2" charset="2"/>
-              <a:buChar char="Ø"/>
-            </a:pPr>
-            <a:r>
-              <a:rPr lang="en-US" dirty="0" smtClean="0"/>
-              <a:t>sound manipulation (6 questions)</a:t>
-            </a:r>
-            <a:endParaRPr lang="en-GB" dirty="0"/>
-          </a:p>
-        </p:txBody>
-      </p:sp>
-    </p:spTree>
-    <p:extLst>
-      <p:ext uri="{BB962C8B-B14F-4D97-AF65-F5344CB8AC3E}">
-        <p14:creationId xmlns:p14="http://schemas.microsoft.com/office/powerpoint/2010/main" val="3701047390"/>
-      </p:ext>
-    </p:extLst>
-  </p:cSld>
-  <p:clrMapOvr>
-    <a:masterClrMapping/>
-  </p:clrMapOvr>
-  <p:transition spd="med"/>
-  <p:timing>
-    <p:tnLst>
-      <p:par>
-        <p:cTn id="1" dur="indefinite" restart="never" nodeType="tmRoot"/>
-      </p:par>
-    </p:tnLst>
-  </p:timing>
-</p:sld>
-</file>
-
-<file path=ppt/slides/slide12.xml><?xml version="1.0" encoding="utf-8"?>
-<p:sld xmlns:a="http://schemas.openxmlformats.org/drawingml/2006/main" xmlns:r="http://schemas.openxmlformats.org/officeDocument/2006/relationships" xmlns:p="http://schemas.openxmlformats.org/presentationml/2006/main">
-  <p:cSld>
-    <p:spTree>
-      <p:nvGrpSpPr>
-        <p:cNvPr id="1" name=""/>
-        <p:cNvGrpSpPr/>
-        <p:nvPr/>
-      </p:nvGrpSpPr>
-      <p:grpSpPr>
-        <a:xfrm>
-          <a:off x="0" y="0"/>
-          <a:ext cx="0" cy="0"/>
-          <a:chOff x="0" y="0"/>
-          <a:chExt cx="0" cy="0"/>
-        </a:xfrm>
-      </p:grpSpPr>
-      <p:sp>
-        <p:nvSpPr>
-          <p:cNvPr id="2" name="Title 1"/>
-          <p:cNvSpPr>
-            <a:spLocks noGrp="1"/>
-          </p:cNvSpPr>
-          <p:nvPr>
-            <p:ph type="title"/>
-          </p:nvPr>
-        </p:nvSpPr>
-        <p:spPr>
-          <a:xfrm>
-            <a:off x="1320800" y="304800"/>
-            <a:ext cx="10464800" cy="1524000"/>
-          </a:xfrm>
-        </p:spPr>
-        <p:txBody>
-          <a:bodyPr>
-            <a:normAutofit/>
-          </a:bodyPr>
-          <a:lstStyle/>
-          <a:p>
-            <a:pPr marL="742950" indent="-742950">
-              <a:spcBef>
-                <a:spcPts val="4200"/>
-              </a:spcBef>
-            </a:pPr>
-            <a:r>
-              <a:rPr lang="en-US" dirty="0" smtClean="0"/>
-              <a:t>Gesture recognition</a:t>
-            </a:r>
-            <a:endParaRPr lang="ro-RO" dirty="0"/>
+              <a:rPr lang="en-US" sz="6600" dirty="0" smtClean="0"/>
+              <a:t>4. Gesture </a:t>
+            </a:r>
+            <a:r>
+              <a:rPr lang="en-US" sz="6600" dirty="0" smtClean="0"/>
+              <a:t>recognition</a:t>
+            </a:r>
+            <a:endParaRPr lang="ro-RO" sz="6600" dirty="0"/>
           </a:p>
         </p:txBody>
       </p:sp>
@@ -6273,7 +6208,7 @@
         </p:spPr>
         <p:txBody>
           <a:bodyPr anchor="ctr">
-            <a:normAutofit/>
+            <a:normAutofit fontScale="70000" lnSpcReduction="20000"/>
           </a:bodyPr>
           <a:lstStyle/>
           <a:p>
@@ -6305,7 +6240,29 @@
             </a:pPr>
             <a:r>
               <a:rPr lang="en-US" sz="3800" dirty="0" smtClean="0"/>
-              <a:t>trained on 3 gestures</a:t>
+              <a:t>trained on 3 </a:t>
+            </a:r>
+            <a:r>
+              <a:rPr lang="en-US" sz="3800" dirty="0" smtClean="0"/>
+              <a:t>gestures</a:t>
+            </a:r>
+          </a:p>
+          <a:p>
+            <a:pPr marL="742950" indent="-742950" algn="l">
+              <a:spcBef>
+                <a:spcPts val="4200"/>
+              </a:spcBef>
+              <a:buSzPct val="75000"/>
+              <a:buFont typeface="Arial" panose="020B0604020202020204" pitchFamily="34" charset="0"/>
+              <a:buChar char="•"/>
+            </a:pPr>
+            <a:r>
+              <a:rPr lang="en-US" sz="3800" dirty="0" err="1" smtClean="0"/>
+              <a:t>MuBu</a:t>
+            </a:r>
+            <a:r>
+              <a:rPr lang="en-US" sz="3800" dirty="0" smtClean="0"/>
+              <a:t>-HHMM: continuous probabilities</a:t>
             </a:r>
             <a:endParaRPr lang="en-GB" dirty="0"/>
           </a:p>
@@ -6320,13 +6277,13 @@
           <p:nvPr>
             <p:extLst>
               <p:ext uri="{D42A27DB-BD31-4B8C-83A1-F6EECF244321}">
-                <p14:modId xmlns:p14="http://schemas.microsoft.com/office/powerpoint/2010/main" val="1772991319"/>
+                <p14:modId xmlns:p14="http://schemas.microsoft.com/office/powerpoint/2010/main" val="1538619593"/>
               </p:ext>
             </p:extLst>
           </p:nvPr>
         </p:nvGraphicFramePr>
         <p:xfrm>
-          <a:off x="711200" y="4572000"/>
+          <a:off x="711200" y="4745692"/>
           <a:ext cx="5983941" cy="4626908"/>
         </p:xfrm>
         <a:graphic>
@@ -6344,13 +6301,13 @@
           <p:nvPr>
             <p:extLst>
               <p:ext uri="{D42A27DB-BD31-4B8C-83A1-F6EECF244321}">
-                <p14:modId xmlns:p14="http://schemas.microsoft.com/office/powerpoint/2010/main" val="2496282669"/>
+                <p14:modId xmlns:p14="http://schemas.microsoft.com/office/powerpoint/2010/main" val="393681236"/>
               </p:ext>
             </p:extLst>
           </p:nvPr>
         </p:nvGraphicFramePr>
         <p:xfrm>
-          <a:off x="6959600" y="4343400"/>
+          <a:off x="6959600" y="4517092"/>
           <a:ext cx="5791200" cy="4724400"/>
         </p:xfrm>
         <a:graphic>
@@ -6601,6 +6558,567 @@
   <p:timing>
     <p:tnLst>
       <p:par>
+        <p:cTn id="1" dur="indefinite" restart="never" nodeType="tmRoot">
+          <p:childTnLst>
+            <p:seq concurrent="1" nextAc="seek">
+              <p:cTn id="2" dur="indefinite" nodeType="mainSeq">
+                <p:childTnLst>
+                  <p:par>
+                    <p:cTn id="3" fill="hold">
+                      <p:stCondLst>
+                        <p:cond delay="indefinite"/>
+                        <p:cond evt="onBegin" delay="0">
+                          <p:tn val="2"/>
+                        </p:cond>
+                      </p:stCondLst>
+                      <p:childTnLst>
+                        <p:par>
+                          <p:cTn id="4" fill="hold">
+                            <p:stCondLst>
+                              <p:cond delay="0"/>
+                            </p:stCondLst>
+                            <p:childTnLst>
+                              <p:par>
+                                <p:cTn id="5" presetID="1" presetClass="entr" presetSubtype="0" fill="hold" grpId="0" nodeType="withEffect">
+                                  <p:stCondLst>
+                                    <p:cond delay="0"/>
+                                  </p:stCondLst>
+                                  <p:childTnLst>
+                                    <p:set>
+                                      <p:cBhvr>
+                                        <p:cTn id="6" dur="1" fill="hold">
+                                          <p:stCondLst>
+                                            <p:cond delay="0"/>
+                                          </p:stCondLst>
+                                        </p:cTn>
+                                        <p:tgtEl>
+                                          <p:spTgt spid="3">
+                                            <p:txEl>
+                                              <p:pRg st="0" end="0"/>
+                                            </p:txEl>
+                                          </p:spTgt>
+                                        </p:tgtEl>
+                                        <p:attrNameLst>
+                                          <p:attrName>style.visibility</p:attrName>
+                                        </p:attrNameLst>
+                                      </p:cBhvr>
+                                      <p:to>
+                                        <p:strVal val="visible"/>
+                                      </p:to>
+                                    </p:set>
+                                  </p:childTnLst>
+                                </p:cTn>
+                              </p:par>
+                              <p:par>
+                                <p:cTn id="7" presetID="1" presetClass="entr" presetSubtype="0" fill="hold" grpId="0" nodeType="withEffect">
+                                  <p:stCondLst>
+                                    <p:cond delay="0"/>
+                                  </p:stCondLst>
+                                  <p:childTnLst>
+                                    <p:set>
+                                      <p:cBhvr>
+                                        <p:cTn id="8" dur="1" fill="hold">
+                                          <p:stCondLst>
+                                            <p:cond delay="0"/>
+                                          </p:stCondLst>
+                                        </p:cTn>
+                                        <p:tgtEl>
+                                          <p:spTgt spid="3">
+                                            <p:txEl>
+                                              <p:pRg st="1" end="1"/>
+                                            </p:txEl>
+                                          </p:spTgt>
+                                        </p:tgtEl>
+                                        <p:attrNameLst>
+                                          <p:attrName>style.visibility</p:attrName>
+                                        </p:attrNameLst>
+                                      </p:cBhvr>
+                                      <p:to>
+                                        <p:strVal val="visible"/>
+                                      </p:to>
+                                    </p:set>
+                                  </p:childTnLst>
+                                </p:cTn>
+                              </p:par>
+                              <p:par>
+                                <p:cTn id="9" presetID="1" presetClass="entr" presetSubtype="0" fill="hold" grpId="0" nodeType="withEffect">
+                                  <p:stCondLst>
+                                    <p:cond delay="0"/>
+                                  </p:stCondLst>
+                                  <p:childTnLst>
+                                    <p:set>
+                                      <p:cBhvr>
+                                        <p:cTn id="10" dur="1" fill="hold">
+                                          <p:stCondLst>
+                                            <p:cond delay="0"/>
+                                          </p:stCondLst>
+                                        </p:cTn>
+                                        <p:tgtEl>
+                                          <p:spTgt spid="3">
+                                            <p:txEl>
+                                              <p:pRg st="2" end="2"/>
+                                            </p:txEl>
+                                          </p:spTgt>
+                                        </p:tgtEl>
+                                        <p:attrNameLst>
+                                          <p:attrName>style.visibility</p:attrName>
+                                        </p:attrNameLst>
+                                      </p:cBhvr>
+                                      <p:to>
+                                        <p:strVal val="visible"/>
+                                      </p:to>
+                                    </p:set>
+                                  </p:childTnLst>
+                                </p:cTn>
+                              </p:par>
+                            </p:childTnLst>
+                          </p:cTn>
+                        </p:par>
+                      </p:childTnLst>
+                    </p:cTn>
+                  </p:par>
+                  <p:par>
+                    <p:cTn id="11" fill="hold">
+                      <p:stCondLst>
+                        <p:cond delay="indefinite"/>
+                      </p:stCondLst>
+                      <p:childTnLst>
+                        <p:par>
+                          <p:cTn id="12" fill="hold">
+                            <p:stCondLst>
+                              <p:cond delay="0"/>
+                            </p:stCondLst>
+                            <p:childTnLst>
+                              <p:par>
+                                <p:cTn id="13" presetID="1" presetClass="entr" presetSubtype="0" fill="hold" grpId="0" nodeType="clickEffect">
+                                  <p:stCondLst>
+                                    <p:cond delay="0"/>
+                                  </p:stCondLst>
+                                  <p:childTnLst>
+                                    <p:set>
+                                      <p:cBhvr>
+                                        <p:cTn id="14" dur="1" fill="hold">
+                                          <p:stCondLst>
+                                            <p:cond delay="0"/>
+                                          </p:stCondLst>
+                                        </p:cTn>
+                                        <p:tgtEl>
+                                          <p:spTgt spid="4"/>
+                                        </p:tgtEl>
+                                        <p:attrNameLst>
+                                          <p:attrName>style.visibility</p:attrName>
+                                        </p:attrNameLst>
+                                      </p:cBhvr>
+                                      <p:to>
+                                        <p:strVal val="visible"/>
+                                      </p:to>
+                                    </p:set>
+                                  </p:childTnLst>
+                                </p:cTn>
+                              </p:par>
+                            </p:childTnLst>
+                          </p:cTn>
+                        </p:par>
+                      </p:childTnLst>
+                    </p:cTn>
+                  </p:par>
+                  <p:par>
+                    <p:cTn id="15" fill="hold">
+                      <p:stCondLst>
+                        <p:cond delay="indefinite"/>
+                      </p:stCondLst>
+                      <p:childTnLst>
+                        <p:par>
+                          <p:cTn id="16" fill="hold">
+                            <p:stCondLst>
+                              <p:cond delay="0"/>
+                            </p:stCondLst>
+                            <p:childTnLst>
+                              <p:par>
+                                <p:cTn id="17" presetID="1" presetClass="entr" presetSubtype="0" fill="hold" grpId="0" nodeType="clickEffect">
+                                  <p:stCondLst>
+                                    <p:cond delay="0"/>
+                                  </p:stCondLst>
+                                  <p:childTnLst>
+                                    <p:set>
+                                      <p:cBhvr>
+                                        <p:cTn id="18" dur="1" fill="hold">
+                                          <p:stCondLst>
+                                            <p:cond delay="0"/>
+                                          </p:stCondLst>
+                                        </p:cTn>
+                                        <p:tgtEl>
+                                          <p:spTgt spid="6"/>
+                                        </p:tgtEl>
+                                        <p:attrNameLst>
+                                          <p:attrName>style.visibility</p:attrName>
+                                        </p:attrNameLst>
+                                      </p:cBhvr>
+                                      <p:to>
+                                        <p:strVal val="visible"/>
+                                      </p:to>
+                                    </p:set>
+                                  </p:childTnLst>
+                                </p:cTn>
+                              </p:par>
+                            </p:childTnLst>
+                          </p:cTn>
+                        </p:par>
+                      </p:childTnLst>
+                    </p:cTn>
+                  </p:par>
+                  <p:par>
+                    <p:cTn id="19" fill="hold">
+                      <p:stCondLst>
+                        <p:cond delay="indefinite"/>
+                      </p:stCondLst>
+                      <p:childTnLst>
+                        <p:par>
+                          <p:cTn id="20" fill="hold">
+                            <p:stCondLst>
+                              <p:cond delay="0"/>
+                            </p:stCondLst>
+                            <p:childTnLst>
+                              <p:par>
+                                <p:cTn id="21" presetID="1" presetClass="entr" presetSubtype="0" fill="hold" grpId="0" nodeType="clickEffect">
+                                  <p:stCondLst>
+                                    <p:cond delay="0"/>
+                                  </p:stCondLst>
+                                  <p:childTnLst>
+                                    <p:set>
+                                      <p:cBhvr>
+                                        <p:cTn id="22" dur="1" fill="hold">
+                                          <p:stCondLst>
+                                            <p:cond delay="0"/>
+                                          </p:stCondLst>
+                                        </p:cTn>
+                                        <p:tgtEl>
+                                          <p:spTgt spid="5"/>
+                                        </p:tgtEl>
+                                        <p:attrNameLst>
+                                          <p:attrName>style.visibility</p:attrName>
+                                        </p:attrNameLst>
+                                      </p:cBhvr>
+                                      <p:to>
+                                        <p:strVal val="visible"/>
+                                      </p:to>
+                                    </p:set>
+                                  </p:childTnLst>
+                                </p:cTn>
+                              </p:par>
+                            </p:childTnLst>
+                          </p:cTn>
+                        </p:par>
+                      </p:childTnLst>
+                    </p:cTn>
+                  </p:par>
+                  <p:par>
+                    <p:cTn id="23" fill="hold">
+                      <p:stCondLst>
+                        <p:cond delay="indefinite"/>
+                      </p:stCondLst>
+                      <p:childTnLst>
+                        <p:par>
+                          <p:cTn id="24" fill="hold">
+                            <p:stCondLst>
+                              <p:cond delay="0"/>
+                            </p:stCondLst>
+                            <p:childTnLst>
+                              <p:par>
+                                <p:cTn id="25" presetID="1" presetClass="entr" presetSubtype="0" fill="hold" grpId="0" nodeType="clickEffect">
+                                  <p:stCondLst>
+                                    <p:cond delay="0"/>
+                                  </p:stCondLst>
+                                  <p:childTnLst>
+                                    <p:set>
+                                      <p:cBhvr>
+                                        <p:cTn id="26" dur="1" fill="hold">
+                                          <p:stCondLst>
+                                            <p:cond delay="0"/>
+                                          </p:stCondLst>
+                                        </p:cTn>
+                                        <p:tgtEl>
+                                          <p:spTgt spid="7"/>
+                                        </p:tgtEl>
+                                        <p:attrNameLst>
+                                          <p:attrName>style.visibility</p:attrName>
+                                        </p:attrNameLst>
+                                      </p:cBhvr>
+                                      <p:to>
+                                        <p:strVal val="visible"/>
+                                      </p:to>
+                                    </p:set>
+                                  </p:childTnLst>
+                                </p:cTn>
+                              </p:par>
+                            </p:childTnLst>
+                          </p:cTn>
+                        </p:par>
+                      </p:childTnLst>
+                    </p:cTn>
+                  </p:par>
+                </p:childTnLst>
+              </p:cTn>
+              <p:prevCondLst>
+                <p:cond evt="onPrev" delay="0">
+                  <p:tgtEl>
+                    <p:sldTgt/>
+                  </p:tgtEl>
+                </p:cond>
+              </p:prevCondLst>
+              <p:nextCondLst>
+                <p:cond evt="onNext" delay="0">
+                  <p:tgtEl>
+                    <p:sldTgt/>
+                  </p:tgtEl>
+                </p:cond>
+              </p:nextCondLst>
+            </p:seq>
+          </p:childTnLst>
+        </p:cTn>
+      </p:par>
+    </p:tnLst>
+    <p:bldLst>
+      <p:bldP spid="3" grpId="0" uiExpand="1" build="p"/>
+      <p:bldGraphic spid="4" grpId="0">
+        <p:bldAsOne/>
+      </p:bldGraphic>
+      <p:bldGraphic spid="5" grpId="0">
+        <p:bldAsOne/>
+      </p:bldGraphic>
+      <p:bldP spid="6" grpId="0"/>
+      <p:bldP spid="7" grpId="0"/>
+    </p:bldLst>
+  </p:timing>
+</p:sld>
+</file>
+
+<file path=ppt/slides/slide12.xml><?xml version="1.0" encoding="utf-8"?>
+<p:sld xmlns:a="http://schemas.openxmlformats.org/drawingml/2006/main" xmlns:r="http://schemas.openxmlformats.org/officeDocument/2006/relationships" xmlns:p="http://schemas.openxmlformats.org/presentationml/2006/main">
+  <p:cSld>
+    <p:spTree>
+      <p:nvGrpSpPr>
+        <p:cNvPr id="1" name=""/>
+        <p:cNvGrpSpPr/>
+        <p:nvPr/>
+      </p:nvGrpSpPr>
+      <p:grpSpPr>
+        <a:xfrm>
+          <a:off x="0" y="0"/>
+          <a:ext cx="0" cy="0"/>
+          <a:chOff x="0" y="0"/>
+          <a:chExt cx="0" cy="0"/>
+        </a:xfrm>
+      </p:grpSpPr>
+      <p:sp>
+        <p:nvSpPr>
+          <p:cNvPr id="2" name="Title 1"/>
+          <p:cNvSpPr>
+            <a:spLocks noGrp="1"/>
+          </p:cNvSpPr>
+          <p:nvPr>
+            <p:ph type="title"/>
+          </p:nvPr>
+        </p:nvSpPr>
+        <p:spPr>
+          <a:xfrm>
+            <a:off x="1320800" y="304800"/>
+            <a:ext cx="10464800" cy="1524000"/>
+          </a:xfrm>
+        </p:spPr>
+        <p:txBody>
+          <a:bodyPr>
+            <a:normAutofit/>
+          </a:bodyPr>
+          <a:lstStyle/>
+          <a:p>
+            <a:pPr marL="742950" indent="-742950">
+              <a:spcBef>
+                <a:spcPts val="4200"/>
+              </a:spcBef>
+            </a:pPr>
+            <a:r>
+              <a:rPr lang="en-US" sz="6600" dirty="0" smtClean="0"/>
+              <a:t>4. Gesture </a:t>
+            </a:r>
+            <a:r>
+              <a:rPr lang="en-US" sz="6600" dirty="0" smtClean="0"/>
+              <a:t>recognition</a:t>
+            </a:r>
+            <a:endParaRPr lang="ro-RO" sz="6600" dirty="0"/>
+          </a:p>
+        </p:txBody>
+      </p:sp>
+      <p:sp>
+        <p:nvSpPr>
+          <p:cNvPr id="3" name="Text Placeholder 2"/>
+          <p:cNvSpPr>
+            <a:spLocks noGrp="1"/>
+          </p:cNvSpPr>
+          <p:nvPr>
+            <p:ph type="body" idx="1"/>
+          </p:nvPr>
+        </p:nvSpPr>
+        <p:spPr>
+          <a:xfrm>
+            <a:off x="1320800" y="2514600"/>
+            <a:ext cx="10464800" cy="6096000"/>
+          </a:xfrm>
+        </p:spPr>
+        <p:txBody>
+          <a:bodyPr anchor="ctr">
+            <a:normAutofit/>
+          </a:bodyPr>
+          <a:lstStyle/>
+          <a:p>
+            <a:pPr marL="742950" indent="-742950" algn="l">
+              <a:spcBef>
+                <a:spcPts val="4200"/>
+              </a:spcBef>
+              <a:buSzPct val="75000"/>
+              <a:buFont typeface="Arial" panose="020B0604020202020204" pitchFamily="34" charset="0"/>
+              <a:buChar char="•"/>
+            </a:pPr>
+            <a:r>
+              <a:rPr lang="en-US" sz="3800" dirty="0" err="1" smtClean="0"/>
+              <a:t>MuBu</a:t>
+            </a:r>
+            <a:r>
+              <a:rPr lang="en-US" sz="3800" dirty="0" smtClean="0"/>
+              <a:t> Hierarchical HMM module</a:t>
+            </a:r>
+          </a:p>
+          <a:p>
+            <a:pPr marL="742950" indent="-742950" algn="l">
+              <a:spcBef>
+                <a:spcPts val="4200"/>
+              </a:spcBef>
+              <a:buSzPct val="75000"/>
+              <a:buFont typeface="Arial" panose="020B0604020202020204" pitchFamily="34" charset="0"/>
+              <a:buChar char="•"/>
+            </a:pPr>
+            <a:r>
+              <a:rPr lang="en-US" sz="3800" dirty="0" smtClean="0"/>
+              <a:t>trained on 3 gestures</a:t>
+            </a:r>
+          </a:p>
+          <a:p>
+            <a:pPr marL="742950" indent="-742950" algn="l">
+              <a:spcBef>
+                <a:spcPts val="4200"/>
+              </a:spcBef>
+              <a:buSzPct val="75000"/>
+              <a:buFont typeface="Arial" panose="020B0604020202020204" pitchFamily="34" charset="0"/>
+              <a:buChar char="•"/>
+            </a:pPr>
+            <a:r>
+              <a:rPr lang="en-US" sz="3800" dirty="0" smtClean="0"/>
+              <a:t>161 </a:t>
+            </a:r>
+            <a:r>
+              <a:rPr lang="en-US" sz="3800" dirty="0" smtClean="0"/>
+              <a:t>gesture trials</a:t>
+            </a:r>
+            <a:r>
+              <a:rPr lang="en-US" sz="3800" dirty="0" smtClean="0"/>
+              <a:t>, 83% correct labeling</a:t>
+            </a:r>
+          </a:p>
+          <a:p>
+            <a:pPr marL="742950" indent="-742950" algn="l">
+              <a:spcBef>
+                <a:spcPts val="4200"/>
+              </a:spcBef>
+              <a:buSzPct val="75000"/>
+              <a:buFont typeface="Arial" panose="020B0604020202020204" pitchFamily="34" charset="0"/>
+              <a:buChar char="•"/>
+            </a:pPr>
+            <a:r>
+              <a:rPr lang="en-US" sz="3800" dirty="0" smtClean="0"/>
+              <a:t>causes of wrong or no labeling:</a:t>
+            </a:r>
+          </a:p>
+          <a:p>
+            <a:pPr marL="742950" lvl="4" indent="-742950" algn="l">
+              <a:spcBef>
+                <a:spcPts val="4200"/>
+              </a:spcBef>
+              <a:buSzPct val="75000"/>
+              <a:buFont typeface="Wingdings" panose="05000000000000000000" pitchFamily="2" charset="2"/>
+              <a:buChar char="Ø"/>
+            </a:pPr>
+            <a:r>
+              <a:rPr lang="en-US" b="1" dirty="0" smtClean="0">
+                <a:solidFill>
+                  <a:srgbClr val="FF0000"/>
+                </a:solidFill>
+              </a:rPr>
+              <a:t>defined</a:t>
+            </a:r>
+            <a:r>
+              <a:rPr lang="en-US" dirty="0" smtClean="0">
+                <a:solidFill>
+                  <a:srgbClr val="FF0000"/>
+                </a:solidFill>
+              </a:rPr>
+              <a:t> </a:t>
+            </a:r>
+            <a:r>
+              <a:rPr lang="en-US" dirty="0" smtClean="0"/>
+              <a:t>gestures </a:t>
+            </a:r>
+            <a:r>
+              <a:rPr lang="en-US" dirty="0"/>
+              <a:t>too </a:t>
+            </a:r>
+            <a:r>
+              <a:rPr lang="en-US" dirty="0" smtClean="0"/>
+              <a:t>short / quick / similar</a:t>
+            </a:r>
+          </a:p>
+          <a:p>
+            <a:pPr marL="742950" lvl="4" indent="-742950" algn="l">
+              <a:spcBef>
+                <a:spcPts val="4200"/>
+              </a:spcBef>
+              <a:buSzPct val="75000"/>
+              <a:buFont typeface="Wingdings" panose="05000000000000000000" pitchFamily="2" charset="2"/>
+              <a:buChar char="Ø"/>
+            </a:pPr>
+            <a:r>
+              <a:rPr lang="en-US" dirty="0" smtClean="0"/>
+              <a:t>inexact or reversed gesture </a:t>
+            </a:r>
+            <a:r>
+              <a:rPr lang="en-US" b="1" dirty="0" smtClean="0">
+                <a:solidFill>
+                  <a:srgbClr val="FF0000"/>
+                </a:solidFill>
+              </a:rPr>
+              <a:t>execution</a:t>
+            </a:r>
+            <a:endParaRPr lang="en-GB" b="1" dirty="0">
+              <a:solidFill>
+                <a:srgbClr val="FF0000"/>
+              </a:solidFill>
+            </a:endParaRPr>
+          </a:p>
+        </p:txBody>
+      </p:sp>
+    </p:spTree>
+    <p:extLst>
+      <p:ext uri="{BB962C8B-B14F-4D97-AF65-F5344CB8AC3E}">
+        <p14:creationId xmlns:p14="http://schemas.microsoft.com/office/powerpoint/2010/main" val="1461830474"/>
+      </p:ext>
+    </p:extLst>
+  </p:cSld>
+  <p:clrMapOvr>
+    <a:masterClrMapping/>
+  </p:clrMapOvr>
+  <p:transition spd="med"/>
+  <p:timing>
+    <p:tnLst>
+      <p:par>
         <p:cTn id="1" dur="indefinite" restart="never" nodeType="tmRoot"/>
       </p:par>
     </p:tnLst>
@@ -6653,10 +7171,22 @@
               </a:spcBef>
             </a:pPr>
             <a:r>
-              <a:rPr lang="en-US" dirty="0" smtClean="0"/>
-              <a:t>Gesture recognition</a:t>
-            </a:r>
-            <a:endParaRPr lang="ro-RO" dirty="0"/>
+              <a:rPr lang="en-US" sz="6600" dirty="0" smtClean="0"/>
+              <a:t>4. </a:t>
+            </a:r>
+            <a:r>
+              <a:rPr lang="en-US" sz="6600" i="1" dirty="0" smtClean="0"/>
+              <a:t>Thimble</a:t>
+            </a:r>
+            <a:r>
+              <a:rPr lang="en-US" sz="6600" dirty="0" smtClean="0"/>
+              <a:t> </a:t>
+            </a:r>
+            <a:r>
+              <a:rPr lang="en-US" sz="6600" dirty="0" smtClean="0"/>
+              <a:t>search</a:t>
+            </a:r>
+            <a:endParaRPr lang="ro-RO" sz="6600" i="1" dirty="0"/>
           </a:p>
         </p:txBody>
       </p:sp>
@@ -6673,7 +7203,7 @@
         <p:spPr>
           <a:xfrm>
             <a:off x="1320800" y="2514600"/>
-            <a:ext cx="10464800" cy="6096000"/>
+            <a:ext cx="10464800" cy="2057400"/>
           </a:xfrm>
         </p:spPr>
         <p:txBody>
@@ -6691,12 +7221,8 @@
               <a:buChar char="•"/>
             </a:pPr>
             <a:r>
-              <a:rPr lang="en-US" sz="3800" dirty="0" err="1" smtClean="0"/>
-              <a:t>MuBu</a:t>
-            </a:r>
-            <a:r>
               <a:rPr lang="en-US" sz="3800" dirty="0" smtClean="0"/>
-              <a:t> Hierarchical HMM module</a:t>
+              <a:t>44 trials, 60.15s average search time</a:t>
             </a:r>
           </a:p>
           <a:p>
@@ -6710,80 +7236,47 @@
             </a:pPr>
             <a:r>
               <a:rPr lang="en-US" sz="3800" dirty="0" smtClean="0"/>
-              <a:t>trained on 3 gestures</a:t>
-            </a:r>
-          </a:p>
-          <a:p>
-            <a:pPr marL="742950" indent="-742950" algn="l">
-              <a:spcBef>
-                <a:spcPts val="4200"/>
-              </a:spcBef>
-              <a:buSzPct val="75000"/>
-              <a:buFont typeface="Arial" panose="020B0604020202020204" pitchFamily="34" charset="0"/>
-              <a:buChar char="•"/>
-            </a:pPr>
+              <a:t>overall sample </a:t>
+            </a:r>
+            <a:r>
+              <a:rPr lang="en-US" sz="3800" dirty="0" err="1" smtClean="0"/>
+              <a:t>std</a:t>
+            </a:r>
             <a:r>
               <a:rPr lang="en-US" sz="3800" dirty="0" smtClean="0"/>
-              <a:t>161 trials, 83% correct labeling</a:t>
-            </a:r>
-          </a:p>
-          <a:p>
-            <a:pPr marL="742950" indent="-742950" algn="l">
-              <a:spcBef>
-                <a:spcPts val="4200"/>
-              </a:spcBef>
-              <a:buSzPct val="75000"/>
-              <a:buFont typeface="Arial" panose="020B0604020202020204" pitchFamily="34" charset="0"/>
-              <a:buChar char="•"/>
-            </a:pPr>
-            <a:r>
-              <a:rPr lang="en-US" sz="3800" dirty="0" smtClean="0"/>
-              <a:t>causes of wrong or no labeling:</a:t>
-            </a:r>
-          </a:p>
-          <a:p>
-            <a:pPr marL="742950" lvl="4" indent="-742950" algn="l">
-              <a:spcBef>
-                <a:spcPts val="4200"/>
-              </a:spcBef>
-              <a:buSzPct val="75000"/>
-              <a:buFont typeface="Wingdings" panose="05000000000000000000" pitchFamily="2" charset="2"/>
-              <a:buChar char="Ø"/>
-            </a:pPr>
-            <a:r>
-              <a:rPr lang="en-US" dirty="0" smtClean="0"/>
-              <a:t>defined gestures </a:t>
-            </a:r>
-            <a:r>
-              <a:rPr lang="en-US" dirty="0"/>
-              <a:t>too </a:t>
-            </a:r>
-            <a:r>
-              <a:rPr lang="en-US" dirty="0" smtClean="0"/>
-              <a:t>short / quick / similar</a:t>
-            </a:r>
-          </a:p>
-          <a:p>
-            <a:pPr marL="742950" lvl="4" indent="-742950" algn="l">
-              <a:spcBef>
-                <a:spcPts val="4200"/>
-              </a:spcBef>
-              <a:buSzPct val="75000"/>
-              <a:buFont typeface="Wingdings" panose="05000000000000000000" pitchFamily="2" charset="2"/>
-              <a:buChar char="Ø"/>
-            </a:pPr>
-            <a:r>
-              <a:rPr lang="en-US" dirty="0" smtClean="0"/>
-              <a:t>inexact or reversed gesture execution</a:t>
-            </a:r>
-            <a:endParaRPr lang="en-GB" dirty="0"/>
+              <a:t> dev: 38.55s</a:t>
+            </a:r>
           </a:p>
         </p:txBody>
       </p:sp>
+      <p:graphicFrame>
+        <p:nvGraphicFramePr>
+          <p:cNvPr id="4" name="Chart 3"/>
+          <p:cNvGraphicFramePr>
+            <a:graphicFrameLocks/>
+          </p:cNvGraphicFramePr>
+          <p:nvPr>
+            <p:extLst>
+              <p:ext uri="{D42A27DB-BD31-4B8C-83A1-F6EECF244321}">
+                <p14:modId xmlns:p14="http://schemas.microsoft.com/office/powerpoint/2010/main" val="3668316768"/>
+              </p:ext>
+            </p:extLst>
+          </p:nvPr>
+        </p:nvGraphicFramePr>
+        <p:xfrm>
+          <a:off x="3149600" y="4648200"/>
+          <a:ext cx="7086600" cy="4648200"/>
+        </p:xfrm>
+        <a:graphic>
+          <a:graphicData uri="http://schemas.openxmlformats.org/drawingml/2006/chart">
+            <c:chart xmlns:c="http://schemas.openxmlformats.org/drawingml/2006/chart" xmlns:r="http://schemas.openxmlformats.org/officeDocument/2006/relationships" r:id="rId2"/>
+          </a:graphicData>
+        </a:graphic>
+      </p:graphicFrame>
     </p:spTree>
     <p:extLst>
       <p:ext uri="{BB962C8B-B14F-4D97-AF65-F5344CB8AC3E}">
-        <p14:creationId xmlns:p14="http://schemas.microsoft.com/office/powerpoint/2010/main" val="1461830474"/>
+        <p14:creationId xmlns:p14="http://schemas.microsoft.com/office/powerpoint/2010/main" val="985885984"/>
       </p:ext>
     </p:extLst>
   </p:cSld>
@@ -6794,9 +7287,82 @@
   <p:timing>
     <p:tnLst>
       <p:par>
-        <p:cTn id="1" dur="indefinite" restart="never" nodeType="tmRoot"/>
+        <p:cTn id="1" dur="indefinite" restart="never" nodeType="tmRoot">
+          <p:childTnLst>
+            <p:seq concurrent="1" nextAc="seek">
+              <p:cTn id="2" dur="indefinite" nodeType="mainSeq">
+                <p:childTnLst>
+                  <p:par>
+                    <p:cTn id="3" fill="hold">
+                      <p:stCondLst>
+                        <p:cond delay="indefinite"/>
+                      </p:stCondLst>
+                      <p:childTnLst>
+                        <p:par>
+                          <p:cTn id="4" fill="hold">
+                            <p:stCondLst>
+                              <p:cond delay="0"/>
+                            </p:stCondLst>
+                            <p:childTnLst>
+                              <p:par>
+                                <p:cTn id="5" presetID="1" presetClass="entr" presetSubtype="0" fill="hold" grpId="0" nodeType="clickEffect">
+                                  <p:stCondLst>
+                                    <p:cond delay="0"/>
+                                  </p:stCondLst>
+                                  <p:childTnLst>
+                                    <p:set>
+                                      <p:cBhvr>
+                                        <p:cTn id="6" dur="1" fill="hold">
+                                          <p:stCondLst>
+                                            <p:cond delay="0"/>
+                                          </p:stCondLst>
+                                        </p:cTn>
+                                        <p:tgtEl>
+                                          <p:spTgt spid="4"/>
+                                        </p:tgtEl>
+                                        <p:attrNameLst>
+                                          <p:attrName>style.visibility</p:attrName>
+                                        </p:attrNameLst>
+                                      </p:cBhvr>
+                                      <p:to>
+                                        <p:strVal val="visible"/>
+                                      </p:to>
+                                    </p:set>
+                                  </p:childTnLst>
+                                </p:cTn>
+                              </p:par>
+                            </p:childTnLst>
+                          </p:cTn>
+                        </p:par>
+                      </p:childTnLst>
+                    </p:cTn>
+                  </p:par>
+                </p:childTnLst>
+              </p:cTn>
+              <p:prevCondLst>
+                <p:cond evt="onPrev" delay="0">
+                  <p:tgtEl>
+                    <p:sldTgt/>
+                  </p:tgtEl>
+                </p:cond>
+              </p:prevCondLst>
+              <p:nextCondLst>
+                <p:cond evt="onNext" delay="0">
+                  <p:tgtEl>
+                    <p:sldTgt/>
+                  </p:tgtEl>
+                </p:cond>
+              </p:nextCondLst>
+            </p:seq>
+          </p:childTnLst>
+        </p:cTn>
       </p:par>
     </p:tnLst>
+    <p:bldLst>
+      <p:bldGraphic spid="4" grpId="0">
+        <p:bldAsOne/>
+      </p:bldGraphic>
+    </p:bldLst>
   </p:timing>
 </p:sld>
 </file>
@@ -6846,170 +7412,14 @@
               </a:spcBef>
             </a:pPr>
             <a:r>
-              <a:rPr lang="en-US" i="1" dirty="0" smtClean="0"/>
-              <a:t>Thimble</a:t>
-            </a:r>
-            <a:r>
-              <a:rPr lang="en-US" dirty="0" smtClean="0"/>
-              <a:t> search</a:t>
-            </a:r>
-            <a:endParaRPr lang="ro-RO" i="1" dirty="0"/>
-          </a:p>
-        </p:txBody>
-      </p:sp>
-      <p:sp>
-        <p:nvSpPr>
-          <p:cNvPr id="3" name="Text Placeholder 2"/>
-          <p:cNvSpPr>
-            <a:spLocks noGrp="1"/>
-          </p:cNvSpPr>
-          <p:nvPr>
-            <p:ph type="body" idx="1"/>
-          </p:nvPr>
-        </p:nvSpPr>
-        <p:spPr>
-          <a:xfrm>
-            <a:off x="1320800" y="2514600"/>
-            <a:ext cx="10464800" cy="2057400"/>
-          </a:xfrm>
-        </p:spPr>
-        <p:txBody>
-          <a:bodyPr anchor="ctr">
-            <a:normAutofit/>
-          </a:bodyPr>
-          <a:lstStyle/>
-          <a:p>
-            <a:pPr marL="742950" indent="-742950" algn="l">
-              <a:spcBef>
-                <a:spcPts val="4200"/>
-              </a:spcBef>
-              <a:buSzPct val="75000"/>
-              <a:buFont typeface="Arial" panose="020B0604020202020204" pitchFamily="34" charset="0"/>
-              <a:buChar char="•"/>
-            </a:pPr>
-            <a:r>
-              <a:rPr lang="en-US" sz="3800" dirty="0" smtClean="0"/>
-              <a:t>44 trials, 60.15s average search time</a:t>
-            </a:r>
-          </a:p>
-          <a:p>
-            <a:pPr marL="742950" indent="-742950" algn="l">
-              <a:spcBef>
-                <a:spcPts val="4200"/>
-              </a:spcBef>
-              <a:buSzPct val="75000"/>
-              <a:buFont typeface="Arial" panose="020B0604020202020204" pitchFamily="34" charset="0"/>
-              <a:buChar char="•"/>
-            </a:pPr>
-            <a:r>
-              <a:rPr lang="en-US" sz="3800" dirty="0" smtClean="0"/>
-              <a:t>sample </a:t>
-            </a:r>
-            <a:r>
-              <a:rPr lang="en-US" sz="3800" dirty="0" err="1" smtClean="0"/>
-              <a:t>std</a:t>
-            </a:r>
-            <a:r>
-              <a:rPr lang="en-US" sz="3800" dirty="0" smtClean="0"/>
-              <a:t> dev: 38.55s</a:t>
-            </a:r>
-          </a:p>
-        </p:txBody>
-      </p:sp>
-      <p:graphicFrame>
-        <p:nvGraphicFramePr>
-          <p:cNvPr id="4" name="Chart 3"/>
-          <p:cNvGraphicFramePr>
-            <a:graphicFrameLocks/>
-          </p:cNvGraphicFramePr>
-          <p:nvPr>
-            <p:extLst>
-              <p:ext uri="{D42A27DB-BD31-4B8C-83A1-F6EECF244321}">
-                <p14:modId xmlns:p14="http://schemas.microsoft.com/office/powerpoint/2010/main" val="3668316768"/>
-              </p:ext>
-            </p:extLst>
-          </p:nvPr>
-        </p:nvGraphicFramePr>
-        <p:xfrm>
-          <a:off x="3149600" y="4648200"/>
-          <a:ext cx="7086600" cy="4648200"/>
-        </p:xfrm>
-        <a:graphic>
-          <a:graphicData uri="http://schemas.openxmlformats.org/drawingml/2006/chart">
-            <c:chart xmlns:c="http://schemas.openxmlformats.org/drawingml/2006/chart" xmlns:r="http://schemas.openxmlformats.org/officeDocument/2006/relationships" r:id="rId2"/>
-          </a:graphicData>
-        </a:graphic>
-      </p:graphicFrame>
-    </p:spTree>
-    <p:extLst>
-      <p:ext uri="{BB962C8B-B14F-4D97-AF65-F5344CB8AC3E}">
-        <p14:creationId xmlns:p14="http://schemas.microsoft.com/office/powerpoint/2010/main" val="985885984"/>
-      </p:ext>
-    </p:extLst>
-  </p:cSld>
-  <p:clrMapOvr>
-    <a:masterClrMapping/>
-  </p:clrMapOvr>
-  <p:transition spd="med"/>
-  <p:timing>
-    <p:tnLst>
-      <p:par>
-        <p:cTn id="1" dur="indefinite" restart="never" nodeType="tmRoot"/>
-      </p:par>
-    </p:tnLst>
-  </p:timing>
-</p:sld>
-</file>
-
-<file path=ppt/slides/slide15.xml><?xml version="1.0" encoding="utf-8"?>
-<p:sld xmlns:a="http://schemas.openxmlformats.org/drawingml/2006/main" xmlns:r="http://schemas.openxmlformats.org/officeDocument/2006/relationships" xmlns:p="http://schemas.openxmlformats.org/presentationml/2006/main">
-  <p:cSld>
-    <p:spTree>
-      <p:nvGrpSpPr>
-        <p:cNvPr id="1" name=""/>
-        <p:cNvGrpSpPr/>
-        <p:nvPr/>
-      </p:nvGrpSpPr>
-      <p:grpSpPr>
-        <a:xfrm>
-          <a:off x="0" y="0"/>
-          <a:ext cx="0" cy="0"/>
-          <a:chOff x="0" y="0"/>
-          <a:chExt cx="0" cy="0"/>
-        </a:xfrm>
-      </p:grpSpPr>
-      <p:sp>
-        <p:nvSpPr>
-          <p:cNvPr id="2" name="Title 1"/>
-          <p:cNvSpPr>
-            <a:spLocks noGrp="1"/>
-          </p:cNvSpPr>
-          <p:nvPr>
-            <p:ph type="title"/>
-          </p:nvPr>
-        </p:nvSpPr>
-        <p:spPr>
-          <a:xfrm>
-            <a:off x="1320800" y="304800"/>
-            <a:ext cx="10464800" cy="1524000"/>
-          </a:xfrm>
-        </p:spPr>
-        <p:txBody>
-          <a:bodyPr>
-            <a:normAutofit/>
-          </a:bodyPr>
-          <a:lstStyle/>
-          <a:p>
-            <a:pPr marL="742950" indent="-742950">
-              <a:spcBef>
-                <a:spcPts val="4200"/>
-              </a:spcBef>
-            </a:pPr>
-            <a:r>
-              <a:rPr lang="en-US" dirty="0" smtClean="0"/>
-              <a:t>Sound manipulation</a:t>
-            </a:r>
-            <a:endParaRPr lang="ro-RO" dirty="0"/>
+              <a:rPr lang="en-US" sz="6600" dirty="0" smtClean="0"/>
+              <a:t>4. Sound </a:t>
+            </a:r>
+            <a:r>
+              <a:rPr lang="en-US" sz="6600" dirty="0" smtClean="0"/>
+              <a:t>manipulation</a:t>
+            </a:r>
+            <a:endParaRPr lang="ro-RO" sz="6600" dirty="0"/>
           </a:p>
         </p:txBody>
       </p:sp>
@@ -7323,7 +7733,81 @@
               <a:rPr lang="en-US" sz="2700" dirty="0" smtClean="0"/>
               <a:t>general platform evaluation</a:t>
             </a:r>
-            <a:endParaRPr lang="en-US" sz="2700" dirty="0" smtClean="0"/>
+          </a:p>
+        </p:txBody>
+      </p:sp>
+      <p:sp>
+        <p:nvSpPr>
+          <p:cNvPr id="4" name="Rectangle 3"/>
+          <p:cNvSpPr/>
+          <p:nvPr/>
+        </p:nvSpPr>
+        <p:spPr>
+          <a:xfrm>
+            <a:off x="1778000" y="4267200"/>
+            <a:ext cx="9525000" cy="457200"/>
+          </a:xfrm>
+          <a:prstGeom prst="rect">
+            <a:avLst/>
+          </a:prstGeom>
+          <a:solidFill>
+            <a:schemeClr val="bg1"/>
+          </a:solidFill>
+          <a:ln w="25400" cap="flat">
+            <a:noFill/>
+            <a:prstDash val="solid"/>
+            <a:bevel/>
+          </a:ln>
+          <a:effectLst/>
+        </p:spPr>
+        <p:style>
+          <a:lnRef idx="0">
+            <a:scrgbClr r="0" g="0" b="0"/>
+          </a:lnRef>
+          <a:fillRef idx="0">
+            <a:scrgbClr r="0" g="0" b="0"/>
+          </a:fillRef>
+          <a:effectRef idx="0">
+            <a:scrgbClr r="0" g="0" b="0"/>
+          </a:effectRef>
+          <a:fontRef idx="none"/>
+        </p:style>
+        <p:txBody>
+          <a:bodyPr rot="0" spcFirstLastPara="1" vertOverflow="overflow" horzOverflow="overflow" vert="horz" wrap="square" lIns="50800" tIns="50800" rIns="50800" bIns="50800" numCol="1" spcCol="38100" rtlCol="0" anchor="ctr">
+            <a:spAutoFit/>
+          </a:bodyPr>
+          <a:lstStyle/>
+          <a:p>
+            <a:pPr marL="0" marR="0" indent="0" algn="ctr" defTabSz="584200" rtl="0" fontAlgn="auto" latinLnBrk="1" hangingPunct="0">
+              <a:lnSpc>
+                <a:spcPct val="100000"/>
+              </a:lnSpc>
+              <a:spcBef>
+                <a:spcPts val="0"/>
+              </a:spcBef>
+              <a:spcAft>
+                <a:spcPts val="0"/>
+              </a:spcAft>
+              <a:buClrTx/>
+              <a:buSzTx/>
+              <a:buFontTx/>
+              <a:buNone/>
+              <a:tabLst/>
+            </a:pPr>
+            <a:endParaRPr kumimoji="0" lang="en-GB" sz="3600" b="0" i="0" u="none" strike="noStrike" cap="none" spc="0" normalizeH="0" baseline="0">
+              <a:ln>
+                <a:noFill/>
+              </a:ln>
+              <a:solidFill>
+                <a:srgbClr val="000000"/>
+              </a:solidFill>
+              <a:effectLst/>
+              <a:uFillTx/>
+              <a:latin typeface="Helvetica Light"/>
+              <a:ea typeface="Helvetica Light"/>
+              <a:cs typeface="Helvetica Light"/>
+              <a:sym typeface="Helvetica Light"/>
+            </a:endParaRPr>
           </a:p>
         </p:txBody>
       </p:sp>
@@ -7331,6 +7815,776 @@
     <p:extLst>
       <p:ext uri="{BB962C8B-B14F-4D97-AF65-F5344CB8AC3E}">
         <p14:creationId xmlns:p14="http://schemas.microsoft.com/office/powerpoint/2010/main" val="3299748590"/>
+      </p:ext>
+    </p:extLst>
+  </p:cSld>
+  <p:clrMapOvr>
+    <a:masterClrMapping/>
+  </p:clrMapOvr>
+  <p:transition spd="med"/>
+  <p:timing>
+    <p:tnLst>
+      <p:par>
+        <p:cTn id="1" dur="indefinite" restart="never" nodeType="tmRoot">
+          <p:childTnLst>
+            <p:seq concurrent="1" nextAc="seek">
+              <p:cTn id="2" dur="indefinite" nodeType="mainSeq">
+                <p:childTnLst>
+                  <p:par>
+                    <p:cTn id="3" fill="hold">
+                      <p:stCondLst>
+                        <p:cond delay="indefinite"/>
+                      </p:stCondLst>
+                      <p:childTnLst>
+                        <p:par>
+                          <p:cTn id="4" fill="hold">
+                            <p:stCondLst>
+                              <p:cond delay="0"/>
+                            </p:stCondLst>
+                            <p:childTnLst>
+                              <p:par>
+                                <p:cTn id="5" presetID="1" presetClass="entr" presetSubtype="0" fill="hold" grpId="0" nodeType="clickEffect">
+                                  <p:stCondLst>
+                                    <p:cond delay="0"/>
+                                  </p:stCondLst>
+                                  <p:childTnLst>
+                                    <p:set>
+                                      <p:cBhvr>
+                                        <p:cTn id="6" dur="1" fill="hold">
+                                          <p:stCondLst>
+                                            <p:cond delay="0"/>
+                                          </p:stCondLst>
+                                        </p:cTn>
+                                        <p:tgtEl>
+                                          <p:spTgt spid="6"/>
+                                        </p:tgtEl>
+                                        <p:attrNameLst>
+                                          <p:attrName>style.visibility</p:attrName>
+                                        </p:attrNameLst>
+                                      </p:cBhvr>
+                                      <p:to>
+                                        <p:strVal val="visible"/>
+                                      </p:to>
+                                    </p:set>
+                                  </p:childTnLst>
+                                </p:cTn>
+                              </p:par>
+                            </p:childTnLst>
+                          </p:cTn>
+                        </p:par>
+                      </p:childTnLst>
+                    </p:cTn>
+                  </p:par>
+                </p:childTnLst>
+              </p:cTn>
+              <p:prevCondLst>
+                <p:cond evt="onPrev" delay="0">
+                  <p:tgtEl>
+                    <p:sldTgt/>
+                  </p:tgtEl>
+                </p:cond>
+              </p:prevCondLst>
+              <p:nextCondLst>
+                <p:cond evt="onNext" delay="0">
+                  <p:tgtEl>
+                    <p:sldTgt/>
+                  </p:tgtEl>
+                </p:cond>
+              </p:nextCondLst>
+            </p:seq>
+          </p:childTnLst>
+        </p:cTn>
+      </p:par>
+    </p:tnLst>
+    <p:bldLst>
+      <p:bldGraphic spid="6" grpId="0">
+        <p:bldAsOne/>
+      </p:bldGraphic>
+    </p:bldLst>
+  </p:timing>
+</p:sld>
+</file>
+
+<file path=ppt/slides/slide15.xml><?xml version="1.0" encoding="utf-8"?>
+<p:sld xmlns:a="http://schemas.openxmlformats.org/drawingml/2006/main" xmlns:r="http://schemas.openxmlformats.org/officeDocument/2006/relationships" xmlns:p="http://schemas.openxmlformats.org/presentationml/2006/main">
+  <p:cSld>
+    <p:spTree>
+      <p:nvGrpSpPr>
+        <p:cNvPr id="1" name=""/>
+        <p:cNvGrpSpPr/>
+        <p:nvPr/>
+      </p:nvGrpSpPr>
+      <p:grpSpPr>
+        <a:xfrm>
+          <a:off x="0" y="0"/>
+          <a:ext cx="0" cy="0"/>
+          <a:chOff x="0" y="0"/>
+          <a:chExt cx="0" cy="0"/>
+        </a:xfrm>
+      </p:grpSpPr>
+      <p:sp>
+        <p:nvSpPr>
+          <p:cNvPr id="2" name="Title 1"/>
+          <p:cNvSpPr>
+            <a:spLocks noGrp="1"/>
+          </p:cNvSpPr>
+          <p:nvPr>
+            <p:ph type="title"/>
+          </p:nvPr>
+        </p:nvSpPr>
+        <p:spPr>
+          <a:xfrm>
+            <a:off x="1320800" y="304800"/>
+            <a:ext cx="10464800" cy="1524000"/>
+          </a:xfrm>
+        </p:spPr>
+        <p:txBody>
+          <a:bodyPr>
+            <a:noAutofit/>
+          </a:bodyPr>
+          <a:lstStyle/>
+          <a:p>
+            <a:pPr marL="742950" indent="-742950">
+              <a:spcBef>
+                <a:spcPts val="4200"/>
+              </a:spcBef>
+            </a:pPr>
+            <a:r>
+              <a:rPr lang="en-US" sz="6000" dirty="0" smtClean="0"/>
+              <a:t>5. Conclusion </a:t>
+            </a:r>
+            <a:r>
+              <a:rPr lang="en-US" sz="6000" dirty="0" smtClean="0"/>
+              <a:t>and future work</a:t>
+            </a:r>
+            <a:endParaRPr lang="ro-RO" sz="6000" dirty="0"/>
+          </a:p>
+        </p:txBody>
+      </p:sp>
+      <p:sp>
+        <p:nvSpPr>
+          <p:cNvPr id="3" name="Text Placeholder 2"/>
+          <p:cNvSpPr>
+            <a:spLocks noGrp="1"/>
+          </p:cNvSpPr>
+          <p:nvPr>
+            <p:ph type="body" idx="1"/>
+          </p:nvPr>
+        </p:nvSpPr>
+        <p:spPr>
+          <a:xfrm>
+            <a:off x="1320800" y="2514600"/>
+            <a:ext cx="10464800" cy="6781800"/>
+          </a:xfrm>
+        </p:spPr>
+        <p:txBody>
+          <a:bodyPr anchor="ctr">
+            <a:normAutofit fontScale="85000" lnSpcReduction="20000"/>
+          </a:bodyPr>
+          <a:lstStyle/>
+          <a:p>
+            <a:pPr marL="742950" indent="-742950" algn="l">
+              <a:spcBef>
+                <a:spcPts val="4200"/>
+              </a:spcBef>
+              <a:buSzPct val="75000"/>
+              <a:buFont typeface="Arial" panose="020B0604020202020204" pitchFamily="34" charset="0"/>
+              <a:buChar char="•"/>
+            </a:pPr>
+            <a:r>
+              <a:rPr lang="en-US" sz="3800" dirty="0" smtClean="0"/>
+              <a:t>multi-level platform</a:t>
+            </a:r>
+            <a:r>
+              <a:rPr lang="en-US" sz="3800" dirty="0" smtClean="0"/>
+              <a:t>: </a:t>
+            </a:r>
+            <a:r>
+              <a:rPr lang="en-US" sz="3000" dirty="0" smtClean="0"/>
+              <a:t>OSC raw data - Max modules - interactive systems</a:t>
+            </a:r>
+            <a:endParaRPr lang="ro-RO" sz="3900" dirty="0" smtClean="0"/>
+          </a:p>
+          <a:p>
+            <a:pPr marL="742950" indent="-742950" algn="l">
+              <a:spcBef>
+                <a:spcPts val="4200"/>
+              </a:spcBef>
+              <a:buSzPct val="75000"/>
+              <a:buFont typeface="Arial" panose="020B0604020202020204" pitchFamily="34" charset="0"/>
+              <a:buChar char="•"/>
+            </a:pPr>
+            <a:r>
+              <a:rPr lang="ro-RO" sz="3800" dirty="0"/>
+              <a:t>open </a:t>
+            </a:r>
+            <a:r>
+              <a:rPr lang="ro-RO" sz="3800" dirty="0" smtClean="0"/>
+              <a:t>source</a:t>
+            </a:r>
+            <a:r>
+              <a:rPr lang="en-US" sz="3800" dirty="0" smtClean="0"/>
+              <a:t>:</a:t>
+            </a:r>
+            <a:r>
+              <a:rPr lang="ro-RO" sz="3800" i="1" dirty="0" smtClean="0"/>
+              <a:t> </a:t>
+            </a:r>
+            <a:r>
+              <a:rPr lang="en-US" sz="3000" dirty="0" smtClean="0"/>
+              <a:t>portability</a:t>
+            </a:r>
+            <a:r>
+              <a:rPr lang="en-US" sz="3000" dirty="0" smtClean="0"/>
+              <a:t>, translatability</a:t>
+            </a:r>
+            <a:endParaRPr lang="ro-RO" sz="3800" dirty="0" smtClean="0"/>
+          </a:p>
+          <a:p>
+            <a:pPr marL="742950" indent="-742950" algn="l">
+              <a:spcBef>
+                <a:spcPts val="4200"/>
+              </a:spcBef>
+              <a:buSzPct val="75000"/>
+              <a:buFont typeface="Arial" panose="020B0604020202020204" pitchFamily="34" charset="0"/>
+              <a:buChar char="•"/>
+            </a:pPr>
+            <a:r>
+              <a:rPr lang="en-US" sz="3800" dirty="0" smtClean="0"/>
+              <a:t>evaluation: </a:t>
+            </a:r>
+            <a:r>
+              <a:rPr lang="en-US" sz="3000" dirty="0" smtClean="0"/>
+              <a:t>further data analysis, improving design</a:t>
+            </a:r>
+            <a:endParaRPr lang="ro-RO" sz="3800" dirty="0" smtClean="0"/>
+          </a:p>
+          <a:p>
+            <a:pPr marL="742950" indent="-742950" algn="l">
+              <a:spcBef>
+                <a:spcPts val="4200"/>
+              </a:spcBef>
+              <a:buSzPct val="75000"/>
+              <a:buFont typeface="Arial" panose="020B0604020202020204" pitchFamily="34" charset="0"/>
+              <a:buChar char="•"/>
+            </a:pPr>
+            <a:r>
+              <a:rPr lang="en-US" sz="3800" dirty="0" err="1" smtClean="0"/>
+              <a:t>collab</a:t>
+            </a:r>
+            <a:r>
+              <a:rPr lang="en-US" sz="3800" dirty="0" smtClean="0"/>
+              <a:t> w/ artists, musicians</a:t>
+            </a:r>
+            <a:r>
+              <a:rPr lang="en-US" sz="3800" dirty="0" smtClean="0"/>
+              <a:t>, composers</a:t>
+            </a:r>
+          </a:p>
+          <a:p>
+            <a:pPr marL="742950" indent="-742950" algn="l">
+              <a:spcBef>
+                <a:spcPts val="4200"/>
+              </a:spcBef>
+              <a:buSzPct val="75000"/>
+              <a:buFont typeface="Arial" panose="020B0604020202020204" pitchFamily="34" charset="0"/>
+              <a:buChar char="•"/>
+            </a:pPr>
+            <a:r>
+              <a:rPr lang="en-US" sz="3800" dirty="0" smtClean="0"/>
+              <a:t>software development: </a:t>
+            </a:r>
+            <a:r>
+              <a:rPr lang="en-US" sz="3000" dirty="0" smtClean="0"/>
+              <a:t>Max external, fully featured SDK, other platforms (</a:t>
+            </a:r>
+            <a:r>
+              <a:rPr lang="en-US" sz="3000" dirty="0" err="1" smtClean="0"/>
+              <a:t>Pd</a:t>
+            </a:r>
+            <a:r>
+              <a:rPr lang="en-US" sz="3000" dirty="0" smtClean="0"/>
+              <a:t>, …)</a:t>
+            </a:r>
+            <a:endParaRPr lang="ro-RO" sz="3000" dirty="0" smtClean="0"/>
+          </a:p>
+          <a:p>
+            <a:pPr marL="742950" indent="-742950" algn="l">
+              <a:spcBef>
+                <a:spcPts val="4200"/>
+              </a:spcBef>
+              <a:buSzPct val="75000"/>
+              <a:buFont typeface="Arial" panose="020B0604020202020204" pitchFamily="34" charset="0"/>
+              <a:buChar char="•"/>
+            </a:pPr>
+            <a:r>
+              <a:rPr lang="en-US" sz="3800" dirty="0" smtClean="0"/>
+              <a:t>multichannel-specific modules</a:t>
+            </a:r>
+          </a:p>
+          <a:p>
+            <a:pPr marL="742950" indent="-742950" algn="l">
+              <a:spcBef>
+                <a:spcPts val="4200"/>
+              </a:spcBef>
+              <a:buSzPct val="75000"/>
+              <a:buFont typeface="Arial" panose="020B0604020202020204" pitchFamily="34" charset="0"/>
+              <a:buChar char="•"/>
+            </a:pPr>
+            <a:r>
+              <a:rPr lang="en-US" sz="3800" dirty="0" smtClean="0"/>
+              <a:t>character design: </a:t>
+            </a:r>
+            <a:r>
+              <a:rPr lang="en-US" sz="3100" dirty="0" smtClean="0"/>
+              <a:t>more marker configurations, 2 performers</a:t>
+            </a:r>
+            <a:endParaRPr lang="en-GB" sz="3800" dirty="0"/>
+          </a:p>
+        </p:txBody>
+      </p:sp>
+    </p:spTree>
+    <p:extLst>
+      <p:ext uri="{BB962C8B-B14F-4D97-AF65-F5344CB8AC3E}">
+        <p14:creationId xmlns:p14="http://schemas.microsoft.com/office/powerpoint/2010/main" val="1663731687"/>
+      </p:ext>
+    </p:extLst>
+  </p:cSld>
+  <p:clrMapOvr>
+    <a:masterClrMapping/>
+  </p:clrMapOvr>
+  <p:transition spd="med"/>
+  <p:timing>
+    <p:tnLst>
+      <p:par>
+        <p:cTn id="1" dur="indefinite" restart="never" nodeType="tmRoot">
+          <p:childTnLst>
+            <p:seq concurrent="1" nextAc="seek">
+              <p:cTn id="2" dur="indefinite" nodeType="mainSeq">
+                <p:childTnLst>
+                  <p:par>
+                    <p:cTn id="3" fill="hold">
+                      <p:stCondLst>
+                        <p:cond delay="indefinite"/>
+                        <p:cond evt="onBegin" delay="0">
+                          <p:tn val="2"/>
+                        </p:cond>
+                      </p:stCondLst>
+                      <p:childTnLst>
+                        <p:par>
+                          <p:cTn id="4" fill="hold">
+                            <p:stCondLst>
+                              <p:cond delay="0"/>
+                            </p:stCondLst>
+                            <p:childTnLst>
+                              <p:par>
+                                <p:cTn id="5" presetID="1" presetClass="entr" presetSubtype="0" fill="hold" grpId="0" nodeType="withEffect">
+                                  <p:stCondLst>
+                                    <p:cond delay="0"/>
+                                  </p:stCondLst>
+                                  <p:childTnLst>
+                                    <p:set>
+                                      <p:cBhvr>
+                                        <p:cTn id="6" dur="1" fill="hold">
+                                          <p:stCondLst>
+                                            <p:cond delay="0"/>
+                                          </p:stCondLst>
+                                        </p:cTn>
+                                        <p:tgtEl>
+                                          <p:spTgt spid="3">
+                                            <p:txEl>
+                                              <p:pRg st="0" end="0"/>
+                                            </p:txEl>
+                                          </p:spTgt>
+                                        </p:tgtEl>
+                                        <p:attrNameLst>
+                                          <p:attrName>style.visibility</p:attrName>
+                                        </p:attrNameLst>
+                                      </p:cBhvr>
+                                      <p:to>
+                                        <p:strVal val="visible"/>
+                                      </p:to>
+                                    </p:set>
+                                  </p:childTnLst>
+                                </p:cTn>
+                              </p:par>
+                              <p:par>
+                                <p:cTn id="7" presetID="1" presetClass="entr" presetSubtype="0" fill="hold" grpId="0" nodeType="withEffect">
+                                  <p:stCondLst>
+                                    <p:cond delay="0"/>
+                                  </p:stCondLst>
+                                  <p:childTnLst>
+                                    <p:set>
+                                      <p:cBhvr>
+                                        <p:cTn id="8" dur="1" fill="hold">
+                                          <p:stCondLst>
+                                            <p:cond delay="0"/>
+                                          </p:stCondLst>
+                                        </p:cTn>
+                                        <p:tgtEl>
+                                          <p:spTgt spid="3">
+                                            <p:txEl>
+                                              <p:pRg st="1" end="1"/>
+                                            </p:txEl>
+                                          </p:spTgt>
+                                        </p:tgtEl>
+                                        <p:attrNameLst>
+                                          <p:attrName>style.visibility</p:attrName>
+                                        </p:attrNameLst>
+                                      </p:cBhvr>
+                                      <p:to>
+                                        <p:strVal val="visible"/>
+                                      </p:to>
+                                    </p:set>
+                                  </p:childTnLst>
+                                </p:cTn>
+                              </p:par>
+                            </p:childTnLst>
+                          </p:cTn>
+                        </p:par>
+                      </p:childTnLst>
+                    </p:cTn>
+                  </p:par>
+                  <p:par>
+                    <p:cTn id="9" fill="hold">
+                      <p:stCondLst>
+                        <p:cond delay="indefinite"/>
+                      </p:stCondLst>
+                      <p:childTnLst>
+                        <p:par>
+                          <p:cTn id="10" fill="hold">
+                            <p:stCondLst>
+                              <p:cond delay="0"/>
+                            </p:stCondLst>
+                            <p:childTnLst>
+                              <p:par>
+                                <p:cTn id="11" presetID="1" presetClass="entr" presetSubtype="0" fill="hold" grpId="0" nodeType="clickEffect">
+                                  <p:stCondLst>
+                                    <p:cond delay="0"/>
+                                  </p:stCondLst>
+                                  <p:childTnLst>
+                                    <p:set>
+                                      <p:cBhvr>
+                                        <p:cTn id="12" dur="1" fill="hold">
+                                          <p:stCondLst>
+                                            <p:cond delay="0"/>
+                                          </p:stCondLst>
+                                        </p:cTn>
+                                        <p:tgtEl>
+                                          <p:spTgt spid="3">
+                                            <p:txEl>
+                                              <p:pRg st="2" end="2"/>
+                                            </p:txEl>
+                                          </p:spTgt>
+                                        </p:tgtEl>
+                                        <p:attrNameLst>
+                                          <p:attrName>style.visibility</p:attrName>
+                                        </p:attrNameLst>
+                                      </p:cBhvr>
+                                      <p:to>
+                                        <p:strVal val="visible"/>
+                                      </p:to>
+                                    </p:set>
+                                  </p:childTnLst>
+                                </p:cTn>
+                              </p:par>
+                              <p:par>
+                                <p:cTn id="13" presetID="1" presetClass="entr" presetSubtype="0" fill="hold" grpId="0" nodeType="withEffect">
+                                  <p:stCondLst>
+                                    <p:cond delay="0"/>
+                                  </p:stCondLst>
+                                  <p:childTnLst>
+                                    <p:set>
+                                      <p:cBhvr>
+                                        <p:cTn id="14" dur="1" fill="hold">
+                                          <p:stCondLst>
+                                            <p:cond delay="0"/>
+                                          </p:stCondLst>
+                                        </p:cTn>
+                                        <p:tgtEl>
+                                          <p:spTgt spid="3">
+                                            <p:txEl>
+                                              <p:pRg st="3" end="3"/>
+                                            </p:txEl>
+                                          </p:spTgt>
+                                        </p:tgtEl>
+                                        <p:attrNameLst>
+                                          <p:attrName>style.visibility</p:attrName>
+                                        </p:attrNameLst>
+                                      </p:cBhvr>
+                                      <p:to>
+                                        <p:strVal val="visible"/>
+                                      </p:to>
+                                    </p:set>
+                                  </p:childTnLst>
+                                </p:cTn>
+                              </p:par>
+                              <p:par>
+                                <p:cTn id="15" presetID="1" presetClass="entr" presetSubtype="0" fill="hold" grpId="0" nodeType="withEffect">
+                                  <p:stCondLst>
+                                    <p:cond delay="0"/>
+                                  </p:stCondLst>
+                                  <p:childTnLst>
+                                    <p:set>
+                                      <p:cBhvr>
+                                        <p:cTn id="16" dur="1" fill="hold">
+                                          <p:stCondLst>
+                                            <p:cond delay="0"/>
+                                          </p:stCondLst>
+                                        </p:cTn>
+                                        <p:tgtEl>
+                                          <p:spTgt spid="3">
+                                            <p:txEl>
+                                              <p:pRg st="4" end="4"/>
+                                            </p:txEl>
+                                          </p:spTgt>
+                                        </p:tgtEl>
+                                        <p:attrNameLst>
+                                          <p:attrName>style.visibility</p:attrName>
+                                        </p:attrNameLst>
+                                      </p:cBhvr>
+                                      <p:to>
+                                        <p:strVal val="visible"/>
+                                      </p:to>
+                                    </p:set>
+                                  </p:childTnLst>
+                                </p:cTn>
+                              </p:par>
+                              <p:par>
+                                <p:cTn id="17" presetID="1" presetClass="entr" presetSubtype="0" fill="hold" grpId="0" nodeType="withEffect">
+                                  <p:stCondLst>
+                                    <p:cond delay="0"/>
+                                  </p:stCondLst>
+                                  <p:childTnLst>
+                                    <p:set>
+                                      <p:cBhvr>
+                                        <p:cTn id="18" dur="1" fill="hold">
+                                          <p:stCondLst>
+                                            <p:cond delay="0"/>
+                                          </p:stCondLst>
+                                        </p:cTn>
+                                        <p:tgtEl>
+                                          <p:spTgt spid="3">
+                                            <p:txEl>
+                                              <p:pRg st="5" end="5"/>
+                                            </p:txEl>
+                                          </p:spTgt>
+                                        </p:tgtEl>
+                                        <p:attrNameLst>
+                                          <p:attrName>style.visibility</p:attrName>
+                                        </p:attrNameLst>
+                                      </p:cBhvr>
+                                      <p:to>
+                                        <p:strVal val="visible"/>
+                                      </p:to>
+                                    </p:set>
+                                  </p:childTnLst>
+                                </p:cTn>
+                              </p:par>
+                              <p:par>
+                                <p:cTn id="19" presetID="1" presetClass="entr" presetSubtype="0" fill="hold" grpId="0" nodeType="withEffect">
+                                  <p:stCondLst>
+                                    <p:cond delay="0"/>
+                                  </p:stCondLst>
+                                  <p:childTnLst>
+                                    <p:set>
+                                      <p:cBhvr>
+                                        <p:cTn id="20" dur="1" fill="hold">
+                                          <p:stCondLst>
+                                            <p:cond delay="0"/>
+                                          </p:stCondLst>
+                                        </p:cTn>
+                                        <p:tgtEl>
+                                          <p:spTgt spid="3">
+                                            <p:txEl>
+                                              <p:pRg st="6" end="6"/>
+                                            </p:txEl>
+                                          </p:spTgt>
+                                        </p:tgtEl>
+                                        <p:attrNameLst>
+                                          <p:attrName>style.visibility</p:attrName>
+                                        </p:attrNameLst>
+                                      </p:cBhvr>
+                                      <p:to>
+                                        <p:strVal val="visible"/>
+                                      </p:to>
+                                    </p:set>
+                                  </p:childTnLst>
+                                </p:cTn>
+                              </p:par>
+                            </p:childTnLst>
+                          </p:cTn>
+                        </p:par>
+                      </p:childTnLst>
+                    </p:cTn>
+                  </p:par>
+                </p:childTnLst>
+              </p:cTn>
+              <p:prevCondLst>
+                <p:cond evt="onPrev" delay="0">
+                  <p:tgtEl>
+                    <p:sldTgt/>
+                  </p:tgtEl>
+                </p:cond>
+              </p:prevCondLst>
+              <p:nextCondLst>
+                <p:cond evt="onNext" delay="0">
+                  <p:tgtEl>
+                    <p:sldTgt/>
+                  </p:tgtEl>
+                </p:cond>
+              </p:nextCondLst>
+            </p:seq>
+          </p:childTnLst>
+        </p:cTn>
+      </p:par>
+    </p:tnLst>
+    <p:bldLst>
+      <p:bldP spid="3" grpId="0" uiExpand="1" build="p"/>
+    </p:bldLst>
+  </p:timing>
+</p:sld>
+</file>
+
+<file path=ppt/slides/slide16.xml><?xml version="1.0" encoding="utf-8"?>
+<p:sld xmlns:a="http://schemas.openxmlformats.org/drawingml/2006/main" xmlns:r="http://schemas.openxmlformats.org/officeDocument/2006/relationships" xmlns:p="http://schemas.openxmlformats.org/presentationml/2006/main">
+  <p:cSld>
+    <p:spTree>
+      <p:nvGrpSpPr>
+        <p:cNvPr id="1" name=""/>
+        <p:cNvGrpSpPr/>
+        <p:nvPr/>
+      </p:nvGrpSpPr>
+      <p:grpSpPr>
+        <a:xfrm>
+          <a:off x="0" y="0"/>
+          <a:ext cx="0" cy="0"/>
+          <a:chOff x="0" y="0"/>
+          <a:chExt cx="0" cy="0"/>
+        </a:xfrm>
+      </p:grpSpPr>
+      <p:sp>
+        <p:nvSpPr>
+          <p:cNvPr id="2" name="Title 1"/>
+          <p:cNvSpPr>
+            <a:spLocks noGrp="1"/>
+          </p:cNvSpPr>
+          <p:nvPr>
+            <p:ph type="title"/>
+          </p:nvPr>
+        </p:nvSpPr>
+        <p:spPr>
+          <a:xfrm>
+            <a:off x="1244600" y="2438400"/>
+            <a:ext cx="10464800" cy="1524000"/>
+          </a:xfrm>
+        </p:spPr>
+        <p:txBody>
+          <a:bodyPr/>
+          <a:lstStyle/>
+          <a:p>
+            <a:r>
+              <a:rPr lang="en-GB" dirty="0" smtClean="0"/>
+              <a:t>Thank you!</a:t>
+            </a:r>
+            <a:endParaRPr lang="en-GB" dirty="0"/>
+          </a:p>
+        </p:txBody>
+      </p:sp>
+      <p:sp>
+        <p:nvSpPr>
+          <p:cNvPr id="3" name="Text Placeholder 2"/>
+          <p:cNvSpPr>
+            <a:spLocks noGrp="1"/>
+          </p:cNvSpPr>
+          <p:nvPr>
+            <p:ph type="body" idx="1"/>
+          </p:nvPr>
+        </p:nvSpPr>
+        <p:spPr>
+          <a:xfrm>
+            <a:off x="1270000" y="6210300"/>
+            <a:ext cx="10464800" cy="2247900"/>
+          </a:xfrm>
+        </p:spPr>
+        <p:txBody>
+          <a:bodyPr/>
+          <a:lstStyle/>
+          <a:p>
+            <a:r>
+              <a:rPr lang="en-GB" dirty="0" smtClean="0"/>
+              <a:t>stefandamian.sd@gmail.com</a:t>
+            </a:r>
+          </a:p>
+          <a:p>
+            <a:r>
+              <a:rPr lang="en-GB" dirty="0" smtClean="0"/>
+              <a:t>gburloiu@gmail.com</a:t>
+            </a:r>
+          </a:p>
+          <a:p>
+            <a:endParaRPr lang="en-GB" dirty="0" smtClean="0"/>
+          </a:p>
+        </p:txBody>
+      </p:sp>
+      <p:pic>
+        <p:nvPicPr>
+          <p:cNvPr id="2050" name="Picture 2"/>
+          <p:cNvPicPr>
+            <a:picLocks noChangeAspect="1" noChangeArrowheads="1"/>
+          </p:cNvPicPr>
+          <p:nvPr/>
+        </p:nvPicPr>
+        <p:blipFill>
+          <a:blip r:embed="rId2">
+            <a:extLst>
+              <a:ext uri="{28A0092B-C50C-407E-A947-70E740481C1C}">
+                <a14:useLocalDpi xmlns:a14="http://schemas.microsoft.com/office/drawing/2010/main" val="0"/>
+              </a:ext>
+            </a:extLst>
+          </a:blip>
+          <a:srcRect/>
+          <a:stretch>
+            <a:fillRect/>
+          </a:stretch>
+        </p:blipFill>
+        <p:spPr bwMode="auto">
+          <a:xfrm>
+            <a:off x="4978400" y="8229600"/>
+            <a:ext cx="3276600" cy="983994"/>
+          </a:xfrm>
+          <a:prstGeom prst="rect">
+            <a:avLst/>
+          </a:prstGeom>
+          <a:noFill/>
+          <a:ln>
+            <a:noFill/>
+          </a:ln>
+          <a:extLst>
+            <a:ext uri="{909E8E84-426E-40DD-AFC4-6F175D3DCCD1}">
+              <a14:hiddenFill xmlns:a14="http://schemas.microsoft.com/office/drawing/2010/main">
+                <a:solidFill>
+                  <a:schemeClr val="accent1"/>
+                </a:solidFill>
+              </a14:hiddenFill>
+            </a:ext>
+            <a:ext uri="{91240B29-F687-4F45-9708-019B960494DF}">
+              <a14:hiddenLine xmlns:a14="http://schemas.microsoft.com/office/drawing/2010/main" w="9525">
+                <a:solidFill>
+                  <a:schemeClr val="tx1"/>
+                </a:solidFill>
+                <a:miter lim="800000"/>
+                <a:headEnd/>
+                <a:tailEnd/>
+              </a14:hiddenLine>
+            </a:ext>
+          </a:extLst>
+        </p:spPr>
+      </p:pic>
+    </p:spTree>
+    <p:extLst>
+      <p:ext uri="{BB962C8B-B14F-4D97-AF65-F5344CB8AC3E}">
+        <p14:creationId xmlns:p14="http://schemas.microsoft.com/office/powerpoint/2010/main" val="3262505342"/>
       </p:ext>
     </p:extLst>
   </p:cSld>
@@ -7382,14 +8636,16 @@
           </a:xfrm>
         </p:spPr>
         <p:txBody>
-          <a:bodyPr/>
+          <a:bodyPr>
+            <a:normAutofit/>
+          </a:bodyPr>
           <a:lstStyle/>
           <a:p>
             <a:r>
-              <a:rPr lang="en-GB" dirty="0" err="1" smtClean="0"/>
-              <a:t>Cuprins</a:t>
-            </a:r>
-            <a:endParaRPr lang="en-GB" dirty="0"/>
+              <a:rPr lang="en-GB" dirty="0" smtClean="0"/>
+              <a:t>Contents</a:t>
+            </a:r>
+            <a:endParaRPr lang="en-GB" i="1" dirty="0"/>
           </a:p>
         </p:txBody>
       </p:sp>
@@ -7422,8 +8678,16 @@
               <a:buAutoNum type="arabicPeriod"/>
             </a:pPr>
             <a:r>
+              <a:rPr lang="en-US" sz="3800" dirty="0" smtClean="0"/>
+              <a:t>Introduction: what is </a:t>
+            </a:r>
+            <a:r>
               <a:rPr lang="ro-RO" sz="3800" i="1" dirty="0" smtClean="0"/>
               <a:t>SoundThimble</a:t>
+            </a:r>
+            <a:r>
+              <a:rPr lang="en-US" sz="3800" dirty="0"/>
+              <a:t>?</a:t>
             </a:r>
             <a:endParaRPr lang="ro-RO" sz="3800" dirty="0" smtClean="0"/>
           </a:p>
@@ -7437,9 +8701,10 @@
               <a:buAutoNum type="arabicPeriod"/>
             </a:pPr>
             <a:r>
-              <a:rPr lang="ro-RO" sz="3800" dirty="0" smtClean="0"/>
-              <a:t>Sonificare și interactivitate</a:t>
-            </a:r>
+              <a:rPr lang="en-US" sz="3800" dirty="0" smtClean="0"/>
+              <a:t>Concept and implementation</a:t>
+            </a:r>
+            <a:endParaRPr lang="ro-RO" sz="3800" dirty="0" smtClean="0"/>
           </a:p>
           <a:p>
             <a:pPr marL="742950" indent="-742950" algn="l">
@@ -7451,18 +8716,13 @@
               <a:buAutoNum type="arabicPeriod"/>
             </a:pPr>
             <a:r>
-              <a:rPr lang="ro-RO" sz="3800" i="1" dirty="0" smtClean="0"/>
-              <a:t>SoundThimble</a:t>
-            </a:r>
-            <a:r>
               <a:rPr lang="en-US" sz="3800" dirty="0" smtClean="0"/>
-              <a:t>: concept, </a:t>
-            </a:r>
-            <a:r>
-              <a:rPr lang="en-US" sz="3800" dirty="0" err="1" smtClean="0"/>
-              <a:t>implementare</a:t>
-            </a:r>
-            <a:endParaRPr lang="en-US" sz="3800" dirty="0" smtClean="0"/>
+              <a:t>Interaction </a:t>
+            </a:r>
+            <a:r>
+              <a:rPr lang="en-US" sz="3800" dirty="0" smtClean="0"/>
+              <a:t>and sound design</a:t>
+            </a:r>
           </a:p>
           <a:p>
             <a:pPr marL="742950" indent="-742950" algn="l">
@@ -7474,12 +8734,8 @@
               <a:buAutoNum type="arabicPeriod"/>
             </a:pPr>
             <a:r>
-              <a:rPr lang="en-US" sz="3800" i="1" dirty="0" err="1" smtClean="0"/>
-              <a:t>SoundThimble</a:t>
-            </a:r>
-            <a:r>
               <a:rPr lang="en-US" sz="3800" dirty="0" smtClean="0"/>
-              <a:t>: sound design</a:t>
+              <a:t>Evaluation</a:t>
             </a:r>
           </a:p>
           <a:p>
@@ -7492,16 +8748,12 @@
               <a:buAutoNum type="arabicPeriod"/>
             </a:pPr>
             <a:r>
-              <a:rPr lang="en-US" sz="3800" dirty="0" err="1" smtClean="0"/>
-              <a:t>Concluzii</a:t>
-            </a:r>
-            <a:r>
               <a:rPr lang="en-US" sz="3800" dirty="0" smtClean="0"/>
-              <a:t> </a:t>
-            </a:r>
-            <a:r>
-              <a:rPr lang="ro-RO" sz="3800" dirty="0" smtClean="0"/>
-              <a:t>și perspective</a:t>
+              <a:t>Conclusion and future </a:t>
+            </a:r>
+            <a:r>
+              <a:rPr lang="en-US" sz="3800" dirty="0" smtClean="0"/>
+              <a:t>work</a:t>
             </a:r>
             <a:endParaRPr lang="en-GB" sz="3800" dirty="0"/>
           </a:p>
@@ -7563,7 +8815,7 @@
         </p:spPr>
         <p:txBody>
           <a:bodyPr>
-            <a:normAutofit/>
+            <a:normAutofit fontScale="90000"/>
           </a:bodyPr>
           <a:lstStyle/>
           <a:p>
@@ -7573,10 +8825,22 @@
               </a:spcBef>
             </a:pPr>
             <a:r>
-              <a:rPr lang="ro-RO" i="1" dirty="0" smtClean="0"/>
+              <a:rPr lang="en-US" sz="7200" dirty="0" smtClean="0"/>
+              <a:t>1. What </a:t>
+            </a:r>
+            <a:r>
+              <a:rPr lang="en-US" sz="7200" dirty="0" smtClean="0"/>
+              <a:t>is </a:t>
+            </a:r>
+            <a:r>
+              <a:rPr lang="ro-RO" sz="7200" i="1" dirty="0" smtClean="0"/>
               <a:t>SoundThimble</a:t>
             </a:r>
-            <a:endParaRPr lang="ro-RO" dirty="0"/>
+            <a:r>
+              <a:rPr lang="en-US" sz="7200" i="1" dirty="0" smtClean="0"/>
+              <a:t>?</a:t>
+            </a:r>
+            <a:endParaRPr lang="ro-RO" sz="7200" dirty="0"/>
           </a:p>
         </p:txBody>
       </p:sp>
@@ -7598,29 +8862,31 @@
         </p:spPr>
         <p:txBody>
           <a:bodyPr anchor="ctr">
-            <a:normAutofit fontScale="25000" lnSpcReduction="20000"/>
+            <a:normAutofit fontScale="92500"/>
           </a:bodyPr>
           <a:lstStyle/>
           <a:p>
-            <a:pPr algn="l">
+            <a:pPr marL="571500" indent="-571500" algn="l">
               <a:spcBef>
                 <a:spcPts val="4200"/>
               </a:spcBef>
               <a:buSzPct val="75000"/>
+              <a:buFont typeface="Arial" panose="020B0604020202020204" pitchFamily="34" charset="0"/>
+              <a:buChar char="•"/>
             </a:pPr>
-            <a:endParaRPr lang="ro-RO" sz="3800" dirty="0" smtClean="0"/>
-          </a:p>
-          <a:p>
-            <a:pPr>
-              <a:spcBef>
-                <a:spcPts val="4200"/>
-              </a:spcBef>
-              <a:buSzPct val="75000"/>
-            </a:pPr>
-            <a:r>
-              <a:rPr lang="ro-RO" sz="14400" dirty="0" smtClean="0"/>
-              <a:t>Platformă interactivă de sonificare</a:t>
-            </a:r>
+            <a:r>
+              <a:rPr lang="en-US" sz="3600" dirty="0" smtClean="0"/>
+              <a:t>interactive </a:t>
+            </a:r>
+            <a:r>
+              <a:rPr lang="en-US" sz="3600" dirty="0" smtClean="0"/>
+              <a:t>sonification </a:t>
+            </a:r>
+            <a:r>
+              <a:rPr lang="en-US" sz="3600" dirty="0" smtClean="0"/>
+              <a:t>platform for Max &amp; OSC</a:t>
+            </a:r>
+            <a:endParaRPr lang="en-US" sz="3600" dirty="0" smtClean="0"/>
           </a:p>
           <a:p>
             <a:pPr marL="571500" indent="-571500" algn="l">
@@ -7628,10 +8894,29 @@
                 <a:spcPts val="4200"/>
               </a:spcBef>
               <a:buSzPct val="75000"/>
-              <a:buFont typeface="Arial" pitchFamily="34" charset="0"/>
+              <a:buFont typeface="Arial" panose="020B0604020202020204" pitchFamily="34" charset="0"/>
               <a:buChar char="•"/>
             </a:pPr>
-            <a:endParaRPr lang="ro-RO" sz="3800" dirty="0" smtClean="0"/>
+            <a:r>
+              <a:rPr lang="en-US" sz="3600" dirty="0" smtClean="0"/>
+              <a:t>based on a </a:t>
+            </a:r>
+            <a:r>
+              <a:rPr lang="en-US" sz="3600" dirty="0" smtClean="0"/>
+              <a:t>high resolution </a:t>
+            </a:r>
+            <a:r>
+              <a:rPr lang="en-US" sz="3600" dirty="0" err="1" smtClean="0"/>
+              <a:t>Vicon</a:t>
+            </a:r>
+            <a:r>
+              <a:rPr lang="en-US" sz="3600" dirty="0" smtClean="0"/>
+              <a:t> </a:t>
+            </a:r>
+            <a:r>
+              <a:rPr lang="en-US" sz="3600" dirty="0" smtClean="0"/>
+              <a:t>motion capture system</a:t>
+            </a:r>
           </a:p>
           <a:p>
             <a:pPr marL="571500" indent="-571500" algn="l">
@@ -7639,12 +8924,36 @@
                 <a:spcPts val="4200"/>
               </a:spcBef>
               <a:buSzPct val="75000"/>
-              <a:buFont typeface="Arial" pitchFamily="34" charset="0"/>
+              <a:buFont typeface="Arial" panose="020B0604020202020204" pitchFamily="34" charset="0"/>
               <a:buChar char="•"/>
             </a:pPr>
             <a:r>
-              <a:rPr lang="ro-RO" sz="12800" dirty="0" smtClean="0"/>
-              <a:t>Instalații interactive</a:t>
+              <a:rPr lang="en-US" sz="3600" dirty="0" smtClean="0"/>
+              <a:t>oriented towards composers, </a:t>
+            </a:r>
+            <a:r>
+              <a:rPr lang="en-US" sz="3600" dirty="0" smtClean="0"/>
+              <a:t>performance and </a:t>
+            </a:r>
+            <a:r>
+              <a:rPr lang="en-US" sz="3600" dirty="0"/>
+              <a:t>n</a:t>
+            </a:r>
+            <a:r>
+              <a:rPr lang="en-US" sz="3600" dirty="0" smtClean="0"/>
+              <a:t>ew </a:t>
+            </a:r>
+            <a:r>
+              <a:rPr lang="en-US" sz="3600" dirty="0"/>
+              <a:t>m</a:t>
+            </a:r>
+            <a:r>
+              <a:rPr lang="en-US" sz="3600" dirty="0" smtClean="0"/>
+              <a:t>edia </a:t>
+            </a:r>
+            <a:r>
+              <a:rPr lang="en-US" sz="3600" dirty="0" smtClean="0"/>
+              <a:t>artists</a:t>
             </a:r>
           </a:p>
           <a:p>
@@ -7653,12 +8962,12 @@
                 <a:spcPts val="4200"/>
               </a:spcBef>
               <a:buSzPct val="75000"/>
-              <a:buFont typeface="Arial" pitchFamily="34" charset="0"/>
+              <a:buFont typeface="Arial" panose="020B0604020202020204" pitchFamily="34" charset="0"/>
               <a:buChar char="•"/>
             </a:pPr>
             <a:r>
-              <a:rPr lang="ro-RO" sz="12800" dirty="0" smtClean="0"/>
-              <a:t>Teatru și coregrafie</a:t>
+              <a:rPr lang="en-US" sz="3600" dirty="0" smtClean="0"/>
+              <a:t>employable in performance or installation scenarios</a:t>
             </a:r>
           </a:p>
           <a:p>
@@ -7667,104 +8976,29 @@
                 <a:spcPts val="4200"/>
               </a:spcBef>
               <a:buSzPct val="75000"/>
-              <a:buFont typeface="Arial" pitchFamily="34" charset="0"/>
-              <a:buChar char="•"/>
-            </a:pPr>
-            <a:r>
-              <a:rPr lang="ro-RO" sz="12800" dirty="0" smtClean="0"/>
-              <a:t>Meta-instrument </a:t>
-            </a:r>
-          </a:p>
-          <a:p>
-            <a:pPr marL="571500" indent="-571500" algn="l">
-              <a:spcBef>
-                <a:spcPts val="4200"/>
-              </a:spcBef>
-              <a:buSzPct val="75000"/>
-              <a:buFont typeface="Arial" pitchFamily="34" charset="0"/>
-              <a:buChar char="•"/>
-            </a:pPr>
-            <a:r>
-              <a:rPr lang="ro-RO" sz="12800" dirty="0" smtClean="0"/>
-              <a:t>Simulări VR</a:t>
-            </a:r>
-          </a:p>
-          <a:p>
-            <a:pPr marL="571500" indent="-571500" algn="l">
-              <a:spcBef>
-                <a:spcPts val="4200"/>
-              </a:spcBef>
-              <a:buSzPct val="75000"/>
-              <a:buFont typeface="Arial" pitchFamily="34" charset="0"/>
-              <a:buChar char="•"/>
-            </a:pPr>
-            <a:r>
-              <a:rPr lang="ro-RO" sz="12800" dirty="0" smtClean="0"/>
-              <a:t>Jocuri audio</a:t>
-            </a:r>
-            <a:endParaRPr lang="ro-RO" sz="12800" dirty="0"/>
-          </a:p>
-          <a:p>
-            <a:pPr algn="l">
-              <a:spcBef>
-                <a:spcPts val="4200"/>
-              </a:spcBef>
-              <a:buSzPct val="75000"/>
-            </a:pPr>
-            <a:endParaRPr lang="ro-RO" sz="3800" dirty="0" smtClean="0"/>
-          </a:p>
-          <a:p>
-            <a:pPr algn="l">
-              <a:spcBef>
-                <a:spcPts val="4200"/>
-              </a:spcBef>
-              <a:buSzPct val="75000"/>
-            </a:pPr>
-            <a:endParaRPr lang="en-GB" sz="3800" dirty="0" smtClean="0"/>
-          </a:p>
-          <a:p>
-            <a:pPr marL="742950" indent="-742950" algn="l">
-              <a:spcBef>
-                <a:spcPts val="4200"/>
-              </a:spcBef>
-              <a:buSzPct val="75000"/>
               <a:buFont typeface="Arial" panose="020B0604020202020204" pitchFamily="34" charset="0"/>
               <a:buChar char="•"/>
             </a:pPr>
-            <a:endParaRPr lang="ro-RO" sz="3800" dirty="0" smtClean="0"/>
+            <a:r>
+              <a:rPr lang="en-US" sz="3600" dirty="0" smtClean="0"/>
+              <a:t>case study as </a:t>
+            </a:r>
+            <a:r>
+              <a:rPr lang="en-US" sz="3600" dirty="0" smtClean="0"/>
+              <a:t>an interactive </a:t>
+            </a:r>
+            <a:r>
+              <a:rPr lang="en-US" sz="3600" dirty="0" smtClean="0"/>
+              <a:t>audio </a:t>
+            </a:r>
+            <a:r>
+              <a:rPr lang="en-US" sz="3600" dirty="0" smtClean="0"/>
+              <a:t>installation</a:t>
+            </a:r>
+            <a:endParaRPr lang="en-GB" sz="3800" dirty="0" smtClean="0"/>
           </a:p>
         </p:txBody>
       </p:sp>
-      <p:pic>
-        <p:nvPicPr>
-          <p:cNvPr id="5" name="Picture 4"/>
-          <p:cNvPicPr>
-            <a:picLocks noChangeAspect="1"/>
-          </p:cNvPicPr>
-          <p:nvPr/>
-        </p:nvPicPr>
-        <p:blipFill>
-          <a:blip r:embed="rId2">
-            <a:extLst>
-              <a:ext uri="{28A0092B-C50C-407E-A947-70E740481C1C}">
-                <a14:useLocalDpi xmlns:a14="http://schemas.microsoft.com/office/drawing/2010/main" val="0"/>
-              </a:ext>
-            </a:extLst>
-          </a:blip>
-          <a:stretch>
-            <a:fillRect/>
-          </a:stretch>
-        </p:blipFill>
-        <p:spPr>
-          <a:xfrm>
-            <a:off x="6008511" y="3649133"/>
-            <a:ext cx="6085771" cy="4188178"/>
-          </a:xfrm>
-          <a:prstGeom prst="rect">
-            <a:avLst/>
-          </a:prstGeom>
-        </p:spPr>
-      </p:pic>
     </p:spTree>
     <p:extLst>
       <p:ext uri="{BB962C8B-B14F-4D97-AF65-F5344CB8AC3E}">
@@ -7815,13 +9049,13 @@
         </p:nvSpPr>
         <p:spPr>
           <a:xfrm>
-            <a:off x="711200" y="304800"/>
-            <a:ext cx="11734800" cy="1524000"/>
+            <a:off x="1320800" y="304800"/>
+            <a:ext cx="10464800" cy="1524000"/>
           </a:xfrm>
         </p:spPr>
         <p:txBody>
           <a:bodyPr>
-            <a:normAutofit fontScale="90000"/>
+            <a:noAutofit/>
           </a:bodyPr>
           <a:lstStyle/>
           <a:p>
@@ -7831,440 +9065,18 @@
               </a:spcBef>
             </a:pPr>
             <a:r>
-              <a:rPr lang="ro-RO" dirty="0" smtClean="0"/>
-              <a:t>Sonificare și interactivitate</a:t>
-            </a:r>
-            <a:endParaRPr lang="ro-RO" dirty="0"/>
-          </a:p>
-        </p:txBody>
-      </p:sp>
-      <p:sp>
-        <p:nvSpPr>
-          <p:cNvPr id="3" name="Text Placeholder 2"/>
-          <p:cNvSpPr>
-            <a:spLocks noGrp="1"/>
-          </p:cNvSpPr>
-          <p:nvPr>
-            <p:ph type="body" idx="1"/>
-          </p:nvPr>
-        </p:nvSpPr>
-        <p:spPr>
-          <a:xfrm>
-            <a:off x="1320800" y="2514600"/>
-            <a:ext cx="10464800" cy="6019800"/>
-          </a:xfrm>
-        </p:spPr>
-        <p:txBody>
-          <a:bodyPr anchor="ctr">
-            <a:normAutofit/>
-          </a:bodyPr>
-          <a:lstStyle/>
-          <a:p>
-            <a:pPr marL="742950" indent="-742950" algn="l">
-              <a:spcBef>
-                <a:spcPts val="4200"/>
-              </a:spcBef>
-              <a:buSzPct val="75000"/>
-              <a:buFont typeface="Arial" panose="020B0604020202020204" pitchFamily="34" charset="0"/>
-              <a:buChar char="•"/>
-            </a:pPr>
-            <a:r>
-              <a:rPr lang="ro-RO" dirty="0"/>
-              <a:t>“</a:t>
-            </a:r>
-            <a:r>
-              <a:rPr lang="ro-RO" i="1" dirty="0"/>
-              <a:t>Sonificarea </a:t>
-            </a:r>
-            <a:r>
-              <a:rPr lang="ro-RO" dirty="0"/>
-              <a:t>este transformarea relațiilor dintre date în relații acustice cu scopul de a facilita comunicarea sau interpretarea”. – Kramer et. al. </a:t>
-            </a:r>
-            <a:endParaRPr lang="ro-RO" dirty="0" smtClean="0"/>
-          </a:p>
-          <a:p>
-            <a:pPr marL="742950" indent="-742950" algn="l">
-              <a:spcBef>
-                <a:spcPts val="4200"/>
-              </a:spcBef>
-              <a:buSzPct val="75000"/>
-              <a:buFont typeface="Arial" panose="020B0604020202020204" pitchFamily="34" charset="0"/>
-              <a:buChar char="•"/>
-            </a:pPr>
-            <a:r>
-              <a:rPr lang="vi-VN" dirty="0"/>
-              <a:t>“</a:t>
-            </a:r>
-            <a:r>
-              <a:rPr lang="vi-VN" i="1" dirty="0"/>
-              <a:t>Sonificarea </a:t>
-            </a:r>
-            <a:r>
-              <a:rPr lang="vi-VN" dirty="0"/>
-              <a:t>reprezintă generarea sonoră, dependentă de date, dacă transformarea este sistematică, obiectivă și reproductibilă, în așa fel încât să poată fi folosită ca metodă științifică</a:t>
-            </a:r>
-            <a:r>
-              <a:rPr lang="vi-VN" dirty="0" smtClean="0"/>
-              <a:t>.” </a:t>
-            </a:r>
-            <a:r>
-              <a:rPr lang="vi-VN" dirty="0"/>
-              <a:t>– Hermann </a:t>
-            </a:r>
-            <a:endParaRPr lang="ro-RO" dirty="0" smtClean="0"/>
-          </a:p>
-          <a:p>
-            <a:pPr marL="742950" indent="-742950" algn="l">
-              <a:spcBef>
-                <a:spcPts val="4200"/>
-              </a:spcBef>
-              <a:buSzPct val="75000"/>
-              <a:buFont typeface="Arial" panose="020B0604020202020204" pitchFamily="34" charset="0"/>
-              <a:buChar char="•"/>
-            </a:pPr>
-            <a:r>
-              <a:rPr lang="vi-VN" i="1" dirty="0"/>
-              <a:t>Sonificarea interactivă </a:t>
-            </a:r>
-            <a:r>
-              <a:rPr lang="ro-RO" i="1" dirty="0" smtClean="0"/>
-              <a:t>= </a:t>
-            </a:r>
-            <a:r>
-              <a:rPr lang="vi-VN" dirty="0" smtClean="0"/>
-              <a:t>explorarea </a:t>
-            </a:r>
-            <a:r>
-              <a:rPr lang="vi-VN" dirty="0"/>
-              <a:t>datelor prin manipulări interactive ale datelor în sunet.</a:t>
-            </a:r>
-            <a:endParaRPr lang="en-GB" dirty="0"/>
-          </a:p>
-        </p:txBody>
-      </p:sp>
-    </p:spTree>
-    <p:extLst>
-      <p:ext uri="{BB962C8B-B14F-4D97-AF65-F5344CB8AC3E}">
-        <p14:creationId xmlns:p14="http://schemas.microsoft.com/office/powerpoint/2010/main" val="2457558054"/>
-      </p:ext>
-    </p:extLst>
-  </p:cSld>
-  <p:clrMapOvr>
-    <a:masterClrMapping/>
-  </p:clrMapOvr>
-  <p:transition spd="med"/>
-  <p:timing>
-    <p:tnLst>
-      <p:par>
-        <p:cTn id="1" dur="indefinite" restart="never" nodeType="tmRoot"/>
-      </p:par>
-    </p:tnLst>
-  </p:timing>
-</p:sld>
-</file>
-
-<file path=ppt/slides/slide5.xml><?xml version="1.0" encoding="utf-8"?>
-<p:sld xmlns:a="http://schemas.openxmlformats.org/drawingml/2006/main" xmlns:r="http://schemas.openxmlformats.org/officeDocument/2006/relationships" xmlns:p="http://schemas.openxmlformats.org/presentationml/2006/main">
-  <p:cSld>
-    <p:spTree>
-      <p:nvGrpSpPr>
-        <p:cNvPr id="1" name=""/>
-        <p:cNvGrpSpPr/>
-        <p:nvPr/>
-      </p:nvGrpSpPr>
-      <p:grpSpPr>
-        <a:xfrm>
-          <a:off x="0" y="0"/>
-          <a:ext cx="0" cy="0"/>
-          <a:chOff x="0" y="0"/>
-          <a:chExt cx="0" cy="0"/>
-        </a:xfrm>
-      </p:grpSpPr>
-      <p:sp>
-        <p:nvSpPr>
-          <p:cNvPr id="2" name="Title 1"/>
-          <p:cNvSpPr>
-            <a:spLocks noGrp="1"/>
-          </p:cNvSpPr>
-          <p:nvPr>
-            <p:ph type="title"/>
-          </p:nvPr>
-        </p:nvSpPr>
-        <p:spPr>
-          <a:xfrm>
-            <a:off x="711200" y="304800"/>
-            <a:ext cx="11734800" cy="1524000"/>
-          </a:xfrm>
-        </p:spPr>
-        <p:txBody>
-          <a:bodyPr>
-            <a:normAutofit fontScale="90000"/>
-          </a:bodyPr>
-          <a:lstStyle/>
-          <a:p>
-            <a:pPr marL="742950" indent="-742950">
-              <a:spcBef>
-                <a:spcPts val="4200"/>
-              </a:spcBef>
-            </a:pPr>
-            <a:r>
-              <a:rPr lang="ro-RO" dirty="0" smtClean="0"/>
-              <a:t>Sonificare și interactivitate</a:t>
-            </a:r>
-            <a:endParaRPr lang="ro-RO" dirty="0"/>
-          </a:p>
-        </p:txBody>
-      </p:sp>
-      <p:sp>
-        <p:nvSpPr>
-          <p:cNvPr id="3" name="Text Placeholder 2"/>
-          <p:cNvSpPr>
-            <a:spLocks noGrp="1"/>
-          </p:cNvSpPr>
-          <p:nvPr>
-            <p:ph type="body" idx="1"/>
-          </p:nvPr>
-        </p:nvSpPr>
-        <p:spPr>
-          <a:xfrm>
-            <a:off x="1320800" y="2514600"/>
-            <a:ext cx="10464800" cy="6019800"/>
-          </a:xfrm>
-        </p:spPr>
-        <p:txBody>
-          <a:bodyPr anchor="ctr">
-            <a:normAutofit fontScale="25000" lnSpcReduction="20000"/>
-          </a:bodyPr>
-          <a:lstStyle/>
-          <a:p>
-            <a:pPr>
-              <a:spcBef>
-                <a:spcPts val="4200"/>
-              </a:spcBef>
-              <a:buSzPct val="75000"/>
-            </a:pPr>
-            <a:endParaRPr lang="ro-RO" sz="17600" dirty="0" smtClean="0"/>
-          </a:p>
-          <a:p>
-            <a:pPr>
-              <a:spcBef>
-                <a:spcPts val="4200"/>
-              </a:spcBef>
-              <a:buSzPct val="75000"/>
-            </a:pPr>
-            <a:r>
-              <a:rPr lang="ro-RO" sz="17600" dirty="0" smtClean="0"/>
-              <a:t>Interfețe și senzori</a:t>
-            </a:r>
-          </a:p>
-          <a:p>
-            <a:pPr algn="l">
-              <a:spcBef>
-                <a:spcPts val="4200"/>
-              </a:spcBef>
-              <a:buSzPct val="75000"/>
-            </a:pPr>
-            <a:r>
-              <a:rPr lang="ro-RO" sz="8000" dirty="0" smtClean="0"/>
-              <a:t>Camere video / infraroșu</a:t>
-            </a:r>
-          </a:p>
-          <a:p>
-            <a:pPr algn="l">
-              <a:spcBef>
-                <a:spcPts val="4200"/>
-              </a:spcBef>
-              <a:buSzPct val="75000"/>
-            </a:pPr>
-            <a:r>
-              <a:rPr lang="ro-RO" sz="8000" dirty="0" smtClean="0"/>
-              <a:t>Ultrasunete</a:t>
-            </a:r>
-          </a:p>
-          <a:p>
-            <a:pPr algn="l">
-              <a:spcBef>
-                <a:spcPts val="4200"/>
-              </a:spcBef>
-              <a:buSzPct val="75000"/>
-            </a:pPr>
-            <a:r>
-              <a:rPr lang="ro-RO" sz="8000" dirty="0" smtClean="0"/>
-              <a:t>Microfoane</a:t>
-            </a:r>
-            <a:endParaRPr lang="ro-RO" sz="8000" dirty="0"/>
-          </a:p>
-          <a:p>
-            <a:pPr algn="l">
-              <a:spcBef>
-                <a:spcPts val="4200"/>
-              </a:spcBef>
-              <a:buSzPct val="75000"/>
-            </a:pPr>
-            <a:r>
-              <a:rPr lang="ro-RO" sz="8000" dirty="0" smtClean="0"/>
-              <a:t>Contracții musculare</a:t>
-            </a:r>
-          </a:p>
-          <a:p>
-            <a:pPr algn="l">
-              <a:spcBef>
-                <a:spcPts val="4200"/>
-              </a:spcBef>
-              <a:buSzPct val="75000"/>
-            </a:pPr>
-            <a:r>
-              <a:rPr lang="ro-RO" sz="8000" dirty="0" smtClean="0"/>
-              <a:t>Accelerometre / giroscoape</a:t>
-            </a:r>
-          </a:p>
-          <a:p>
-            <a:pPr algn="l">
-              <a:spcBef>
-                <a:spcPts val="4200"/>
-              </a:spcBef>
-              <a:buSzPct val="75000"/>
-            </a:pPr>
-            <a:r>
-              <a:rPr lang="ro-RO" sz="8000" dirty="0" smtClean="0"/>
-              <a:t>Senzori isometrici</a:t>
-            </a:r>
-          </a:p>
-          <a:p>
-            <a:pPr algn="l">
-              <a:spcBef>
-                <a:spcPts val="4200"/>
-              </a:spcBef>
-              <a:buSzPct val="75000"/>
-            </a:pPr>
-            <a:r>
-              <a:rPr lang="ro-RO" sz="8000" dirty="0" smtClean="0"/>
-              <a:t>Switchuri și potențiometre</a:t>
-            </a:r>
-          </a:p>
-          <a:p>
-            <a:pPr algn="l">
-              <a:spcBef>
-                <a:spcPts val="4200"/>
-              </a:spcBef>
-              <a:buSzPct val="75000"/>
-            </a:pPr>
-            <a:r>
-              <a:rPr lang="ro-RO" sz="8000" dirty="0" smtClean="0"/>
-              <a:t>Bio-senzori (</a:t>
-            </a:r>
-            <a:r>
-              <a:rPr lang="en-US" sz="8000" dirty="0" smtClean="0"/>
-              <a:t>ex: </a:t>
-            </a:r>
-            <a:r>
-              <a:rPr lang="ro-RO" sz="8000" dirty="0" smtClean="0"/>
-              <a:t>termometre, EEG, pulsmetr</a:t>
-            </a:r>
-            <a:r>
-              <a:rPr lang="en-US" sz="8000" dirty="0" smtClean="0"/>
-              <a:t>e)</a:t>
-            </a:r>
-            <a:endParaRPr lang="ro-RO" sz="8000" dirty="0"/>
-          </a:p>
-          <a:p>
-            <a:pPr algn="l">
-              <a:spcBef>
-                <a:spcPts val="4200"/>
-              </a:spcBef>
-              <a:buSzPct val="75000"/>
-            </a:pPr>
-            <a:endParaRPr lang="ro-RO" dirty="0" smtClean="0"/>
-          </a:p>
-          <a:p>
-            <a:pPr algn="l">
-              <a:spcBef>
-                <a:spcPts val="4200"/>
-              </a:spcBef>
-              <a:buSzPct val="75000"/>
-            </a:pPr>
-            <a:endParaRPr lang="en-GB" dirty="0"/>
-          </a:p>
-        </p:txBody>
-      </p:sp>
-    </p:spTree>
-    <p:extLst>
-      <p:ext uri="{BB962C8B-B14F-4D97-AF65-F5344CB8AC3E}">
-        <p14:creationId xmlns:p14="http://schemas.microsoft.com/office/powerpoint/2010/main" val="3685515551"/>
-      </p:ext>
-    </p:extLst>
-  </p:cSld>
-  <p:clrMapOvr>
-    <a:masterClrMapping/>
-  </p:clrMapOvr>
-  <p:transition spd="med"/>
-  <p:timing>
-    <p:tnLst>
-      <p:par>
-        <p:cTn id="1" dur="indefinite" restart="never" nodeType="tmRoot"/>
-      </p:par>
-    </p:tnLst>
-  </p:timing>
-</p:sld>
-</file>
-
-<file path=ppt/slides/slide6.xml><?xml version="1.0" encoding="utf-8"?>
-<p:sld xmlns:a="http://schemas.openxmlformats.org/drawingml/2006/main" xmlns:r="http://schemas.openxmlformats.org/officeDocument/2006/relationships" xmlns:p="http://schemas.openxmlformats.org/presentationml/2006/main">
-  <p:cSld>
-    <p:spTree>
-      <p:nvGrpSpPr>
-        <p:cNvPr id="1" name=""/>
-        <p:cNvGrpSpPr/>
-        <p:nvPr/>
-      </p:nvGrpSpPr>
-      <p:grpSpPr>
-        <a:xfrm>
-          <a:off x="0" y="0"/>
-          <a:ext cx="0" cy="0"/>
-          <a:chOff x="0" y="0"/>
-          <a:chExt cx="0" cy="0"/>
-        </a:xfrm>
-      </p:grpSpPr>
-      <p:sp>
-        <p:nvSpPr>
-          <p:cNvPr id="2" name="Title 1"/>
-          <p:cNvSpPr>
-            <a:spLocks noGrp="1"/>
-          </p:cNvSpPr>
-          <p:nvPr>
-            <p:ph type="title"/>
-          </p:nvPr>
-        </p:nvSpPr>
-        <p:spPr>
-          <a:xfrm>
-            <a:off x="1320800" y="304800"/>
-            <a:ext cx="10464800" cy="1524000"/>
-          </a:xfrm>
-        </p:spPr>
-        <p:txBody>
-          <a:bodyPr>
-            <a:normAutofit fontScale="90000"/>
-          </a:bodyPr>
-          <a:lstStyle/>
-          <a:p>
-            <a:pPr marL="742950" indent="-742950">
-              <a:spcBef>
-                <a:spcPts val="4200"/>
-              </a:spcBef>
-            </a:pPr>
-            <a:r>
-              <a:rPr lang="ro-RO" i="1" dirty="0" smtClean="0"/>
+              <a:rPr lang="en-US" sz="6000" dirty="0" smtClean="0"/>
+              <a:t>2. </a:t>
+            </a:r>
+            <a:r>
+              <a:rPr lang="en-US" sz="6000" i="1" dirty="0" err="1" smtClean="0"/>
               <a:t>SoundThimble</a:t>
             </a:r>
             <a:r>
-              <a:rPr lang="en-US" dirty="0"/>
-              <a:t>: </a:t>
-            </a:r>
-            <a:r>
-              <a:rPr lang="en-US" dirty="0" smtClean="0"/>
-              <a:t>concept</a:t>
-            </a:r>
-            <a:endParaRPr lang="ro-RO" dirty="0"/>
+              <a:rPr lang="en-US" sz="6000" dirty="0" smtClean="0"/>
+              <a:t> concept</a:t>
+            </a:r>
+            <a:endParaRPr lang="ro-RO" sz="6000" dirty="0"/>
           </a:p>
         </p:txBody>
       </p:sp>
@@ -8286,7 +9098,7 @@
         </p:spPr>
         <p:txBody>
           <a:bodyPr anchor="ctr">
-            <a:normAutofit/>
+            <a:normAutofit lnSpcReduction="10000"/>
           </a:bodyPr>
           <a:lstStyle/>
           <a:p>
@@ -8304,23 +9116,7 @@
             </a:r>
             <a:r>
               <a:rPr lang="en-GB" dirty="0" smtClean="0"/>
-              <a:t> = </a:t>
-            </a:r>
-            <a:r>
-              <a:rPr lang="en-GB" dirty="0" err="1" smtClean="0"/>
-              <a:t>obiect</a:t>
-            </a:r>
-            <a:r>
-              <a:rPr lang="en-GB" dirty="0" smtClean="0"/>
-              <a:t> </a:t>
-            </a:r>
-            <a:r>
-              <a:rPr lang="en-GB" dirty="0" err="1" smtClean="0"/>
-              <a:t>sonor</a:t>
-            </a:r>
-            <a:r>
-              <a:rPr lang="en-GB" dirty="0" smtClean="0"/>
-              <a:t> </a:t>
+              <a:t> = sound object </a:t>
             </a:r>
             <a:r>
               <a:rPr lang="en-GB" sz="2400" dirty="0" smtClean="0"/>
@@ -8333,21 +9129,10 @@
               <a:buChar char="•"/>
             </a:pPr>
             <a:r>
-              <a:rPr lang="en-GB" sz="2200" dirty="0" err="1" smtClean="0"/>
-              <a:t>unitate</a:t>
-            </a:r>
-            <a:r>
-              <a:rPr lang="en-GB" sz="2200" dirty="0" smtClean="0"/>
-              <a:t> </a:t>
-            </a:r>
-            <a:r>
-              <a:rPr lang="en-GB" sz="2200" dirty="0" err="1" smtClean="0"/>
-              <a:t>sonor</a:t>
-            </a:r>
-            <a:r>
-              <a:rPr lang="ro-RO" sz="2200" dirty="0" smtClean="0"/>
-              <a:t>ă clar delimitată</a:t>
-            </a:r>
+              <a:rPr lang="en-US" sz="2200" dirty="0" smtClean="0"/>
+              <a:t>clearly defined sounding unit</a:t>
+            </a:r>
+            <a:endParaRPr lang="ro-RO" sz="2200" dirty="0" smtClean="0"/>
           </a:p>
           <a:p>
             <a:pPr marL="742950" lvl="4" indent="-742950" algn="l">
@@ -8355,9 +9140,10 @@
               <a:buChar char="•"/>
             </a:pPr>
             <a:r>
-              <a:rPr lang="ro-RO" sz="2200" dirty="0" smtClean="0"/>
-              <a:t>manipulare, aranjament, compoziție</a:t>
-            </a:r>
+              <a:rPr lang="en-US" sz="2200" dirty="0" smtClean="0"/>
+              <a:t>manipulation, arrangement, composition</a:t>
+            </a:r>
+            <a:endParaRPr lang="ro-RO" sz="2200" dirty="0" smtClean="0"/>
           </a:p>
           <a:p>
             <a:pPr marL="742950" lvl="4" indent="-742950" algn="l">
@@ -8369,9 +9155,10 @@
               <a:buChar char="•"/>
             </a:pPr>
             <a:r>
-              <a:rPr lang="ro-RO" dirty="0" smtClean="0"/>
-              <a:t>un scenariu posibil</a:t>
-            </a:r>
+              <a:rPr lang="en-US" dirty="0" smtClean="0"/>
+              <a:t>our proposed scenario</a:t>
+            </a:r>
+            <a:endParaRPr lang="ro-RO" dirty="0" smtClean="0"/>
           </a:p>
           <a:p>
             <a:pPr marL="742950" lvl="4" indent="-742950" algn="l">
@@ -8383,9 +9170,10 @@
               <a:buChar char="•"/>
             </a:pPr>
             <a:r>
-              <a:rPr lang="ro-RO" dirty="0" smtClean="0"/>
-              <a:t>abordări performative</a:t>
-            </a:r>
+              <a:rPr lang="en-US" dirty="0" smtClean="0"/>
+              <a:t>performative approaches</a:t>
+            </a:r>
+            <a:endParaRPr lang="ro-RO" dirty="0" smtClean="0"/>
           </a:p>
           <a:p>
             <a:pPr marL="742950" lvl="4" indent="-742950" algn="l">
@@ -8394,8 +9182,45 @@
             </a:pPr>
             <a:r>
               <a:rPr lang="ro-RO" sz="2200" dirty="0" smtClean="0"/>
-              <a:t>reflexiv, kinestetic, conotativ, empatic...</a:t>
-            </a:r>
+              <a:t>reflexiv</a:t>
+            </a:r>
+            <a:r>
+              <a:rPr lang="en-US" sz="2200" dirty="0" smtClean="0"/>
+              <a:t>e</a:t>
+            </a:r>
+            <a:r>
+              <a:rPr lang="ro-RO" sz="2200" dirty="0" smtClean="0"/>
+              <a:t>, kin</a:t>
+            </a:r>
+            <a:r>
+              <a:rPr lang="en-US" sz="2200" dirty="0" smtClean="0"/>
+              <a:t>a</a:t>
+            </a:r>
+            <a:r>
+              <a:rPr lang="ro-RO" sz="2200" dirty="0" smtClean="0"/>
+              <a:t>est</a:t>
+            </a:r>
+            <a:r>
+              <a:rPr lang="en-US" sz="2200" dirty="0" smtClean="0"/>
+              <a:t>h</a:t>
+            </a:r>
+            <a:r>
+              <a:rPr lang="ro-RO" sz="2200" dirty="0" smtClean="0"/>
+              <a:t>etic, </a:t>
+            </a:r>
+            <a:r>
+              <a:rPr lang="en-US" sz="2200" dirty="0" smtClean="0"/>
+              <a:t>connotative</a:t>
+            </a:r>
+            <a:r>
+              <a:rPr lang="ro-RO" sz="2200" dirty="0" smtClean="0"/>
+              <a:t>, </a:t>
+            </a:r>
+            <a:r>
+              <a:rPr lang="en-US" sz="2200" dirty="0" smtClean="0"/>
+              <a:t>empathetic, reduced (Worrall, 2013)</a:t>
+            </a:r>
+            <a:endParaRPr lang="ro-RO" sz="2200" dirty="0" smtClean="0"/>
           </a:p>
           <a:p>
             <a:pPr marL="742950" lvl="4" indent="-742950" algn="l">
@@ -8407,16 +9232,8 @@
               <a:buChar char="•"/>
             </a:pPr>
             <a:r>
-              <a:rPr lang="ro-RO" dirty="0" smtClean="0"/>
-              <a:t>rezultat</a:t>
-            </a:r>
-            <a:r>
               <a:rPr lang="en-US" dirty="0" smtClean="0"/>
-              <a:t>: </a:t>
-            </a:r>
-            <a:r>
-              <a:rPr lang="ro-RO" dirty="0" smtClean="0"/>
-              <a:t>o platformă flexibilă interacțiune audio</a:t>
+              <a:t>result: flexible sound interaction platform</a:t>
             </a:r>
             <a:endParaRPr lang="en-GB" dirty="0"/>
           </a:p>
@@ -8431,11 +9248,11 @@
           <p:nvPr/>
         </p:nvPicPr>
         <p:blipFill>
-          <a:blip r:embed="rId2">
+          <a:blip r:embed="rId3">
             <a:extLst>
               <a:ext uri="{BEBA8EAE-BF5A-486C-A8C5-ECC9F3942E4B}">
                 <a14:imgProps xmlns:a14="http://schemas.microsoft.com/office/drawing/2010/main">
-                  <a14:imgLayer r:embed="rId3">
+                  <a14:imgLayer r:embed="rId4">
                     <a14:imgEffect>
                       <a14:sharpenSoften amount="50000"/>
                     </a14:imgEffect>
@@ -8454,7 +9271,7 @@
         </p:blipFill>
         <p:spPr bwMode="auto">
           <a:xfrm>
-            <a:off x="6959600" y="1828800"/>
+            <a:off x="6959600" y="1695450"/>
             <a:ext cx="5924550" cy="7677150"/>
           </a:xfrm>
           <a:prstGeom prst="rect">
@@ -8845,6 +9662,237 @@
 </p:sld>
 </file>
 
+<file path=ppt/slides/slide5.xml><?xml version="1.0" encoding="utf-8"?>
+<p:sld xmlns:a="http://schemas.openxmlformats.org/drawingml/2006/main" xmlns:r="http://schemas.openxmlformats.org/officeDocument/2006/relationships" xmlns:p="http://schemas.openxmlformats.org/presentationml/2006/main">
+  <p:cSld>
+    <p:spTree>
+      <p:nvGrpSpPr>
+        <p:cNvPr id="1" name=""/>
+        <p:cNvGrpSpPr/>
+        <p:nvPr/>
+      </p:nvGrpSpPr>
+      <p:grpSpPr>
+        <a:xfrm>
+          <a:off x="0" y="0"/>
+          <a:ext cx="0" cy="0"/>
+          <a:chOff x="0" y="0"/>
+          <a:chExt cx="0" cy="0"/>
+        </a:xfrm>
+      </p:grpSpPr>
+      <p:sp>
+        <p:nvSpPr>
+          <p:cNvPr id="2" name="Title 1"/>
+          <p:cNvSpPr>
+            <a:spLocks noGrp="1"/>
+          </p:cNvSpPr>
+          <p:nvPr>
+            <p:ph type="title"/>
+          </p:nvPr>
+        </p:nvSpPr>
+        <p:spPr>
+          <a:xfrm>
+            <a:off x="482600" y="304800"/>
+            <a:ext cx="11963400" cy="1524000"/>
+          </a:xfrm>
+        </p:spPr>
+        <p:txBody>
+          <a:bodyPr>
+            <a:normAutofit fontScale="90000"/>
+          </a:bodyPr>
+          <a:lstStyle/>
+          <a:p>
+            <a:pPr marL="742950" indent="-742950">
+              <a:spcBef>
+                <a:spcPts val="4200"/>
+              </a:spcBef>
+            </a:pPr>
+            <a:r>
+              <a:rPr lang="en-US" dirty="0" smtClean="0"/>
+              <a:t>2. Installation: </a:t>
+            </a:r>
+            <a:r>
+              <a:rPr lang="en-US" dirty="0" smtClean="0"/>
+              <a:t>scenario flow</a:t>
+            </a:r>
+            <a:endParaRPr lang="ro-RO" sz="4900" dirty="0"/>
+          </a:p>
+        </p:txBody>
+      </p:sp>
+      <p:sp>
+        <p:nvSpPr>
+          <p:cNvPr id="3" name="Text Placeholder 2"/>
+          <p:cNvSpPr>
+            <a:spLocks noGrp="1"/>
+          </p:cNvSpPr>
+          <p:nvPr>
+            <p:ph type="body" idx="1"/>
+          </p:nvPr>
+        </p:nvSpPr>
+        <p:spPr>
+          <a:xfrm>
+            <a:off x="1320800" y="2514600"/>
+            <a:ext cx="10464800" cy="6019800"/>
+          </a:xfrm>
+        </p:spPr>
+        <p:txBody>
+          <a:bodyPr anchor="ctr"/>
+          <a:lstStyle/>
+          <a:p>
+            <a:pPr marL="742950" indent="-742950" algn="l">
+              <a:spcBef>
+                <a:spcPts val="4200"/>
+              </a:spcBef>
+              <a:buSzPct val="75000"/>
+              <a:buFont typeface="Arial" panose="020B0604020202020204" pitchFamily="34" charset="0"/>
+              <a:buChar char="•"/>
+            </a:pPr>
+            <a:r>
+              <a:rPr lang="en-US" sz="3800" dirty="0" smtClean="0"/>
+              <a:t>Search phase</a:t>
+            </a:r>
+          </a:p>
+          <a:p>
+            <a:pPr marL="742950" indent="-742950" algn="l">
+              <a:spcBef>
+                <a:spcPts val="4200"/>
+              </a:spcBef>
+              <a:buSzPct val="75000"/>
+              <a:buFont typeface="Arial" panose="020B0604020202020204" pitchFamily="34" charset="0"/>
+              <a:buChar char="•"/>
+            </a:pPr>
+            <a:r>
+              <a:rPr lang="en-US" sz="3800" dirty="0" smtClean="0"/>
+              <a:t>Manipulation phase</a:t>
+            </a:r>
+          </a:p>
+          <a:p>
+            <a:pPr marL="742950" indent="-742950" algn="l">
+              <a:spcBef>
+                <a:spcPts val="4200"/>
+              </a:spcBef>
+              <a:buSzPct val="75000"/>
+              <a:buFont typeface="Arial" panose="020B0604020202020204" pitchFamily="34" charset="0"/>
+              <a:buChar char="•"/>
+            </a:pPr>
+            <a:r>
+              <a:rPr lang="en-US" sz="3800" dirty="0" smtClean="0"/>
+              <a:t>Arrangement phase</a:t>
+            </a:r>
+            <a:endParaRPr lang="ro-RO" sz="3800" dirty="0" smtClean="0"/>
+          </a:p>
+          <a:p>
+            <a:pPr marL="742950" indent="-742950" algn="l">
+              <a:spcBef>
+                <a:spcPts val="4200"/>
+              </a:spcBef>
+              <a:buSzPct val="75000"/>
+              <a:buFont typeface="Arial" panose="020B0604020202020204" pitchFamily="34" charset="0"/>
+              <a:buChar char="•"/>
+            </a:pPr>
+            <a:endParaRPr lang="en-GB" sz="3800" dirty="0"/>
+          </a:p>
+        </p:txBody>
+      </p:sp>
+    </p:spTree>
+    <p:extLst>
+      <p:ext uri="{BB962C8B-B14F-4D97-AF65-F5344CB8AC3E}">
+        <p14:creationId xmlns:p14="http://schemas.microsoft.com/office/powerpoint/2010/main" val="3155923141"/>
+      </p:ext>
+    </p:extLst>
+  </p:cSld>
+  <p:clrMapOvr>
+    <a:masterClrMapping/>
+  </p:clrMapOvr>
+  <p:transition spd="med"/>
+  <p:timing>
+    <p:tnLst>
+      <p:par>
+        <p:cTn id="1" dur="indefinite" restart="never" nodeType="tmRoot"/>
+      </p:par>
+    </p:tnLst>
+  </p:timing>
+</p:sld>
+</file>
+
+<file path=ppt/slides/slide6.xml><?xml version="1.0" encoding="utf-8"?>
+<p:sld xmlns:a="http://schemas.openxmlformats.org/drawingml/2006/main" xmlns:r="http://schemas.openxmlformats.org/officeDocument/2006/relationships" xmlns:p="http://schemas.openxmlformats.org/presentationml/2006/main">
+  <p:cSld>
+    <p:spTree>
+      <p:nvGrpSpPr>
+        <p:cNvPr id="1" name=""/>
+        <p:cNvGrpSpPr/>
+        <p:nvPr/>
+      </p:nvGrpSpPr>
+      <p:grpSpPr>
+        <a:xfrm>
+          <a:off x="0" y="0"/>
+          <a:ext cx="0" cy="0"/>
+          <a:chOff x="0" y="0"/>
+          <a:chExt cx="0" cy="0"/>
+        </a:xfrm>
+      </p:grpSpPr>
+      <p:pic>
+        <p:nvPicPr>
+          <p:cNvPr id="1026" name="Picture 2" descr="C:\Users\prow\Documents\viconOSC\_am\img\nexus.png"/>
+          <p:cNvPicPr>
+            <a:picLocks noChangeAspect="1" noChangeArrowheads="1"/>
+          </p:cNvPicPr>
+          <p:nvPr/>
+        </p:nvPicPr>
+        <p:blipFill>
+          <a:blip r:embed="rId2" cstate="print">
+            <a:extLst>
+              <a:ext uri="{28A0092B-C50C-407E-A947-70E740481C1C}">
+                <a14:useLocalDpi xmlns:a14="http://schemas.microsoft.com/office/drawing/2010/main" val="0"/>
+              </a:ext>
+            </a:extLst>
+          </a:blip>
+          <a:srcRect/>
+          <a:stretch>
+            <a:fillRect/>
+          </a:stretch>
+        </p:blipFill>
+        <p:spPr bwMode="auto">
+          <a:xfrm>
+            <a:off x="3141662" y="3178431"/>
+            <a:ext cx="7018338" cy="3984369"/>
+          </a:xfrm>
+          <a:prstGeom prst="rect">
+            <a:avLst/>
+          </a:prstGeom>
+          <a:noFill/>
+          <a:extLst>
+            <a:ext uri="{909E8E84-426E-40DD-AFC4-6F175D3DCCD1}">
+              <a14:hiddenFill xmlns:a14="http://schemas.microsoft.com/office/drawing/2010/main">
+                <a:solidFill>
+                  <a:srgbClr val="FFFFFF"/>
+                </a:solidFill>
+              </a14:hiddenFill>
+            </a:ext>
+          </a:extLst>
+        </p:spPr>
+      </p:pic>
+    </p:spTree>
+    <p:extLst>
+      <p:ext uri="{BB962C8B-B14F-4D97-AF65-F5344CB8AC3E}">
+        <p14:creationId xmlns:p14="http://schemas.microsoft.com/office/powerpoint/2010/main" val="580727499"/>
+      </p:ext>
+    </p:extLst>
+  </p:cSld>
+  <p:clrMapOvr>
+    <a:masterClrMapping/>
+  </p:clrMapOvr>
+  <p:transition spd="med"/>
+  <p:timing>
+    <p:tnLst>
+      <p:par>
+        <p:cTn id="1" dur="indefinite" restart="never" nodeType="tmRoot"/>
+      </p:par>
+    </p:tnLst>
+  </p:timing>
+</p:sld>
+</file>
+
 <file path=ppt/slides/slide7.xml><?xml version="1.0" encoding="utf-8"?>
 <p:sld xmlns:a="http://schemas.openxmlformats.org/drawingml/2006/main" xmlns:r="http://schemas.openxmlformats.org/officeDocument/2006/relationships" xmlns:p="http://schemas.openxmlformats.org/presentationml/2006/main">
   <p:cSld>
@@ -8880,7 +9928,7 @@
         </p:spPr>
         <p:txBody>
           <a:bodyPr>
-            <a:normAutofit fontScale="90000"/>
+            <a:normAutofit/>
           </a:bodyPr>
           <a:lstStyle/>
           <a:p>
@@ -8890,18 +9938,22 @@
               </a:spcBef>
             </a:pPr>
             <a:r>
-              <a:rPr lang="ro-RO" i="1" dirty="0" smtClean="0"/>
+              <a:rPr lang="en-US" sz="6000" dirty="0" smtClean="0"/>
+              <a:t>2. </a:t>
+            </a:r>
+            <a:r>
+              <a:rPr lang="ro-RO" sz="6000" i="1" dirty="0" smtClean="0"/>
               <a:t>SoundThimble</a:t>
             </a:r>
             <a:r>
-              <a:rPr lang="en-US" dirty="0"/>
-              <a:t>: </a:t>
-            </a:r>
-            <a:r>
-              <a:rPr lang="ro-RO" dirty="0" smtClean="0"/>
-              <a:t>implementare</a:t>
-            </a:r>
-            <a:endParaRPr lang="ro-RO" dirty="0"/>
+              <a:rPr lang="en-US" sz="6000" dirty="0" smtClean="0"/>
+              <a:t> </a:t>
+            </a:r>
+            <a:r>
+              <a:rPr lang="en-US" sz="6000" dirty="0" smtClean="0"/>
+              <a:t>implementation</a:t>
+            </a:r>
+            <a:endParaRPr lang="ro-RO" sz="6000" dirty="0"/>
           </a:p>
         </p:txBody>
       </p:sp>
@@ -8955,21 +10007,16 @@
             </a:r>
             <a:r>
               <a:rPr lang="en-US" sz="2200" dirty="0" smtClean="0"/>
-              <a:t>5 </a:t>
-            </a:r>
-            <a:r>
-              <a:rPr lang="en-US" sz="2200" dirty="0" err="1"/>
-              <a:t>markere</a:t>
+              <a:t>5 markers, </a:t>
             </a:r>
             <a:r>
               <a:rPr lang="en-US" sz="2200" dirty="0"/>
-              <a:t>, 2 </a:t>
-            </a:r>
-            <a:r>
-              <a:rPr lang="en-US" sz="2200" dirty="0" err="1" smtClean="0"/>
-              <a:t>segmente</a:t>
-            </a:r>
-            <a:endParaRPr lang="en-US" sz="2200" dirty="0" smtClean="0"/>
+              <a:t>2 </a:t>
+            </a:r>
+            <a:r>
+              <a:rPr lang="en-US" sz="2200" dirty="0" smtClean="0"/>
+              <a:t>segments</a:t>
+            </a:r>
           </a:p>
           <a:p>
             <a:pPr marL="742950" indent="-742950" algn="l">
@@ -8982,15 +10029,7 @@
             </a:pPr>
             <a:r>
               <a:rPr lang="en-US" sz="3800" dirty="0" smtClean="0"/>
-              <a:t>Max: </a:t>
-            </a:r>
-            <a:r>
-              <a:rPr lang="en-US" sz="3800" dirty="0" err="1" smtClean="0"/>
-              <a:t>gesturi</a:t>
-            </a:r>
-            <a:r>
-              <a:rPr lang="en-US" sz="3800" dirty="0" smtClean="0"/>
-              <a:t>  </a:t>
+              <a:t>Max: gestures  </a:t>
             </a:r>
             <a:r>
               <a:rPr lang="en-US" sz="2200" dirty="0" err="1" smtClean="0"/>
@@ -9015,28 +10054,32 @@
               <a:t>Max: </a:t>
             </a:r>
             <a:r>
-              <a:rPr lang="en-US" sz="3800" dirty="0" err="1" smtClean="0"/>
-              <a:t>sonificare</a:t>
-            </a:r>
-            <a:r>
               <a:rPr lang="en-US" sz="3800" dirty="0" smtClean="0"/>
-              <a:t>     </a:t>
-            </a:r>
-            <a:r>
-              <a:rPr lang="en-US" sz="2200" dirty="0" err="1" smtClean="0"/>
-              <a:t>fiecare</a:t>
+              <a:t>sonification     </a:t>
+            </a:r>
+            <a:r>
+              <a:rPr lang="en-US" sz="2200" dirty="0" smtClean="0"/>
+              <a:t>each </a:t>
+            </a:r>
+            <a:r>
+              <a:rPr lang="en-US" sz="2200" i="1" dirty="0" smtClean="0"/>
+              <a:t>thimble</a:t>
             </a:r>
             <a:r>
               <a:rPr lang="en-US" sz="2200" dirty="0" smtClean="0"/>
               <a:t> </a:t>
             </a:r>
             <a:r>
-              <a:rPr lang="en-US" sz="2200" i="1" dirty="0" smtClean="0"/>
-              <a:t>thimble</a:t>
-            </a:r>
-            <a:r>
               <a:rPr lang="en-US" sz="2200" dirty="0" smtClean="0"/>
-              <a:t> e un generator independent</a:t>
+              <a:t>has its </a:t>
+            </a:r>
+            <a:r>
+              <a:rPr lang="en-US" sz="2200" dirty="0" smtClean="0"/>
+              <a:t>own sonic </a:t>
+            </a:r>
+            <a:r>
+              <a:rPr lang="en-US" sz="2200" dirty="0" smtClean="0"/>
+              <a:t>features</a:t>
             </a:r>
             <a:endParaRPr lang="en-GB" sz="2200" dirty="0"/>
           </a:p>
@@ -9074,7 +10117,7 @@
         </p:blipFill>
         <p:spPr bwMode="auto">
           <a:xfrm>
-            <a:off x="6502400" y="2178523"/>
+            <a:off x="6426200" y="1981200"/>
             <a:ext cx="6502400" cy="7575077"/>
           </a:xfrm>
           <a:prstGeom prst="rect">
@@ -9161,7 +10204,7 @@
         </p:spPr>
         <p:txBody>
           <a:bodyPr>
-            <a:normAutofit fontScale="90000"/>
+            <a:normAutofit/>
           </a:bodyPr>
           <a:lstStyle/>
           <a:p>
@@ -9171,25 +10214,14 @@
               </a:spcBef>
             </a:pPr>
             <a:r>
-              <a:rPr lang="ro-RO" i="1" dirty="0" smtClean="0"/>
-              <a:t>SoundThimble</a:t>
-            </a:r>
-            <a:r>
-              <a:rPr lang="en-US" dirty="0"/>
-              <a:t>: </a:t>
-            </a:r>
-            <a:r>
-              <a:rPr lang="ro-RO" dirty="0" smtClean="0"/>
-              <a:t>sound design</a:t>
-            </a:r>
-            <a:br>
-              <a:rPr lang="ro-RO" dirty="0" smtClean="0"/>
-            </a:br>
-            <a:r>
-              <a:rPr lang="ro-RO" sz="4900" dirty="0" smtClean="0"/>
-              <a:t>Posibilități de mapare</a:t>
-            </a:r>
-            <a:endParaRPr lang="ro-RO" sz="4900" dirty="0"/>
+              <a:rPr lang="en-US" sz="6600" dirty="0" smtClean="0"/>
+              <a:t>3. Installation: </a:t>
+            </a:r>
+            <a:r>
+              <a:rPr lang="en-US" sz="6600" dirty="0" smtClean="0"/>
+              <a:t>interaction </a:t>
+            </a:r>
+            <a:endParaRPr lang="ro-RO" sz="4400" dirty="0"/>
           </a:p>
         </p:txBody>
       </p:sp>
@@ -9222,28 +10254,16 @@
               <a:buChar char="•"/>
             </a:pPr>
             <a:r>
-              <a:rPr lang="ro-RO" sz="3800" i="1" dirty="0" smtClean="0"/>
-              <a:t>One to one</a:t>
-            </a:r>
-            <a:r>
-              <a:rPr lang="en-US" sz="3800" i="1" dirty="0" smtClean="0"/>
-              <a:t> </a:t>
-            </a:r>
-            <a:r>
               <a:rPr lang="en-US" sz="3800" dirty="0" smtClean="0"/>
-              <a:t>(</a:t>
-            </a:r>
-            <a:r>
-              <a:rPr lang="en-US" sz="3800" dirty="0" err="1" smtClean="0"/>
-              <a:t>mapare</a:t>
+              <a:t>X, Y, Z </a:t>
             </a:r>
             <a:r>
               <a:rPr lang="en-US" sz="3800" dirty="0" smtClean="0"/>
-              <a:t> direct</a:t>
-            </a:r>
-            <a:r>
-              <a:rPr lang="ro-RO" sz="3800" dirty="0" smtClean="0"/>
-              <a:t>ă)</a:t>
+              <a:t>hand coordinates </a:t>
+            </a:r>
+            <a:r>
+              <a:rPr lang="en-US" sz="3800" dirty="0" smtClean="0"/>
+              <a:t>mapping</a:t>
             </a:r>
           </a:p>
           <a:p>
@@ -9256,12 +10276,8 @@
               <a:buChar char="•"/>
             </a:pPr>
             <a:r>
-              <a:rPr lang="ro-RO" sz="3800" i="1" dirty="0" smtClean="0"/>
-              <a:t>One to many </a:t>
-            </a:r>
-            <a:r>
-              <a:rPr lang="ro-RO" sz="3800" dirty="0" smtClean="0"/>
-              <a:t>(mapare divergentă)</a:t>
+              <a:rPr lang="en-US" sz="3800" dirty="0" smtClean="0"/>
+              <a:t>hotspots</a:t>
             </a:r>
           </a:p>
           <a:p>
@@ -9274,18 +10290,65 @@
               <a:buChar char="•"/>
             </a:pPr>
             <a:r>
-              <a:rPr lang="ro-RO" sz="3800" i="1" dirty="0" smtClean="0"/>
-              <a:t>Many to one</a:t>
-            </a:r>
-            <a:r>
-              <a:rPr lang="ro-RO" sz="3800" dirty="0" smtClean="0"/>
-              <a:t> (</a:t>
-            </a:r>
-            <a:r>
-              <a:rPr lang="ro-RO" sz="3800" dirty="0"/>
-              <a:t>mapare convergentă)</a:t>
-            </a:r>
-            <a:endParaRPr lang="ro-RO" sz="3800" i="1" dirty="0" smtClean="0"/>
+              <a:rPr lang="en-US" sz="3800" dirty="0"/>
+              <a:t>g</a:t>
+            </a:r>
+            <a:r>
+              <a:rPr lang="en-US" sz="3800" dirty="0" smtClean="0"/>
+              <a:t>esture-based triggering </a:t>
+            </a:r>
+            <a:r>
+              <a:rPr lang="en-US" sz="3800" dirty="0"/>
+              <a:t>&amp;</a:t>
+            </a:r>
+            <a:r>
+              <a:rPr lang="en-US" sz="3800" dirty="0" smtClean="0"/>
+              <a:t> mapping</a:t>
+            </a:r>
+            <a:endParaRPr lang="en-US" sz="3800" dirty="0" smtClean="0"/>
+          </a:p>
+          <a:p>
+            <a:pPr marL="742950" indent="-742950" algn="l">
+              <a:spcBef>
+                <a:spcPts val="4200"/>
+              </a:spcBef>
+              <a:buSzPct val="75000"/>
+              <a:buFont typeface="Arial" panose="020B0604020202020204" pitchFamily="34" charset="0"/>
+              <a:buChar char="•"/>
+            </a:pPr>
+            <a:r>
+              <a:rPr lang="en-US" sz="3800" dirty="0" smtClean="0"/>
+              <a:t>differentials </a:t>
+            </a:r>
+            <a:r>
+              <a:rPr lang="en-US" sz="2800" dirty="0" smtClean="0"/>
+              <a:t>(speed, acceleration) </a:t>
+            </a:r>
+            <a:r>
+              <a:rPr lang="en-US" sz="3800" dirty="0" smtClean="0"/>
+              <a:t>and </a:t>
+            </a:r>
+            <a:r>
+              <a:rPr lang="en-US" sz="3800" dirty="0" smtClean="0"/>
+              <a:t>relative </a:t>
+            </a:r>
+            <a:r>
+              <a:rPr lang="en-US" sz="3800" dirty="0" smtClean="0"/>
+              <a:t>coordinates </a:t>
+            </a:r>
+            <a:r>
+              <a:rPr lang="en-US" sz="2800" dirty="0" smtClean="0"/>
+              <a:t>(hand-head, hand-object, hand-hotspot </a:t>
+            </a:r>
+            <a:r>
+              <a:rPr lang="en-US" sz="2800" dirty="0" err="1" smtClean="0"/>
+              <a:t>etc</a:t>
+            </a:r>
+            <a:r>
+              <a:rPr lang="en-US" sz="2800" dirty="0" smtClean="0"/>
+              <a:t>)</a:t>
+            </a:r>
+            <a:endParaRPr lang="ro-RO" sz="2800" dirty="0" smtClean="0"/>
           </a:p>
           <a:p>
             <a:pPr marL="742950" indent="-742950" algn="l">
@@ -9303,7 +10366,7 @@
     </p:spTree>
     <p:extLst>
       <p:ext uri="{BB962C8B-B14F-4D97-AF65-F5344CB8AC3E}">
-        <p14:creationId xmlns:p14="http://schemas.microsoft.com/office/powerpoint/2010/main" val="3155923141"/>
+        <p14:creationId xmlns:p14="http://schemas.microsoft.com/office/powerpoint/2010/main" val="546962786"/>
       </p:ext>
     </p:extLst>
   </p:cSld>
@@ -9314,9 +10377,234 @@
   <p:timing>
     <p:tnLst>
       <p:par>
-        <p:cTn id="1" dur="indefinite" restart="never" nodeType="tmRoot"/>
+        <p:cTn id="1" dur="indefinite" restart="never" nodeType="tmRoot">
+          <p:childTnLst>
+            <p:seq concurrent="1" nextAc="seek">
+              <p:cTn id="2" dur="indefinite" nodeType="mainSeq">
+                <p:childTnLst>
+                  <p:par>
+                    <p:cTn id="3" fill="hold">
+                      <p:stCondLst>
+                        <p:cond delay="indefinite"/>
+                        <p:cond evt="onBegin" delay="0">
+                          <p:tn val="2"/>
+                        </p:cond>
+                      </p:stCondLst>
+                      <p:childTnLst>
+                        <p:par>
+                          <p:cTn id="4" fill="hold">
+                            <p:stCondLst>
+                              <p:cond delay="0"/>
+                            </p:stCondLst>
+                            <p:childTnLst>
+                              <p:par>
+                                <p:cTn id="5" presetID="1" presetClass="entr" presetSubtype="0" fill="hold" grpId="0" nodeType="withEffect">
+                                  <p:stCondLst>
+                                    <p:cond delay="0"/>
+                                  </p:stCondLst>
+                                  <p:childTnLst>
+                                    <p:set>
+                                      <p:cBhvr>
+                                        <p:cTn id="6" dur="1" fill="hold">
+                                          <p:stCondLst>
+                                            <p:cond delay="0"/>
+                                          </p:stCondLst>
+                                        </p:cTn>
+                                        <p:tgtEl>
+                                          <p:spTgt spid="3">
+                                            <p:txEl>
+                                              <p:pRg st="0" end="0"/>
+                                            </p:txEl>
+                                          </p:spTgt>
+                                        </p:tgtEl>
+                                        <p:attrNameLst>
+                                          <p:attrName>style.visibility</p:attrName>
+                                        </p:attrNameLst>
+                                      </p:cBhvr>
+                                      <p:to>
+                                        <p:strVal val="visible"/>
+                                      </p:to>
+                                    </p:set>
+                                  </p:childTnLst>
+                                </p:cTn>
+                              </p:par>
+                            </p:childTnLst>
+                          </p:cTn>
+                        </p:par>
+                      </p:childTnLst>
+                    </p:cTn>
+                  </p:par>
+                  <p:par>
+                    <p:cTn id="7" fill="hold">
+                      <p:stCondLst>
+                        <p:cond delay="indefinite"/>
+                      </p:stCondLst>
+                      <p:childTnLst>
+                        <p:par>
+                          <p:cTn id="8" fill="hold">
+                            <p:stCondLst>
+                              <p:cond delay="0"/>
+                            </p:stCondLst>
+                            <p:childTnLst>
+                              <p:par>
+                                <p:cTn id="9" presetID="1" presetClass="entr" presetSubtype="0" fill="hold" grpId="0" nodeType="clickEffect">
+                                  <p:stCondLst>
+                                    <p:cond delay="0"/>
+                                  </p:stCondLst>
+                                  <p:childTnLst>
+                                    <p:set>
+                                      <p:cBhvr>
+                                        <p:cTn id="10" dur="1" fill="hold">
+                                          <p:stCondLst>
+                                            <p:cond delay="0"/>
+                                          </p:stCondLst>
+                                        </p:cTn>
+                                        <p:tgtEl>
+                                          <p:spTgt spid="3">
+                                            <p:txEl>
+                                              <p:pRg st="1" end="1"/>
+                                            </p:txEl>
+                                          </p:spTgt>
+                                        </p:tgtEl>
+                                        <p:attrNameLst>
+                                          <p:attrName>style.visibility</p:attrName>
+                                        </p:attrNameLst>
+                                      </p:cBhvr>
+                                      <p:to>
+                                        <p:strVal val="visible"/>
+                                      </p:to>
+                                    </p:set>
+                                  </p:childTnLst>
+                                </p:cTn>
+                              </p:par>
+                            </p:childTnLst>
+                          </p:cTn>
+                        </p:par>
+                      </p:childTnLst>
+                    </p:cTn>
+                  </p:par>
+                  <p:par>
+                    <p:cTn id="11" fill="hold">
+                      <p:stCondLst>
+                        <p:cond delay="indefinite"/>
+                      </p:stCondLst>
+                      <p:childTnLst>
+                        <p:par>
+                          <p:cTn id="12" fill="hold">
+                            <p:stCondLst>
+                              <p:cond delay="0"/>
+                            </p:stCondLst>
+                            <p:childTnLst>
+                              <p:par>
+                                <p:cTn id="13" presetID="1" presetClass="entr" presetSubtype="0" fill="hold" grpId="0" nodeType="clickEffect">
+                                  <p:stCondLst>
+                                    <p:cond delay="0"/>
+                                  </p:stCondLst>
+                                  <p:childTnLst>
+                                    <p:set>
+                                      <p:cBhvr>
+                                        <p:cTn id="14" dur="1" fill="hold">
+                                          <p:stCondLst>
+                                            <p:cond delay="0"/>
+                                          </p:stCondLst>
+                                        </p:cTn>
+                                        <p:tgtEl>
+                                          <p:spTgt spid="3">
+                                            <p:txEl>
+                                              <p:pRg st="2" end="2"/>
+                                            </p:txEl>
+                                          </p:spTgt>
+                                        </p:tgtEl>
+                                        <p:attrNameLst>
+                                          <p:attrName>style.visibility</p:attrName>
+                                        </p:attrNameLst>
+                                      </p:cBhvr>
+                                      <p:to>
+                                        <p:strVal val="visible"/>
+                                      </p:to>
+                                    </p:set>
+                                  </p:childTnLst>
+                                </p:cTn>
+                              </p:par>
+                            </p:childTnLst>
+                          </p:cTn>
+                        </p:par>
+                      </p:childTnLst>
+                    </p:cTn>
+                  </p:par>
+                  <p:par>
+                    <p:cTn id="15" fill="hold">
+                      <p:stCondLst>
+                        <p:cond delay="indefinite"/>
+                      </p:stCondLst>
+                      <p:childTnLst>
+                        <p:par>
+                          <p:cTn id="16" fill="hold">
+                            <p:stCondLst>
+                              <p:cond delay="0"/>
+                            </p:stCondLst>
+                            <p:childTnLst>
+                              <p:par>
+                                <p:cTn id="17" presetID="1" presetClass="entr" presetSubtype="0" fill="hold" grpId="0" nodeType="clickEffect">
+                                  <p:stCondLst>
+                                    <p:cond delay="0"/>
+                                  </p:stCondLst>
+                                  <p:childTnLst>
+                                    <p:set>
+                                      <p:cBhvr>
+                                        <p:cTn id="18" dur="1" fill="hold">
+                                          <p:stCondLst>
+                                            <p:cond delay="0"/>
+                                          </p:stCondLst>
+                                        </p:cTn>
+                                        <p:tgtEl>
+                                          <p:spTgt spid="3">
+                                            <p:txEl>
+                                              <p:pRg st="3" end="3"/>
+                                            </p:txEl>
+                                          </p:spTgt>
+                                        </p:tgtEl>
+                                        <p:attrNameLst>
+                                          <p:attrName>style.visibility</p:attrName>
+                                        </p:attrNameLst>
+                                      </p:cBhvr>
+                                      <p:to>
+                                        <p:strVal val="visible"/>
+                                      </p:to>
+                                    </p:set>
+                                  </p:childTnLst>
+                                </p:cTn>
+                              </p:par>
+                            </p:childTnLst>
+                          </p:cTn>
+                        </p:par>
+                      </p:childTnLst>
+                    </p:cTn>
+                  </p:par>
+                </p:childTnLst>
+              </p:cTn>
+              <p:prevCondLst>
+                <p:cond evt="onPrev" delay="0">
+                  <p:tgtEl>
+                    <p:sldTgt/>
+                  </p:tgtEl>
+                </p:cond>
+              </p:prevCondLst>
+              <p:nextCondLst>
+                <p:cond evt="onNext" delay="0">
+                  <p:tgtEl>
+                    <p:sldTgt/>
+                  </p:tgtEl>
+                </p:cond>
+              </p:nextCondLst>
+            </p:seq>
+          </p:childTnLst>
+        </p:cTn>
       </p:par>
     </p:tnLst>
+    <p:bldLst>
+      <p:bldP spid="3" grpId="0" uiExpand="1" build="p"/>
+    </p:bldLst>
   </p:timing>
 </p:sld>
 </file>
@@ -9356,7 +10644,7 @@
         </p:spPr>
         <p:txBody>
           <a:bodyPr>
-            <a:normAutofit fontScale="90000"/>
+            <a:normAutofit/>
           </a:bodyPr>
           <a:lstStyle/>
           <a:p>
@@ -9366,25 +10654,22 @@
               </a:spcBef>
             </a:pPr>
             <a:r>
-              <a:rPr lang="ro-RO" i="1" dirty="0" smtClean="0"/>
-              <a:t>SoundThimble</a:t>
-            </a:r>
-            <a:r>
-              <a:rPr lang="en-US" dirty="0"/>
+              <a:rPr lang="en-US" sz="6600" dirty="0" smtClean="0"/>
+              <a:t>3. Installation</a:t>
+            </a:r>
+            <a:r>
+              <a:rPr lang="en-US" sz="6600" dirty="0" smtClean="0"/>
               <a:t>: </a:t>
             </a:r>
             <a:r>
-              <a:rPr lang="ro-RO" dirty="0" smtClean="0"/>
-              <a:t>sound design</a:t>
-            </a:r>
-            <a:br>
-              <a:rPr lang="ro-RO" dirty="0" smtClean="0"/>
-            </a:br>
-            <a:r>
-              <a:rPr lang="ro-RO" sz="4900" dirty="0" smtClean="0"/>
-              <a:t>Metode de sonificare</a:t>
-            </a:r>
-            <a:endParaRPr lang="ro-RO" sz="4900" dirty="0"/>
+              <a:rPr lang="ro-RO" sz="6600" dirty="0" smtClean="0"/>
+              <a:t>sound </a:t>
+            </a:r>
+            <a:r>
+              <a:rPr lang="ro-RO" sz="6600" dirty="0" smtClean="0"/>
+              <a:t>design</a:t>
+            </a:r>
+            <a:endParaRPr lang="ro-RO" sz="4000" dirty="0"/>
           </a:p>
         </p:txBody>
       </p:sp>
@@ -9406,21 +10691,19 @@
         </p:spPr>
         <p:txBody>
           <a:bodyPr anchor="ctr">
-            <a:normAutofit/>
+            <a:normAutofit fontScale="92500" lnSpcReduction="10000"/>
           </a:bodyPr>
           <a:lstStyle/>
           <a:p>
-            <a:pPr marL="742950" indent="-742950" algn="l">
+            <a:pPr algn="l">
               <a:spcBef>
                 <a:spcPts val="4200"/>
               </a:spcBef>
               <a:buSzPct val="75000"/>
-              <a:buFont typeface="Arial" panose="020B0604020202020204" pitchFamily="34" charset="0"/>
-              <a:buChar char="•"/>
             </a:pPr>
             <a:r>
-              <a:rPr lang="ro-RO" sz="3600" dirty="0" smtClean="0"/>
-              <a:t>Triggering (hotspots)</a:t>
+              <a:rPr lang="en-US" sz="3600" dirty="0" smtClean="0"/>
+              <a:t>Granular Synthesis</a:t>
             </a:r>
           </a:p>
           <a:p>
@@ -9433,12 +10716,28 @@
               <a:buChar char="•"/>
             </a:pPr>
             <a:r>
-              <a:rPr lang="ro-RO" sz="3600" dirty="0" smtClean="0"/>
-              <a:t>Sinteză granulară</a:t>
+              <a:rPr lang="en-US" sz="3600" dirty="0" err="1" smtClean="0"/>
+              <a:t>mappable</a:t>
+            </a:r>
+            <a:r>
+              <a:rPr lang="en-US" sz="3600" dirty="0" smtClean="0"/>
+              <a:t> parameters: grain position, size, envelope, density, pitch</a:t>
             </a:r>
           </a:p>
           <a:p>
-            <a:pPr marL="742950" indent="-742950" algn="l">
+            <a:pPr algn="l">
+              <a:spcBef>
+                <a:spcPts val="4200"/>
+              </a:spcBef>
+              <a:buSzPct val="75000"/>
+            </a:pPr>
+            <a:r>
+              <a:rPr lang="en-US" sz="3600" dirty="0" smtClean="0"/>
+              <a:t>Additive Synthesis</a:t>
+            </a:r>
+          </a:p>
+          <a:p>
+            <a:pPr marL="571500" indent="-571500" algn="l">
               <a:spcBef>
                 <a:spcPts val="4200"/>
               </a:spcBef>
@@ -9447,12 +10746,29 @@
               <a:buChar char="•"/>
             </a:pPr>
             <a:r>
-              <a:rPr lang="ro-RO" sz="3600" dirty="0" smtClean="0"/>
-              <a:t>Sinteză aditivă</a:t>
-            </a:r>
+              <a:rPr lang="en-US" sz="3600" dirty="0" err="1" smtClean="0"/>
+              <a:t>mappable</a:t>
+            </a:r>
+            <a:r>
+              <a:rPr lang="en-US" sz="3600" dirty="0" smtClean="0"/>
+              <a:t> parameters: main frequency, decorrelation</a:t>
+            </a:r>
+            <a:endParaRPr lang="ro-RO" sz="3600" dirty="0" smtClean="0"/>
           </a:p>
           <a:p>
-            <a:pPr marL="742950" indent="-742950" algn="l">
+            <a:pPr algn="l">
+              <a:spcBef>
+                <a:spcPts val="4200"/>
+              </a:spcBef>
+              <a:buSzPct val="75000"/>
+            </a:pPr>
+            <a:r>
+              <a:rPr lang="en-US" sz="3600" dirty="0" smtClean="0"/>
+              <a:t>Spatial effects</a:t>
+            </a:r>
+          </a:p>
+          <a:p>
+            <a:pPr marL="571500" indent="-571500" algn="l">
               <a:spcBef>
                 <a:spcPts val="4200"/>
               </a:spcBef>
@@ -9461,36 +10777,29 @@
               <a:buChar char="•"/>
             </a:pPr>
             <a:r>
-              <a:rPr lang="ro-RO" sz="3600" dirty="0" smtClean="0"/>
-              <a:t>Sinteză </a:t>
-            </a:r>
-            <a:r>
-              <a:rPr lang="ro-RO" sz="3600" i="1" dirty="0" smtClean="0"/>
-              <a:t>wavetable</a:t>
-            </a:r>
-            <a:endParaRPr lang="ro-RO" sz="3600" dirty="0" smtClean="0"/>
+              <a:rPr lang="en-US" sz="3600" dirty="0" err="1" smtClean="0"/>
+              <a:t>mappable</a:t>
+            </a:r>
+            <a:r>
+              <a:rPr lang="en-US" sz="3600" dirty="0" smtClean="0"/>
+              <a:t> parameters: pan, spread, reverb, tone (</a:t>
+            </a:r>
+            <a:r>
+              <a:rPr lang="en-US" sz="3600" dirty="0" err="1" smtClean="0"/>
+              <a:t>eq</a:t>
+            </a:r>
+            <a:r>
+              <a:rPr lang="en-US" sz="3600" dirty="0" smtClean="0"/>
+              <a:t>)</a:t>
+            </a:r>
           </a:p>
           <a:p>
-            <a:pPr marL="742950" indent="-742950" algn="l">
+            <a:pPr algn="l">
               <a:spcBef>
                 <a:spcPts val="4200"/>
               </a:spcBef>
               <a:buSzPct val="75000"/>
-              <a:buFont typeface="Arial" panose="020B0604020202020204" pitchFamily="34" charset="0"/>
-              <a:buChar char="•"/>
             </a:pPr>
-            <a:r>
-              <a:rPr lang="ro-RO" sz="3600" dirty="0" smtClean="0"/>
-              <a:t>Efecte spațiale (panoramare, </a:t>
-            </a:r>
-            <a:r>
-              <a:rPr lang="ro-RO" sz="3600" i="1" dirty="0" smtClean="0"/>
-              <a:t>spread, </a:t>
-            </a:r>
-            <a:r>
-              <a:rPr lang="ro-RO" sz="3600" dirty="0" smtClean="0"/>
-              <a:t>reverb, ecou, EQ)</a:t>
-            </a:r>
             <a:endParaRPr lang="en-GB" sz="3600" dirty="0"/>
           </a:p>
         </p:txBody>

--- a/_am/_ppt/amostly-grig.pptx
+++ b/_am/_ppt/amostly-grig.pptx
@@ -5,7 +5,7 @@
     <p:sldMasterId id="2147483648" r:id="rId1"/>
   </p:sldMasterIdLst>
   <p:notesMasterIdLst>
-    <p:notesMasterId r:id="rId18"/>
+    <p:notesMasterId r:id="rId19"/>
   </p:notesMasterIdLst>
   <p:sldIdLst>
     <p:sldId id="256" r:id="rId2"/>
@@ -21,9 +21,10 @@
     <p:sldId id="267" r:id="rId12"/>
     <p:sldId id="268" r:id="rId13"/>
     <p:sldId id="269" r:id="rId14"/>
-    <p:sldId id="270" r:id="rId15"/>
-    <p:sldId id="263" r:id="rId16"/>
-    <p:sldId id="273" r:id="rId17"/>
+    <p:sldId id="274" r:id="rId15"/>
+    <p:sldId id="270" r:id="rId16"/>
+    <p:sldId id="263" r:id="rId17"/>
+    <p:sldId id="273" r:id="rId18"/>
   </p:sldIdLst>
   <p:sldSz cx="13004800" cy="9753600"/>
   <p:notesSz cx="6858000" cy="9144000"/>
@@ -1718,11 +1719,11 @@
         </c:dLbls>
         <c:marker val="1"/>
         <c:smooth val="0"/>
-        <c:axId val="69445888"/>
-        <c:axId val="80666624"/>
+        <c:axId val="75447296"/>
+        <c:axId val="75494144"/>
       </c:lineChart>
       <c:catAx>
-        <c:axId val="69445888"/>
+        <c:axId val="75447296"/>
         <c:scaling>
           <c:orientation val="minMax"/>
         </c:scaling>
@@ -1731,7 +1732,7 @@
         <c:majorTickMark val="out"/>
         <c:minorTickMark val="none"/>
         <c:tickLblPos val="nextTo"/>
-        <c:crossAx val="80666624"/>
+        <c:crossAx val="75494144"/>
         <c:crosses val="autoZero"/>
         <c:auto val="1"/>
         <c:lblAlgn val="ctr"/>
@@ -1739,7 +1740,7 @@
         <c:noMultiLvlLbl val="0"/>
       </c:catAx>
       <c:valAx>
-        <c:axId val="80666624"/>
+        <c:axId val="75494144"/>
         <c:scaling>
           <c:orientation val="minMax"/>
         </c:scaling>
@@ -1750,7 +1751,7 @@
         <c:majorTickMark val="out"/>
         <c:minorTickMark val="none"/>
         <c:tickLblPos val="nextTo"/>
-        <c:crossAx val="69445888"/>
+        <c:crossAx val="75447296"/>
         <c:crosses val="autoZero"/>
         <c:crossBetween val="between"/>
       </c:valAx>
@@ -3234,11 +3235,11 @@
         </c:dLbls>
         <c:marker val="1"/>
         <c:smooth val="0"/>
-        <c:axId val="82199296"/>
-        <c:axId val="82200832"/>
+        <c:axId val="78677504"/>
+        <c:axId val="78679040"/>
       </c:lineChart>
       <c:catAx>
-        <c:axId val="82199296"/>
+        <c:axId val="78677504"/>
         <c:scaling>
           <c:orientation val="minMax"/>
         </c:scaling>
@@ -3247,7 +3248,7 @@
         <c:majorTickMark val="out"/>
         <c:minorTickMark val="none"/>
         <c:tickLblPos val="nextTo"/>
-        <c:crossAx val="82200832"/>
+        <c:crossAx val="78679040"/>
         <c:crosses val="autoZero"/>
         <c:auto val="1"/>
         <c:lblAlgn val="ctr"/>
@@ -3255,7 +3256,7 @@
         <c:noMultiLvlLbl val="0"/>
       </c:catAx>
       <c:valAx>
-        <c:axId val="82200832"/>
+        <c:axId val="78679040"/>
         <c:scaling>
           <c:orientation val="minMax"/>
         </c:scaling>
@@ -3266,7 +3267,7 @@
         <c:majorTickMark val="out"/>
         <c:minorTickMark val="none"/>
         <c:tickLblPos val="nextTo"/>
-        <c:crossAx val="82199296"/>
+        <c:crossAx val="78677504"/>
         <c:crosses val="autoZero"/>
         <c:crossBetween val="between"/>
       </c:valAx>
@@ -3387,11 +3388,11 @@
           <c:showBubbleSize val="0"/>
         </c:dLbls>
         <c:gapWidth val="150"/>
-        <c:axId val="82772352"/>
-        <c:axId val="82773888"/>
+        <c:axId val="78795136"/>
+        <c:axId val="78796672"/>
       </c:barChart>
       <c:catAx>
-        <c:axId val="82772352"/>
+        <c:axId val="78795136"/>
         <c:scaling>
           <c:orientation val="minMax"/>
         </c:scaling>
@@ -3400,7 +3401,7 @@
         <c:majorTickMark val="none"/>
         <c:minorTickMark val="none"/>
         <c:tickLblPos val="nextTo"/>
-        <c:crossAx val="82773888"/>
+        <c:crossAx val="78796672"/>
         <c:crosses val="autoZero"/>
         <c:auto val="1"/>
         <c:lblAlgn val="ctr"/>
@@ -3408,7 +3409,7 @@
         <c:noMultiLvlLbl val="0"/>
       </c:catAx>
       <c:valAx>
-        <c:axId val="82773888"/>
+        <c:axId val="78796672"/>
         <c:scaling>
           <c:orientation val="minMax"/>
         </c:scaling>
@@ -3419,7 +3420,7 @@
         <c:majorTickMark val="none"/>
         <c:minorTickMark val="none"/>
         <c:tickLblPos val="nextTo"/>
-        <c:crossAx val="82772352"/>
+        <c:crossAx val="78795136"/>
         <c:crosses val="autoZero"/>
         <c:crossBetween val="between"/>
       </c:valAx>
@@ -3581,11 +3582,11 @@
           <c:showBubbleSize val="0"/>
         </c:dLbls>
         <c:gapWidth val="150"/>
-        <c:axId val="82786560"/>
-        <c:axId val="82804736"/>
+        <c:axId val="78818304"/>
+        <c:axId val="78836480"/>
       </c:barChart>
       <c:catAx>
-        <c:axId val="82786560"/>
+        <c:axId val="78818304"/>
         <c:scaling>
           <c:orientation val="minMax"/>
         </c:scaling>
@@ -3594,7 +3595,7 @@
         <c:majorTickMark val="out"/>
         <c:minorTickMark val="none"/>
         <c:tickLblPos val="nextTo"/>
-        <c:crossAx val="82804736"/>
+        <c:crossAx val="78836480"/>
         <c:crosses val="autoZero"/>
         <c:auto val="1"/>
         <c:lblAlgn val="ctr"/>
@@ -3602,7 +3603,7 @@
         <c:noMultiLvlLbl val="0"/>
       </c:catAx>
       <c:valAx>
-        <c:axId val="82804736"/>
+        <c:axId val="78836480"/>
         <c:scaling>
           <c:orientation val="minMax"/>
         </c:scaling>
@@ -3613,7 +3614,7 @@
         <c:majorTickMark val="out"/>
         <c:minorTickMark val="none"/>
         <c:tickLblPos val="nextTo"/>
-        <c:crossAx val="82786560"/>
+        <c:crossAx val="78818304"/>
         <c:crosses val="autoZero"/>
         <c:crossBetween val="between"/>
       </c:valAx>
@@ -5197,7 +5198,7 @@
           </a:ln>
           <a:extLst>
             <a:ext uri="{C572A759-6A51-4108-AA02-DFA0A04FC94B}">
-              <ma14:wrappingTextBoxFlag xmlns:ma14="http://schemas.microsoft.com/office/mac/drawingml/2011/main" xmlns="" val="1"/>
+              <ma14:wrappingTextBoxFlag xmlns="" xmlns:ma14="http://schemas.microsoft.com/office/mac/drawingml/2011/main" val="1"/>
             </a:ext>
           </a:extLst>
         </p:spPr>
@@ -5248,7 +5249,7 @@
           </a:ln>
           <a:extLst>
             <a:ext uri="{C572A759-6A51-4108-AA02-DFA0A04FC94B}">
-              <ma14:wrappingTextBoxFlag xmlns:ma14="http://schemas.microsoft.com/office/mac/drawingml/2011/main" xmlns="" val="1"/>
+              <ma14:wrappingTextBoxFlag xmlns="" xmlns:ma14="http://schemas.microsoft.com/office/mac/drawingml/2011/main" val="1"/>
             </a:ext>
           </a:extLst>
         </p:spPr>
@@ -5765,7 +5766,7 @@
         </p:blipFill>
         <p:spPr bwMode="auto">
           <a:xfrm>
-            <a:off x="-2847603" y="-12357"/>
+            <a:off x="-2847603" y="0"/>
             <a:ext cx="17960603" cy="10196384"/>
           </a:xfrm>
           <a:prstGeom prst="rect">
@@ -5796,7 +5797,7 @@
         <p:spPr>
           <a:xfrm>
             <a:off x="1270000" y="-76200"/>
-            <a:ext cx="10464800" cy="7772400"/>
+            <a:ext cx="10464800" cy="8382000"/>
           </a:xfrm>
         </p:spPr>
         <p:txBody>
@@ -5855,37 +5856,48 @@
               <a:t>, </a:t>
             </a:r>
             <a:r>
-              <a:rPr lang="ro-RO" sz="2800" dirty="0" smtClean="0"/>
+              <a:rPr lang="ro-RO" sz="2800" u="sng" dirty="0" smtClean="0"/>
               <a:t>Ș</a:t>
             </a:r>
             <a:r>
-              <a:rPr lang="en-GB" sz="2800" dirty="0" err="1" smtClean="0"/>
+              <a:rPr lang="en-GB" sz="2800" u="sng" dirty="0" err="1" smtClean="0"/>
               <a:t>tefan</a:t>
             </a:r>
             <a:r>
+              <a:rPr lang="en-GB" sz="2800" u="sng" dirty="0" smtClean="0"/>
+              <a:t> Damian</a:t>
+            </a:r>
+            <a:r>
               <a:rPr lang="en-GB" sz="2800" dirty="0" smtClean="0"/>
-              <a:t> Damian, </a:t>
-            </a:r>
-            <a:r>
-              <a:rPr lang="en-GB" sz="2800" dirty="0" smtClean="0"/>
-              <a:t/>
+              <a:t>, </a:t>
             </a:r>
             <a:br>
               <a:rPr lang="en-GB" sz="2800" dirty="0" smtClean="0"/>
             </a:br>
             <a:r>
               <a:rPr lang="en-GB" sz="2800" dirty="0" smtClean="0"/>
-              <a:t>Valentin </a:t>
-            </a:r>
-            <a:r>
-              <a:rPr lang="en-GB" sz="2800" dirty="0" smtClean="0"/>
-              <a:t>Mihai, Bogdan </a:t>
+              <a:t>Valentin Mihai, Bogdan </a:t>
             </a:r>
             <a:r>
               <a:rPr lang="en-GB" sz="2800" dirty="0" err="1" smtClean="0"/>
               <a:t>Golumbeanu</a:t>
             </a:r>
-            <a:endParaRPr lang="en-GB" sz="2800" dirty="0"/>
+            <a:r>
+              <a:rPr lang="en-GB" sz="2800" dirty="0" smtClean="0"/>
+              <a:t/>
+            </a:r>
+            <a:br>
+              <a:rPr lang="en-GB" sz="2800" dirty="0" smtClean="0"/>
+            </a:br>
+            <a:r>
+              <a:rPr lang="en-GB" sz="2000" dirty="0" err="1" smtClean="0"/>
+              <a:t>CINETic</a:t>
+            </a:r>
+            <a:r>
+              <a:rPr lang="en-GB" sz="2000" dirty="0" smtClean="0"/>
+              <a:t> UNATC // Bucharest, RO</a:t>
+            </a:r>
+            <a:endParaRPr lang="en-GB" sz="2000" dirty="0"/>
           </a:p>
         </p:txBody>
       </p:sp>
@@ -5901,7 +5913,7 @@
         </p:nvSpPr>
         <p:spPr>
           <a:xfrm>
-            <a:off x="1270000" y="8470900"/>
+            <a:off x="1270000" y="9067800"/>
             <a:ext cx="10464800" cy="673100"/>
           </a:xfrm>
         </p:spPr>
@@ -5917,15 +5929,11 @@
             </a:r>
             <a:r>
               <a:rPr lang="en-US" sz="2400" dirty="0" smtClean="0"/>
-              <a:t> ’17, August </a:t>
+              <a:t> ’17, August 23, </a:t>
             </a:r>
             <a:r>
               <a:rPr lang="en-US" sz="2400" dirty="0" smtClean="0"/>
-              <a:t>23, </a:t>
-            </a:r>
-            <a:r>
-              <a:rPr lang="en-US" sz="2400" dirty="0" smtClean="0"/>
-              <a:t>2017, </a:t>
+              <a:t>2017 // </a:t>
             </a:r>
             <a:r>
               <a:rPr lang="en-US" sz="2400" dirty="0"/>
@@ -6060,7 +6068,6 @@
               <a:rPr lang="en-US" sz="3800" dirty="0" smtClean="0"/>
               <a:t>initial results</a:t>
             </a:r>
-            <a:endParaRPr lang="en-US" sz="3800" dirty="0" smtClean="0"/>
           </a:p>
           <a:p>
             <a:pPr marL="742950" indent="-742950" algn="l">
@@ -6180,11 +6187,7 @@
             </a:pPr>
             <a:r>
               <a:rPr lang="en-US" sz="6600" dirty="0" smtClean="0"/>
-              <a:t>4. Gesture </a:t>
-            </a:r>
-            <a:r>
-              <a:rPr lang="en-US" sz="6600" dirty="0" smtClean="0"/>
-              <a:t>recognition</a:t>
+              <a:t>4. Gesture recognition</a:t>
             </a:r>
             <a:endParaRPr lang="ro-RO" sz="6600" dirty="0"/>
           </a:p>
@@ -6240,11 +6243,7 @@
             </a:pPr>
             <a:r>
               <a:rPr lang="en-US" sz="3800" dirty="0" smtClean="0"/>
-              <a:t>trained on 3 </a:t>
-            </a:r>
-            <a:r>
-              <a:rPr lang="en-US" sz="3800" dirty="0" smtClean="0"/>
-              <a:t>gestures</a:t>
+              <a:t>trained on 3 gestures</a:t>
             </a:r>
           </a:p>
           <a:p>
@@ -6262,7 +6261,11 @@
             </a:r>
             <a:r>
               <a:rPr lang="en-US" sz="3800" dirty="0" smtClean="0"/>
-              <a:t>-HHMM: continuous probabilities</a:t>
+              <a:t>-HHMM: continuous </a:t>
+            </a:r>
+            <a:r>
+              <a:rPr lang="en-US" sz="3800" dirty="0" smtClean="0"/>
+              <a:t>classification probabilities</a:t>
             </a:r>
             <a:endParaRPr lang="en-GB" dirty="0"/>
           </a:p>
@@ -6939,11 +6942,7 @@
             </a:pPr>
             <a:r>
               <a:rPr lang="en-US" sz="6600" dirty="0" smtClean="0"/>
-              <a:t>4. Gesture </a:t>
-            </a:r>
-            <a:r>
-              <a:rPr lang="en-US" sz="6600" dirty="0" smtClean="0"/>
-              <a:t>recognition</a:t>
+              <a:t>4. Gesture recognition</a:t>
             </a:r>
             <a:endParaRPr lang="ro-RO" sz="6600" dirty="0"/>
           </a:p>
@@ -7013,15 +7012,7 @@
             </a:pPr>
             <a:r>
               <a:rPr lang="en-US" sz="3800" dirty="0" smtClean="0"/>
-              <a:t>161 </a:t>
-            </a:r>
-            <a:r>
-              <a:rPr lang="en-US" sz="3800" dirty="0" smtClean="0"/>
-              <a:t>gesture trials</a:t>
-            </a:r>
-            <a:r>
-              <a:rPr lang="en-US" sz="3800" dirty="0" smtClean="0"/>
-              <a:t>, 83% correct labeling</a:t>
+              <a:t>161 gesture trials, 83% correct labeling</a:t>
             </a:r>
           </a:p>
           <a:p>
@@ -7180,11 +7171,7 @@
             </a:r>
             <a:r>
               <a:rPr lang="en-US" sz="6600" dirty="0" smtClean="0"/>
-              <a:t> </a:t>
-            </a:r>
-            <a:r>
-              <a:rPr lang="en-US" sz="6600" dirty="0" smtClean="0"/>
-              <a:t>search</a:t>
+              <a:t> search</a:t>
             </a:r>
             <a:endParaRPr lang="ro-RO" sz="6600" i="1" dirty="0"/>
           </a:p>
@@ -7384,6 +7371,85 @@
           <a:chExt cx="0" cy="0"/>
         </a:xfrm>
       </p:grpSpPr>
+      <p:pic>
+        <p:nvPicPr>
+          <p:cNvPr id="1026" name="Picture 2" descr="C:\Users\prow\Pictures\vlcsnap-2017-08-23-15h21m16s225.png"/>
+          <p:cNvPicPr>
+            <a:picLocks noChangeAspect="1" noChangeArrowheads="1"/>
+          </p:cNvPicPr>
+          <p:nvPr/>
+        </p:nvPicPr>
+        <p:blipFill>
+          <a:blip r:embed="rId2">
+            <a:extLst>
+              <a:ext uri="{28A0092B-C50C-407E-A947-70E740481C1C}">
+                <a14:useLocalDpi xmlns:a14="http://schemas.microsoft.com/office/drawing/2010/main" val="0"/>
+              </a:ext>
+            </a:extLst>
+          </a:blip>
+          <a:srcRect/>
+          <a:stretch>
+            <a:fillRect/>
+          </a:stretch>
+        </p:blipFill>
+        <p:spPr bwMode="auto">
+          <a:xfrm>
+            <a:off x="2235200" y="2743200"/>
+            <a:ext cx="8423275" cy="4781963"/>
+          </a:xfrm>
+          <a:prstGeom prst="rect">
+            <a:avLst/>
+          </a:prstGeom>
+          <a:noFill/>
+          <a:extLst>
+            <a:ext uri="{909E8E84-426E-40DD-AFC4-6F175D3DCCD1}">
+              <a14:hiddenFill xmlns:a14="http://schemas.microsoft.com/office/drawing/2010/main">
+                <a:solidFill>
+                  <a:srgbClr val="FFFFFF"/>
+                </a:solidFill>
+              </a14:hiddenFill>
+            </a:ext>
+          </a:extLst>
+        </p:spPr>
+      </p:pic>
+    </p:spTree>
+    <p:extLst>
+      <p:ext uri="{BB962C8B-B14F-4D97-AF65-F5344CB8AC3E}">
+        <p14:creationId xmlns:p14="http://schemas.microsoft.com/office/powerpoint/2010/main" val="3139503667"/>
+      </p:ext>
+    </p:extLst>
+  </p:cSld>
+  <p:clrMapOvr>
+    <a:masterClrMapping/>
+  </p:clrMapOvr>
+  <p:transition spd="med"/>
+  <p:timing>
+    <p:tnLst>
+      <p:par>
+        <p:cTn id="1" dur="indefinite" restart="never" nodeType="tmRoot"/>
+      </p:par>
+    </p:tnLst>
+  </p:timing>
+</p:sld>
+</file>
+
+<file path=ppt/slides/slide15.xml><?xml version="1.0" encoding="utf-8"?>
+<p:sld xmlns:a="http://schemas.openxmlformats.org/drawingml/2006/main" xmlns:r="http://schemas.openxmlformats.org/officeDocument/2006/relationships" xmlns:p="http://schemas.openxmlformats.org/presentationml/2006/main">
+  <p:cSld>
+    <p:spTree>
+      <p:nvGrpSpPr>
+        <p:cNvPr id="1" name=""/>
+        <p:cNvGrpSpPr/>
+        <p:nvPr/>
+      </p:nvGrpSpPr>
+      <p:grpSpPr>
+        <a:xfrm>
+          <a:off x="0" y="0"/>
+          <a:ext cx="0" cy="0"/>
+          <a:chOff x="0" y="0"/>
+          <a:chExt cx="0" cy="0"/>
+        </a:xfrm>
+      </p:grpSpPr>
       <p:sp>
         <p:nvSpPr>
           <p:cNvPr id="2" name="Title 1"/>
@@ -7413,11 +7479,7 @@
             </a:pPr>
             <a:r>
               <a:rPr lang="en-US" sz="6600" dirty="0" smtClean="0"/>
-              <a:t>4. Sound </a:t>
-            </a:r>
-            <a:r>
-              <a:rPr lang="en-US" sz="6600" dirty="0" smtClean="0"/>
-              <a:t>manipulation</a:t>
+              <a:t>4. Sound manipulation</a:t>
             </a:r>
             <a:endParaRPr lang="ro-RO" sz="6600" dirty="0"/>
           </a:p>
@@ -7538,7 +7600,7 @@
           </a:ln>
           <a:extLst>
             <a:ext uri="{C572A759-6A51-4108-AA02-DFA0A04FC94B}">
-              <ma14:wrappingTextBoxFlag xmlns:ma14="http://schemas.microsoft.com/office/mac/drawingml/2011/main" xmlns="" val="1"/>
+              <ma14:wrappingTextBoxFlag xmlns="" xmlns:ma14="http://schemas.microsoft.com/office/mac/drawingml/2011/main" val="1"/>
             </a:ext>
           </a:extLst>
         </p:spPr>
@@ -7905,7 +7967,7 @@
 </p:sld>
 </file>
 
-<file path=ppt/slides/slide15.xml><?xml version="1.0" encoding="utf-8"?>
+<file path=ppt/slides/slide16.xml><?xml version="1.0" encoding="utf-8"?>
 <p:sld xmlns:a="http://schemas.openxmlformats.org/drawingml/2006/main" xmlns:r="http://schemas.openxmlformats.org/officeDocument/2006/relationships" xmlns:p="http://schemas.openxmlformats.org/presentationml/2006/main">
   <p:cSld>
     <p:spTree>
@@ -7951,11 +8013,7 @@
             </a:pPr>
             <a:r>
               <a:rPr lang="en-US" sz="6000" dirty="0" smtClean="0"/>
-              <a:t>5. Conclusion </a:t>
-            </a:r>
-            <a:r>
-              <a:rPr lang="en-US" sz="6000" dirty="0" smtClean="0"/>
-              <a:t>and future work</a:t>
+              <a:t>5. Conclusion and future work</a:t>
             </a:r>
             <a:endParaRPr lang="ro-RO" sz="6000" dirty="0"/>
           </a:p>
@@ -7993,11 +8051,7 @@
             </a:pPr>
             <a:r>
               <a:rPr lang="en-US" sz="3800" dirty="0" smtClean="0"/>
-              <a:t>multi-level platform</a:t>
-            </a:r>
-            <a:r>
-              <a:rPr lang="en-US" sz="3800" dirty="0" smtClean="0"/>
-              <a:t>: </a:t>
+              <a:t>multi-level platform: </a:t>
             </a:r>
             <a:r>
               <a:rPr lang="en-US" sz="3000" dirty="0" smtClean="0"/>
@@ -8032,11 +8086,7 @@
             </a:r>
             <a:r>
               <a:rPr lang="en-US" sz="3000" dirty="0" smtClean="0"/>
-              <a:t>portability</a:t>
-            </a:r>
-            <a:r>
-              <a:rPr lang="en-US" sz="3000" dirty="0" smtClean="0"/>
-              <a:t>, translatability</a:t>
+              <a:t>portability, translatability</a:t>
             </a:r>
             <a:endParaRPr lang="ro-RO" sz="3800" dirty="0" smtClean="0"/>
           </a:p>
@@ -8074,11 +8124,7 @@
             </a:r>
             <a:r>
               <a:rPr lang="en-US" sz="3800" dirty="0" smtClean="0"/>
-              <a:t> w/ artists, musicians</a:t>
-            </a:r>
-            <a:r>
-              <a:rPr lang="en-US" sz="3800" dirty="0" smtClean="0"/>
-              <a:t>, composers</a:t>
+              <a:t> w/ artists, musicians, composers</a:t>
             </a:r>
           </a:p>
           <a:p>
@@ -8446,7 +8492,7 @@
 </p:sld>
 </file>
 
-<file path=ppt/slides/slide16.xml><?xml version="1.0" encoding="utf-8"?>
+<file path=ppt/slides/slide17.xml><?xml version="1.0" encoding="utf-8"?>
 <p:sld xmlns:a="http://schemas.openxmlformats.org/drawingml/2006/main" xmlns:r="http://schemas.openxmlformats.org/officeDocument/2006/relationships" xmlns:p="http://schemas.openxmlformats.org/presentationml/2006/main">
   <p:cSld>
     <p:spTree>
@@ -8717,11 +8763,7 @@
             </a:pPr>
             <a:r>
               <a:rPr lang="en-US" sz="3800" dirty="0" smtClean="0"/>
-              <a:t>Interaction </a:t>
-            </a:r>
-            <a:r>
-              <a:rPr lang="en-US" sz="3800" dirty="0" smtClean="0"/>
-              <a:t>and sound design</a:t>
+              <a:t>Interaction and sound design</a:t>
             </a:r>
           </a:p>
           <a:p>
@@ -8749,11 +8791,7 @@
             </a:pPr>
             <a:r>
               <a:rPr lang="en-US" sz="3800" dirty="0" smtClean="0"/>
-              <a:t>Conclusion and future </a:t>
-            </a:r>
-            <a:r>
-              <a:rPr lang="en-US" sz="3800" dirty="0" smtClean="0"/>
-              <a:t>work</a:t>
+              <a:t>Conclusion and future work</a:t>
             </a:r>
             <a:endParaRPr lang="en-GB" sz="3800" dirty="0"/>
           </a:p>
@@ -8826,11 +8864,7 @@
             </a:pPr>
             <a:r>
               <a:rPr lang="en-US" sz="7200" dirty="0" smtClean="0"/>
-              <a:t>1. What </a:t>
-            </a:r>
-            <a:r>
-              <a:rPr lang="en-US" sz="7200" dirty="0" smtClean="0"/>
-              <a:t>is </a:t>
+              <a:t>1. What is </a:t>
             </a:r>
             <a:r>
               <a:rPr lang="ro-RO" sz="7200" i="1" dirty="0" smtClean="0"/>
@@ -8876,17 +8910,8 @@
             </a:pPr>
             <a:r>
               <a:rPr lang="en-US" sz="3600" dirty="0" smtClean="0"/>
-              <a:t>interactive </a:t>
-            </a:r>
-            <a:r>
-              <a:rPr lang="en-US" sz="3600" dirty="0" smtClean="0"/>
-              <a:t>sonification </a:t>
-            </a:r>
-            <a:r>
-              <a:rPr lang="en-US" sz="3600" dirty="0" smtClean="0"/>
-              <a:t>platform for Max &amp; OSC</a:t>
-            </a:r>
-            <a:endParaRPr lang="en-US" sz="3600" dirty="0" smtClean="0"/>
+              <a:t>interactive sonification platform for Max &amp; OSC</a:t>
+            </a:r>
           </a:p>
           <a:p>
             <a:pPr marL="571500" indent="-571500" algn="l">
@@ -8899,11 +8924,7 @@
             </a:pPr>
             <a:r>
               <a:rPr lang="en-US" sz="3600" dirty="0" smtClean="0"/>
-              <a:t>based on a </a:t>
-            </a:r>
-            <a:r>
-              <a:rPr lang="en-US" sz="3600" dirty="0" smtClean="0"/>
-              <a:t>high resolution </a:t>
+              <a:t>based on a high resolution </a:t>
             </a:r>
             <a:r>
               <a:rPr lang="en-US" sz="3600" dirty="0" err="1" smtClean="0"/>
@@ -8911,11 +8932,7 @@
             </a:r>
             <a:r>
               <a:rPr lang="en-US" sz="3600" dirty="0" smtClean="0"/>
-              <a:t> </a:t>
-            </a:r>
-            <a:r>
-              <a:rPr lang="en-US" sz="3600" dirty="0" smtClean="0"/>
-              <a:t>motion capture system</a:t>
+              <a:t> motion capture system</a:t>
             </a:r>
           </a:p>
           <a:p>
@@ -8929,11 +8946,7 @@
             </a:pPr>
             <a:r>
               <a:rPr lang="en-US" sz="3600" dirty="0" smtClean="0"/>
-              <a:t>oriented towards composers, </a:t>
-            </a:r>
-            <a:r>
-              <a:rPr lang="en-US" sz="3600" dirty="0" smtClean="0"/>
-              <a:t>performance and </a:t>
+              <a:t>oriented towards composers, performance and </a:t>
             </a:r>
             <a:r>
               <a:rPr lang="en-US" sz="3600" dirty="0"/>
@@ -8949,11 +8962,7 @@
             </a:r>
             <a:r>
               <a:rPr lang="en-US" sz="3600" dirty="0" smtClean="0"/>
-              <a:t>edia </a:t>
-            </a:r>
-            <a:r>
-              <a:rPr lang="en-US" sz="3600" dirty="0" smtClean="0"/>
-              <a:t>artists</a:t>
+              <a:t>edia artists</a:t>
             </a:r>
           </a:p>
           <a:p>
@@ -8981,19 +8990,7 @@
             </a:pPr>
             <a:r>
               <a:rPr lang="en-US" sz="3600" dirty="0" smtClean="0"/>
-              <a:t>case study as </a:t>
-            </a:r>
-            <a:r>
-              <a:rPr lang="en-US" sz="3600" dirty="0" smtClean="0"/>
-              <a:t>an interactive </a:t>
-            </a:r>
-            <a:r>
-              <a:rPr lang="en-US" sz="3600" dirty="0" smtClean="0"/>
-              <a:t>audio </a:t>
-            </a:r>
-            <a:r>
-              <a:rPr lang="en-US" sz="3600" dirty="0" smtClean="0"/>
-              <a:t>installation</a:t>
+              <a:t>case study as an interactive audio installation</a:t>
             </a:r>
             <a:endParaRPr lang="en-GB" sz="3800" dirty="0" smtClean="0"/>
           </a:p>
@@ -9708,11 +9705,7 @@
             </a:pPr>
             <a:r>
               <a:rPr lang="en-US" dirty="0" smtClean="0"/>
-              <a:t>2. Installation: </a:t>
-            </a:r>
-            <a:r>
-              <a:rPr lang="en-US" dirty="0" smtClean="0"/>
-              <a:t>scenario flow</a:t>
+              <a:t>2. Installation: scenario flow</a:t>
             </a:r>
             <a:endParaRPr lang="ro-RO" sz="4900" dirty="0"/>
           </a:p>
@@ -9947,11 +9940,7 @@
             </a:r>
             <a:r>
               <a:rPr lang="en-US" sz="6000" dirty="0" smtClean="0"/>
-              <a:t> </a:t>
-            </a:r>
-            <a:r>
-              <a:rPr lang="en-US" sz="6000" dirty="0" smtClean="0"/>
-              <a:t>implementation</a:t>
+              <a:t> implementation</a:t>
             </a:r>
             <a:endParaRPr lang="ro-RO" sz="6000" dirty="0"/>
           </a:p>
@@ -10067,19 +10056,7 @@
             </a:r>
             <a:r>
               <a:rPr lang="en-US" sz="2200" dirty="0" smtClean="0"/>
-              <a:t> </a:t>
-            </a:r>
-            <a:r>
-              <a:rPr lang="en-US" sz="2200" dirty="0" smtClean="0"/>
-              <a:t>has its </a:t>
-            </a:r>
-            <a:r>
-              <a:rPr lang="en-US" sz="2200" dirty="0" smtClean="0"/>
-              <a:t>own sonic </a:t>
-            </a:r>
-            <a:r>
-              <a:rPr lang="en-US" sz="2200" dirty="0" smtClean="0"/>
-              <a:t>features</a:t>
+              <a:t> has its own sonic features</a:t>
             </a:r>
             <a:endParaRPr lang="en-GB" sz="2200" dirty="0"/>
           </a:p>
@@ -10215,11 +10192,7 @@
             </a:pPr>
             <a:r>
               <a:rPr lang="en-US" sz="6600" dirty="0" smtClean="0"/>
-              <a:t>3. Installation: </a:t>
-            </a:r>
-            <a:r>
-              <a:rPr lang="en-US" sz="6600" dirty="0" smtClean="0"/>
-              <a:t>interaction </a:t>
+              <a:t>3. Installation: interaction </a:t>
             </a:r>
             <a:endParaRPr lang="ro-RO" sz="4400" dirty="0"/>
           </a:p>
@@ -10255,15 +10228,7 @@
             </a:pPr>
             <a:r>
               <a:rPr lang="en-US" sz="3800" dirty="0" smtClean="0"/>
-              <a:t>X, Y, Z </a:t>
-            </a:r>
-            <a:r>
-              <a:rPr lang="en-US" sz="3800" dirty="0" smtClean="0"/>
-              <a:t>hand coordinates </a:t>
-            </a:r>
-            <a:r>
-              <a:rPr lang="en-US" sz="3800" dirty="0" smtClean="0"/>
-              <a:t>mapping</a:t>
+              <a:t>X, Y, Z hand coordinates mapping</a:t>
             </a:r>
           </a:p>
           <a:p>
@@ -10305,7 +10270,6 @@
               <a:rPr lang="en-US" sz="3800" dirty="0" smtClean="0"/>
               <a:t> mapping</a:t>
             </a:r>
-            <a:endParaRPr lang="en-US" sz="3800" dirty="0" smtClean="0"/>
           </a:p>
           <a:p>
             <a:pPr marL="742950" indent="-742950" algn="l">
@@ -10326,19 +10290,15 @@
             </a:r>
             <a:r>
               <a:rPr lang="en-US" sz="3800" dirty="0" smtClean="0"/>
-              <a:t>and </a:t>
-            </a:r>
-            <a:r>
-              <a:rPr lang="en-US" sz="3800" dirty="0" smtClean="0"/>
-              <a:t>relative </a:t>
-            </a:r>
-            <a:r>
-              <a:rPr lang="en-US" sz="3800" dirty="0" smtClean="0"/>
-              <a:t>coordinates </a:t>
+              <a:t>and relative coordinates </a:t>
             </a:r>
             <a:r>
               <a:rPr lang="en-US" sz="2800" dirty="0" smtClean="0"/>
-              <a:t>(hand-head, hand-object, hand-hotspot </a:t>
+              <a:t>(orthogonal/cylindrical, hand-head</a:t>
+            </a:r>
+            <a:r>
+              <a:rPr lang="en-US" sz="2800" dirty="0" smtClean="0"/>
+              <a:t>, hand-object, hand-hotspot </a:t>
             </a:r>
             <a:r>
               <a:rPr lang="en-US" sz="2800" dirty="0" err="1" smtClean="0"/>
@@ -10655,19 +10615,11 @@
             </a:pPr>
             <a:r>
               <a:rPr lang="en-US" sz="6600" dirty="0" smtClean="0"/>
-              <a:t>3. Installation</a:t>
-            </a:r>
-            <a:r>
-              <a:rPr lang="en-US" sz="6600" dirty="0" smtClean="0"/>
-              <a:t>: </a:t>
+              <a:t>3. Installation: </a:t>
             </a:r>
             <a:r>
               <a:rPr lang="ro-RO" sz="6600" dirty="0" smtClean="0"/>
-              <a:t>sound </a:t>
-            </a:r>
-            <a:r>
-              <a:rPr lang="ro-RO" sz="6600" dirty="0" smtClean="0"/>
-              <a:t>design</a:t>
+              <a:t>sound design</a:t>
             </a:r>
             <a:endParaRPr lang="ro-RO" sz="4000" dirty="0"/>
           </a:p>
